--- a/Projet_7/p7.pptx
+++ b/Projet_7/p7.pptx
@@ -1105,6 +1105,90 @@
 </file>
 
 <file path=ppt/notesSlides/notesSlide8.xml><?xml version="1.0" encoding="utf-8"?>
+<p:notes xmlns:a="http://schemas.openxmlformats.org/drawingml/2006/main" xmlns:r="http://schemas.openxmlformats.org/officeDocument/2006/relationships" xmlns:p="http://schemas.openxmlformats.org/presentationml/2006/main">
+  <p:cSld>
+    <p:spTree>
+      <p:nvGrpSpPr>
+        <p:cNvPr id="1" name=""/>
+        <p:cNvGrpSpPr/>
+        <p:nvPr/>
+      </p:nvGrpSpPr>
+      <p:grpSpPr>
+        <a:xfrm>
+          <a:off x="0" y="0"/>
+          <a:ext cx="0" cy="0"/>
+          <a:chOff x="0" y="0"/>
+          <a:chExt cx="0" cy="0"/>
+        </a:xfrm>
+      </p:grpSpPr>
+      <p:sp>
+        <p:nvSpPr>
+          <p:cNvPr id="2" name="Espace réservé de l'image des diapositives 1"/>
+          <p:cNvSpPr>
+            <a:spLocks noGrp="1" noRot="1" noChangeAspect="1"/>
+          </p:cNvSpPr>
+          <p:nvPr>
+            <p:ph type="sldImg"/>
+          </p:nvPr>
+        </p:nvSpPr>
+        <p:spPr/>
+      </p:sp>
+      <p:sp>
+        <p:nvSpPr>
+          <p:cNvPr id="3" name="Espace réservé des notes 2"/>
+          <p:cNvSpPr>
+            <a:spLocks noGrp="1"/>
+          </p:cNvSpPr>
+          <p:nvPr>
+            <p:ph type="body" idx="1"/>
+          </p:nvPr>
+        </p:nvSpPr>
+        <p:spPr/>
+        <p:txBody>
+          <a:bodyPr/>
+          <a:lstStyle/>
+          <a:p>
+            <a:endParaRPr lang="fr-FR" dirty="0"/>
+          </a:p>
+        </p:txBody>
+      </p:sp>
+      <p:sp>
+        <p:nvSpPr>
+          <p:cNvPr id="4" name="Espace réservé du numéro de diapositive 3"/>
+          <p:cNvSpPr>
+            <a:spLocks noGrp="1"/>
+          </p:cNvSpPr>
+          <p:nvPr>
+            <p:ph type="sldNum" sz="quarter" idx="5"/>
+          </p:nvPr>
+        </p:nvSpPr>
+        <p:spPr/>
+        <p:txBody>
+          <a:bodyPr/>
+          <a:lstStyle/>
+          <a:p>
+            <a:fld id="{83B03462-FDCF-49B6-BCAF-5DA004C02C51}" type="slidenum">
+              <a:rPr lang="fr-FR" smtClean="0"/>
+              <a:t>27</a:t>
+            </a:fld>
+            <a:endParaRPr lang="fr-FR"/>
+          </a:p>
+        </p:txBody>
+      </p:sp>
+    </p:spTree>
+    <p:extLst>
+      <p:ext uri="{BB962C8B-B14F-4D97-AF65-F5344CB8AC3E}">
+        <p14:creationId xmlns:p14="http://schemas.microsoft.com/office/powerpoint/2010/main" val="4048808643"/>
+      </p:ext>
+    </p:extLst>
+  </p:cSld>
+  <p:clrMapOvr>
+    <a:masterClrMapping/>
+  </p:clrMapOvr>
+</p:notes>
+</file>
+
+<file path=ppt/notesSlides/notesSlide9.xml><?xml version="1.0" encoding="utf-8"?>
 <p:notes xmlns:a="http://schemas.openxmlformats.org/drawingml/2006/main" xmlns:r="http://schemas.openxmlformats.org/officeDocument/2006/relationships" xmlns:p="http://schemas.openxmlformats.org/presentationml/2006/main">
   <p:cSld>
     <p:spTree>
@@ -7180,35 +7264,524 @@
           <a:bodyPr/>
           <a:lstStyle/>
           <a:p>
+            <a:r>
+              <a:rPr lang="fr-FR" dirty="0"/>
+              <a:t>filtres</a:t>
+            </a:r>
+          </a:p>
+        </p:txBody>
+      </p:sp>
+      <p:pic>
+        <p:nvPicPr>
+          <p:cNvPr id="5" name="Espace réservé du contenu 4">
+            <a:extLst>
+              <a:ext uri="{FF2B5EF4-FFF2-40B4-BE49-F238E27FC236}">
+                <a16:creationId xmlns:a16="http://schemas.microsoft.com/office/drawing/2014/main" id="{CF07B690-827A-4411-9E5B-5CFEEA479850}"/>
+              </a:ext>
+            </a:extLst>
+          </p:cNvPr>
+          <p:cNvPicPr>
+            <a:picLocks noGrp="1" noChangeAspect="1"/>
+          </p:cNvPicPr>
+          <p:nvPr>
+            <p:ph idx="1"/>
+          </p:nvPr>
+        </p:nvPicPr>
+        <p:blipFill>
+          <a:blip r:embed="rId2">
+            <a:extLst>
+              <a:ext uri="{28A0092B-C50C-407E-A947-70E740481C1C}">
+                <a14:useLocalDpi xmlns:a14="http://schemas.microsoft.com/office/drawing/2010/main" val="0"/>
+              </a:ext>
+            </a:extLst>
+          </a:blip>
+          <a:stretch>
+            <a:fillRect/>
+          </a:stretch>
+        </p:blipFill>
+        <p:spPr>
+          <a:xfrm>
+            <a:off x="8336552" y="4129595"/>
+            <a:ext cx="3663818" cy="2584735"/>
+          </a:xfrm>
+        </p:spPr>
+      </p:pic>
+      <p:pic>
+        <p:nvPicPr>
+          <p:cNvPr id="7" name="Image 6">
+            <a:extLst>
+              <a:ext uri="{FF2B5EF4-FFF2-40B4-BE49-F238E27FC236}">
+                <a16:creationId xmlns:a16="http://schemas.microsoft.com/office/drawing/2014/main" id="{8A273F78-3029-4845-9094-3E481067A740}"/>
+              </a:ext>
+            </a:extLst>
+          </p:cNvPr>
+          <p:cNvPicPr>
+            <a:picLocks noChangeAspect="1"/>
+          </p:cNvPicPr>
+          <p:nvPr/>
+        </p:nvPicPr>
+        <p:blipFill>
+          <a:blip r:embed="rId3">
+            <a:extLst>
+              <a:ext uri="{28A0092B-C50C-407E-A947-70E740481C1C}">
+                <a14:useLocalDpi xmlns:a14="http://schemas.microsoft.com/office/drawing/2010/main" val="0"/>
+              </a:ext>
+            </a:extLst>
+          </a:blip>
+          <a:stretch>
+            <a:fillRect/>
+          </a:stretch>
+        </p:blipFill>
+        <p:spPr>
+          <a:xfrm>
+            <a:off x="3233234" y="4135415"/>
+            <a:ext cx="3493452" cy="2659667"/>
+          </a:xfrm>
+          <a:prstGeom prst="rect">
+            <a:avLst/>
+          </a:prstGeom>
+        </p:spPr>
+      </p:pic>
+      <p:pic>
+        <p:nvPicPr>
+          <p:cNvPr id="9" name="Image 8">
+            <a:extLst>
+              <a:ext uri="{FF2B5EF4-FFF2-40B4-BE49-F238E27FC236}">
+                <a16:creationId xmlns:a16="http://schemas.microsoft.com/office/drawing/2014/main" id="{0231C927-DE4C-468D-A722-E6187C4DEEBA}"/>
+              </a:ext>
+            </a:extLst>
+          </p:cNvPr>
+          <p:cNvPicPr>
+            <a:picLocks noChangeAspect="1"/>
+          </p:cNvPicPr>
+          <p:nvPr/>
+        </p:nvPicPr>
+        <p:blipFill>
+          <a:blip r:embed="rId4">
+            <a:extLst>
+              <a:ext uri="{28A0092B-C50C-407E-A947-70E740481C1C}">
+                <a14:useLocalDpi xmlns:a14="http://schemas.microsoft.com/office/drawing/2010/main" val="0"/>
+              </a:ext>
+            </a:extLst>
+          </a:blip>
+          <a:stretch>
+            <a:fillRect/>
+          </a:stretch>
+        </p:blipFill>
+        <p:spPr>
+          <a:xfrm>
+            <a:off x="8336552" y="1340768"/>
+            <a:ext cx="3663818" cy="2598393"/>
+          </a:xfrm>
+          <a:prstGeom prst="rect">
+            <a:avLst/>
+          </a:prstGeom>
+        </p:spPr>
+      </p:pic>
+      <p:pic>
+        <p:nvPicPr>
+          <p:cNvPr id="11" name="Image 10">
+            <a:extLst>
+              <a:ext uri="{FF2B5EF4-FFF2-40B4-BE49-F238E27FC236}">
+                <a16:creationId xmlns:a16="http://schemas.microsoft.com/office/drawing/2014/main" id="{465CC0ED-F00B-4403-BFC0-3DB1646DDA7D}"/>
+              </a:ext>
+            </a:extLst>
+          </p:cNvPr>
+          <p:cNvPicPr>
+            <a:picLocks noChangeAspect="1"/>
+          </p:cNvPicPr>
+          <p:nvPr/>
+        </p:nvPicPr>
+        <p:blipFill>
+          <a:blip r:embed="rId5">
+            <a:extLst>
+              <a:ext uri="{28A0092B-C50C-407E-A947-70E740481C1C}">
+                <a14:useLocalDpi xmlns:a14="http://schemas.microsoft.com/office/drawing/2010/main" val="0"/>
+              </a:ext>
+            </a:extLst>
+          </a:blip>
+          <a:stretch>
+            <a:fillRect/>
+          </a:stretch>
+        </p:blipFill>
+        <p:spPr>
+          <a:xfrm>
+            <a:off x="3233234" y="1302640"/>
+            <a:ext cx="3493452" cy="2598393"/>
+          </a:xfrm>
+          <a:prstGeom prst="rect">
+            <a:avLst/>
+          </a:prstGeom>
+        </p:spPr>
+      </p:pic>
+      <p:sp>
+        <p:nvSpPr>
+          <p:cNvPr id="12" name="Flèche droite 4">
+            <a:extLst>
+              <a:ext uri="{FF2B5EF4-FFF2-40B4-BE49-F238E27FC236}">
+                <a16:creationId xmlns:a16="http://schemas.microsoft.com/office/drawing/2014/main" id="{4797FF64-096E-41C6-8A69-4553F50F347E}"/>
+              </a:ext>
+            </a:extLst>
+          </p:cNvPr>
+          <p:cNvSpPr/>
+          <p:nvPr/>
+        </p:nvSpPr>
+        <p:spPr>
+          <a:xfrm>
+            <a:off x="11736625" y="6488757"/>
+            <a:ext cx="432048" cy="360040"/>
+          </a:xfrm>
+          <a:prstGeom prst="rightArrow">
+            <a:avLst/>
+          </a:prstGeom>
+          <a:ln/>
+        </p:spPr>
+        <p:style>
+          <a:lnRef idx="0">
+            <a:schemeClr val="dk1"/>
+          </a:lnRef>
+          <a:fillRef idx="3">
+            <a:schemeClr val="dk1"/>
+          </a:fillRef>
+          <a:effectRef idx="3">
+            <a:schemeClr val="dk1"/>
+          </a:effectRef>
+          <a:fontRef idx="minor">
+            <a:schemeClr val="lt1"/>
+          </a:fontRef>
+        </p:style>
+        <p:txBody>
+          <a:bodyPr rtlCol="0" anchor="ctr"/>
+          <a:lstStyle/>
+          <a:p>
+            <a:pPr algn="ctr"/>
             <a:endParaRPr lang="fr-FR"/>
           </a:p>
         </p:txBody>
       </p:sp>
       <p:sp>
         <p:nvSpPr>
-          <p:cNvPr id="3" name="Espace réservé du contenu 2">
+          <p:cNvPr id="14" name="Espace réservé du contenu 4">
             <a:extLst>
               <a:ext uri="{FF2B5EF4-FFF2-40B4-BE49-F238E27FC236}">
-                <a16:creationId xmlns:a16="http://schemas.microsoft.com/office/drawing/2014/main" id="{566B89B6-CA0A-4555-A487-427A8AB53720}"/>
+                <a16:creationId xmlns:a16="http://schemas.microsoft.com/office/drawing/2014/main" id="{C4C292C7-4CDE-4EB5-97BB-3932DB63EC49}"/>
               </a:ext>
             </a:extLst>
           </p:cNvPr>
-          <p:cNvSpPr>
-            <a:spLocks noGrp="1"/>
+          <p:cNvSpPr txBox="1">
+            <a:spLocks/>
           </p:cNvSpPr>
-          <p:nvPr>
-            <p:ph idx="1"/>
-          </p:nvPr>
+          <p:nvPr/>
         </p:nvSpPr>
-        <p:spPr/>
+        <p:spPr>
+          <a:xfrm>
+            <a:off x="2023539" y="1340768"/>
+            <a:ext cx="10025122" cy="5400600"/>
+          </a:xfrm>
+          <a:prstGeom prst="rect">
+            <a:avLst/>
+          </a:prstGeom>
+        </p:spPr>
         <p:txBody>
-          <a:bodyPr/>
-          <a:lstStyle/>
-          <a:p>
-            <a:r>
-              <a:rPr lang="fr-FR" dirty="0"/>
-              <a:t>EXEMPLE DE TRAITEMENT D’IMAGE</a:t>
-            </a:r>
+          <a:bodyPr vert="horz" lIns="91440" tIns="45720" rIns="91440" bIns="45720" rtlCol="0">
+            <a:normAutofit/>
+          </a:bodyPr>
+          <a:lstStyle>
+            <a:lvl1pPr marL="228600" indent="-228600" algn="l" defTabSz="914400" rtl="0" eaLnBrk="1" latinLnBrk="0" hangingPunct="1">
+              <a:lnSpc>
+                <a:spcPct val="100000"/>
+              </a:lnSpc>
+              <a:spcBef>
+                <a:spcPts val="600"/>
+              </a:spcBef>
+              <a:spcAft>
+                <a:spcPts val="600"/>
+              </a:spcAft>
+              <a:buClr>
+                <a:schemeClr val="accent2"/>
+              </a:buClr>
+              <a:buFont typeface="Arial" panose="020B0604020202020204" pitchFamily="34" charset="0"/>
+              <a:buChar char="•"/>
+              <a:defRPr sz="3200" kern="1200">
+                <a:solidFill>
+                  <a:schemeClr val="tx1">
+                    <a:lumMod val="85000"/>
+                    <a:lumOff val="15000"/>
+                  </a:schemeClr>
+                </a:solidFill>
+                <a:latin typeface="+mn-lt"/>
+                <a:ea typeface="+mn-ea"/>
+                <a:cs typeface="+mn-cs"/>
+              </a:defRPr>
+            </a:lvl1pPr>
+            <a:lvl2pPr marL="457200" indent="-228600" algn="l" defTabSz="914400" rtl="0" eaLnBrk="1" latinLnBrk="0" hangingPunct="1">
+              <a:lnSpc>
+                <a:spcPct val="100000"/>
+              </a:lnSpc>
+              <a:spcBef>
+                <a:spcPts val="600"/>
+              </a:spcBef>
+              <a:spcAft>
+                <a:spcPts val="600"/>
+              </a:spcAft>
+              <a:buClr>
+                <a:schemeClr val="accent2"/>
+              </a:buClr>
+              <a:buFont typeface="Arial" panose="020B0604020202020204" pitchFamily="34" charset="0"/>
+              <a:buChar char="•"/>
+              <a:defRPr sz="2800" kern="1200">
+                <a:solidFill>
+                  <a:schemeClr val="tx1">
+                    <a:lumMod val="85000"/>
+                    <a:lumOff val="15000"/>
+                  </a:schemeClr>
+                </a:solidFill>
+                <a:latin typeface="+mn-lt"/>
+                <a:ea typeface="+mn-ea"/>
+                <a:cs typeface="+mn-cs"/>
+              </a:defRPr>
+            </a:lvl2pPr>
+            <a:lvl3pPr marL="685800" indent="-228600" algn="l" defTabSz="914400" rtl="0" eaLnBrk="1" latinLnBrk="0" hangingPunct="1">
+              <a:lnSpc>
+                <a:spcPct val="100000"/>
+              </a:lnSpc>
+              <a:spcBef>
+                <a:spcPts val="600"/>
+              </a:spcBef>
+              <a:spcAft>
+                <a:spcPts val="600"/>
+              </a:spcAft>
+              <a:buClr>
+                <a:schemeClr val="accent2"/>
+              </a:buClr>
+              <a:buFont typeface="Arial" panose="020B0604020202020204" pitchFamily="34" charset="0"/>
+              <a:buChar char="•"/>
+              <a:defRPr sz="2800" kern="1200">
+                <a:solidFill>
+                  <a:schemeClr val="tx1">
+                    <a:lumMod val="85000"/>
+                    <a:lumOff val="15000"/>
+                  </a:schemeClr>
+                </a:solidFill>
+                <a:latin typeface="+mn-lt"/>
+                <a:ea typeface="+mn-ea"/>
+                <a:cs typeface="+mn-cs"/>
+              </a:defRPr>
+            </a:lvl3pPr>
+            <a:lvl4pPr marL="914400" indent="-228600" algn="l" defTabSz="914400" rtl="0" eaLnBrk="1" latinLnBrk="0" hangingPunct="1">
+              <a:lnSpc>
+                <a:spcPct val="100000"/>
+              </a:lnSpc>
+              <a:spcBef>
+                <a:spcPts val="600"/>
+              </a:spcBef>
+              <a:spcAft>
+                <a:spcPts val="600"/>
+              </a:spcAft>
+              <a:buClr>
+                <a:schemeClr val="accent2"/>
+              </a:buClr>
+              <a:buFont typeface="Arial" panose="020B0604020202020204" pitchFamily="34" charset="0"/>
+              <a:buChar char="•"/>
+              <a:defRPr sz="2800" kern="1200">
+                <a:solidFill>
+                  <a:schemeClr val="tx1">
+                    <a:lumMod val="85000"/>
+                    <a:lumOff val="15000"/>
+                  </a:schemeClr>
+                </a:solidFill>
+                <a:latin typeface="+mn-lt"/>
+                <a:ea typeface="+mn-ea"/>
+                <a:cs typeface="+mn-cs"/>
+              </a:defRPr>
+            </a:lvl4pPr>
+            <a:lvl5pPr marL="1143000" indent="-228600" algn="l" defTabSz="914400" rtl="0" eaLnBrk="1" latinLnBrk="0" hangingPunct="1">
+              <a:lnSpc>
+                <a:spcPct val="100000"/>
+              </a:lnSpc>
+              <a:spcBef>
+                <a:spcPts val="600"/>
+              </a:spcBef>
+              <a:spcAft>
+                <a:spcPts val="600"/>
+              </a:spcAft>
+              <a:buClr>
+                <a:schemeClr val="accent2"/>
+              </a:buClr>
+              <a:buFont typeface="Arial" panose="020B0604020202020204" pitchFamily="34" charset="0"/>
+              <a:buChar char="•"/>
+              <a:defRPr sz="2800" kern="1200">
+                <a:solidFill>
+                  <a:schemeClr val="tx1">
+                    <a:lumMod val="85000"/>
+                    <a:lumOff val="15000"/>
+                  </a:schemeClr>
+                </a:solidFill>
+                <a:latin typeface="+mn-lt"/>
+                <a:ea typeface="+mn-ea"/>
+                <a:cs typeface="+mn-cs"/>
+              </a:defRPr>
+            </a:lvl5pPr>
+            <a:lvl6pPr marL="1314450" indent="-228600" algn="l" defTabSz="914400" rtl="0" eaLnBrk="1" latinLnBrk="0" hangingPunct="1">
+              <a:lnSpc>
+                <a:spcPct val="100000"/>
+              </a:lnSpc>
+              <a:spcBef>
+                <a:spcPts val="1000"/>
+              </a:spcBef>
+              <a:buClr>
+                <a:schemeClr val="accent2"/>
+              </a:buClr>
+              <a:buFont typeface="Arial" panose="020B0604020202020204" pitchFamily="34" charset="0"/>
+              <a:buChar char="•"/>
+              <a:defRPr sz="1600" kern="1200">
+                <a:solidFill>
+                  <a:schemeClr val="tx1"/>
+                </a:solidFill>
+                <a:latin typeface="+mn-lt"/>
+                <a:ea typeface="+mn-ea"/>
+                <a:cs typeface="+mn-cs"/>
+              </a:defRPr>
+            </a:lvl6pPr>
+            <a:lvl7pPr marL="1485900" indent="-228600" algn="l" defTabSz="914400" rtl="0" eaLnBrk="1" latinLnBrk="0" hangingPunct="1">
+              <a:lnSpc>
+                <a:spcPct val="100000"/>
+              </a:lnSpc>
+              <a:spcBef>
+                <a:spcPts val="1000"/>
+              </a:spcBef>
+              <a:buClr>
+                <a:schemeClr val="accent2"/>
+              </a:buClr>
+              <a:buFont typeface="Arial" panose="020B0604020202020204" pitchFamily="34" charset="0"/>
+              <a:buChar char="•"/>
+              <a:defRPr sz="1600" kern="1200">
+                <a:solidFill>
+                  <a:schemeClr val="tx1"/>
+                </a:solidFill>
+                <a:latin typeface="+mn-lt"/>
+                <a:ea typeface="+mn-ea"/>
+                <a:cs typeface="+mn-cs"/>
+              </a:defRPr>
+            </a:lvl7pPr>
+            <a:lvl8pPr marL="1657350" indent="-228600" algn="l" defTabSz="914400" rtl="0" eaLnBrk="1" latinLnBrk="0" hangingPunct="1">
+              <a:lnSpc>
+                <a:spcPct val="100000"/>
+              </a:lnSpc>
+              <a:spcBef>
+                <a:spcPts val="1000"/>
+              </a:spcBef>
+              <a:buClr>
+                <a:schemeClr val="accent2"/>
+              </a:buClr>
+              <a:buFont typeface="Arial" panose="020B0604020202020204" pitchFamily="34" charset="0"/>
+              <a:buChar char="•"/>
+              <a:defRPr sz="1600" kern="1200" baseline="0">
+                <a:solidFill>
+                  <a:schemeClr val="tx1"/>
+                </a:solidFill>
+                <a:latin typeface="+mn-lt"/>
+                <a:ea typeface="+mn-ea"/>
+                <a:cs typeface="+mn-cs"/>
+              </a:defRPr>
+            </a:lvl8pPr>
+            <a:lvl9pPr marL="1828800" indent="-228600" algn="l" defTabSz="914400" rtl="0" eaLnBrk="1" latinLnBrk="0" hangingPunct="1">
+              <a:lnSpc>
+                <a:spcPct val="100000"/>
+              </a:lnSpc>
+              <a:spcBef>
+                <a:spcPts val="1000"/>
+              </a:spcBef>
+              <a:buClr>
+                <a:schemeClr val="accent2"/>
+              </a:buClr>
+              <a:buFont typeface="Arial" panose="020B0604020202020204" pitchFamily="34" charset="0"/>
+              <a:buChar char="•"/>
+              <a:defRPr sz="1600" kern="1200" baseline="0">
+                <a:solidFill>
+                  <a:schemeClr val="tx1"/>
+                </a:solidFill>
+                <a:latin typeface="+mn-lt"/>
+                <a:ea typeface="+mn-ea"/>
+                <a:cs typeface="+mn-cs"/>
+              </a:defRPr>
+            </a:lvl9pPr>
+          </a:lstStyle>
+          <a:p>
+            <a:pPr marL="0" indent="0">
+              <a:buFont typeface="Arial" panose="020B0604020202020204" pitchFamily="34" charset="0"/>
+              <a:buNone/>
+            </a:pPr>
+            <a:r>
+              <a:rPr lang="fr-FR" sz="2000" u="sng" dirty="0"/>
+              <a:t>Aucun filtre</a:t>
+            </a:r>
+            <a:r>
+              <a:rPr lang="fr-FR" sz="2000" dirty="0"/>
+              <a:t>				</a:t>
+            </a:r>
+            <a:r>
+              <a:rPr lang="fr-FR" sz="2000" u="sng" dirty="0"/>
+              <a:t>Filtre Gaussien</a:t>
+            </a:r>
+          </a:p>
+          <a:p>
+            <a:pPr marL="0" indent="0">
+              <a:buFont typeface="Arial" panose="020B0604020202020204" pitchFamily="34" charset="0"/>
+              <a:buNone/>
+            </a:pPr>
+            <a:endParaRPr lang="fr-FR" sz="2000" dirty="0"/>
+          </a:p>
+          <a:p>
+            <a:pPr marL="0" indent="0">
+              <a:buFont typeface="Arial" panose="020B0604020202020204" pitchFamily="34" charset="0"/>
+              <a:buNone/>
+            </a:pPr>
+            <a:endParaRPr lang="fr-FR" sz="2000" dirty="0"/>
+          </a:p>
+          <a:p>
+            <a:pPr marL="0" indent="0">
+              <a:buFont typeface="Arial" panose="020B0604020202020204" pitchFamily="34" charset="0"/>
+              <a:buNone/>
+            </a:pPr>
+            <a:endParaRPr lang="fr-FR" sz="2000" dirty="0"/>
+          </a:p>
+          <a:p>
+            <a:pPr marL="0" indent="0">
+              <a:buFont typeface="Arial" panose="020B0604020202020204" pitchFamily="34" charset="0"/>
+              <a:buNone/>
+            </a:pPr>
+            <a:endParaRPr lang="fr-FR" sz="2000" dirty="0"/>
+          </a:p>
+          <a:p>
+            <a:pPr marL="0" indent="0">
+              <a:buFont typeface="Arial" panose="020B0604020202020204" pitchFamily="34" charset="0"/>
+              <a:buNone/>
+            </a:pPr>
+            <a:endParaRPr lang="fr-FR" sz="2000" dirty="0"/>
+          </a:p>
+          <a:p>
+            <a:pPr marL="0" indent="0">
+              <a:buFont typeface="Arial" panose="020B0604020202020204" pitchFamily="34" charset="0"/>
+              <a:buNone/>
+            </a:pPr>
+            <a:r>
+              <a:rPr lang="fr-FR" sz="2000" u="sng" dirty="0"/>
+              <a:t>Filtre Médian</a:t>
+            </a:r>
+            <a:r>
+              <a:rPr lang="fr-FR" sz="2000" dirty="0"/>
+              <a:t>				</a:t>
+            </a:r>
+            <a:r>
+              <a:rPr lang="fr-FR" sz="2000" u="sng" dirty="0"/>
+              <a:t>Filtre </a:t>
+            </a:r>
+            <a:r>
+              <a:rPr lang="fr-FR" sz="2000" u="sng" dirty="0" err="1"/>
+              <a:t>Whitening</a:t>
+            </a:r>
+            <a:endParaRPr lang="fr-FR" sz="2000" u="sng" dirty="0"/>
           </a:p>
         </p:txBody>
       </p:sp>
@@ -7222,6 +7795,281 @@
   <p:clrMapOvr>
     <a:masterClrMapping/>
   </p:clrMapOvr>
+  <p:timing>
+    <p:tnLst>
+      <p:par>
+        <p:cTn id="1" dur="indefinite" restart="never" nodeType="tmRoot">
+          <p:childTnLst>
+            <p:seq concurrent="1" nextAc="seek">
+              <p:cTn id="2" dur="indefinite" nodeType="mainSeq">
+                <p:childTnLst>
+                  <p:par>
+                    <p:cTn id="3" fill="hold">
+                      <p:stCondLst>
+                        <p:cond delay="indefinite"/>
+                      </p:stCondLst>
+                      <p:childTnLst>
+                        <p:par>
+                          <p:cTn id="4" fill="hold">
+                            <p:stCondLst>
+                              <p:cond delay="0"/>
+                            </p:stCondLst>
+                            <p:childTnLst>
+                              <p:par>
+                                <p:cTn id="5" presetID="1" presetClass="entr" presetSubtype="0" fill="hold" nodeType="clickEffect">
+                                  <p:stCondLst>
+                                    <p:cond delay="0"/>
+                                  </p:stCondLst>
+                                  <p:childTnLst>
+                                    <p:set>
+                                      <p:cBhvr>
+                                        <p:cTn id="6" dur="1" fill="hold">
+                                          <p:stCondLst>
+                                            <p:cond delay="0"/>
+                                          </p:stCondLst>
+                                        </p:cTn>
+                                        <p:tgtEl>
+                                          <p:spTgt spid="14">
+                                            <p:txEl>
+                                              <p:pRg st="0" end="0"/>
+                                            </p:txEl>
+                                          </p:spTgt>
+                                        </p:tgtEl>
+                                        <p:attrNameLst>
+                                          <p:attrName>style.visibility</p:attrName>
+                                        </p:attrNameLst>
+                                      </p:cBhvr>
+                                      <p:to>
+                                        <p:strVal val="visible"/>
+                                      </p:to>
+                                    </p:set>
+                                  </p:childTnLst>
+                                </p:cTn>
+                              </p:par>
+                              <p:par>
+                                <p:cTn id="7" presetID="1" presetClass="entr" presetSubtype="0" fill="hold" nodeType="withEffect">
+                                  <p:stCondLst>
+                                    <p:cond delay="0"/>
+                                  </p:stCondLst>
+                                  <p:childTnLst>
+                                    <p:set>
+                                      <p:cBhvr>
+                                        <p:cTn id="8" dur="1" fill="hold">
+                                          <p:stCondLst>
+                                            <p:cond delay="0"/>
+                                          </p:stCondLst>
+                                        </p:cTn>
+                                        <p:tgtEl>
+                                          <p:spTgt spid="11"/>
+                                        </p:tgtEl>
+                                        <p:attrNameLst>
+                                          <p:attrName>style.visibility</p:attrName>
+                                        </p:attrNameLst>
+                                      </p:cBhvr>
+                                      <p:to>
+                                        <p:strVal val="visible"/>
+                                      </p:to>
+                                    </p:set>
+                                  </p:childTnLst>
+                                </p:cTn>
+                              </p:par>
+                              <p:par>
+                                <p:cTn id="9" presetID="1" presetClass="entr" presetSubtype="0" fill="hold" nodeType="withEffect">
+                                  <p:stCondLst>
+                                    <p:cond delay="0"/>
+                                  </p:stCondLst>
+                                  <p:childTnLst>
+                                    <p:set>
+                                      <p:cBhvr>
+                                        <p:cTn id="10" dur="1" fill="hold">
+                                          <p:stCondLst>
+                                            <p:cond delay="0"/>
+                                          </p:stCondLst>
+                                        </p:cTn>
+                                        <p:tgtEl>
+                                          <p:spTgt spid="9"/>
+                                        </p:tgtEl>
+                                        <p:attrNameLst>
+                                          <p:attrName>style.visibility</p:attrName>
+                                        </p:attrNameLst>
+                                      </p:cBhvr>
+                                      <p:to>
+                                        <p:strVal val="visible"/>
+                                      </p:to>
+                                    </p:set>
+                                  </p:childTnLst>
+                                </p:cTn>
+                              </p:par>
+                            </p:childTnLst>
+                          </p:cTn>
+                        </p:par>
+                      </p:childTnLst>
+                    </p:cTn>
+                  </p:par>
+                  <p:par>
+                    <p:cTn id="11" fill="hold">
+                      <p:stCondLst>
+                        <p:cond delay="indefinite"/>
+                      </p:stCondLst>
+                      <p:childTnLst>
+                        <p:par>
+                          <p:cTn id="12" fill="hold">
+                            <p:stCondLst>
+                              <p:cond delay="0"/>
+                            </p:stCondLst>
+                            <p:childTnLst>
+                              <p:par>
+                                <p:cTn id="13" presetID="1" presetClass="entr" presetSubtype="0" fill="hold" nodeType="clickEffect">
+                                  <p:stCondLst>
+                                    <p:cond delay="0"/>
+                                  </p:stCondLst>
+                                  <p:childTnLst>
+                                    <p:set>
+                                      <p:cBhvr>
+                                        <p:cTn id="14" dur="1" fill="hold">
+                                          <p:stCondLst>
+                                            <p:cond delay="0"/>
+                                          </p:stCondLst>
+                                        </p:cTn>
+                                        <p:tgtEl>
+                                          <p:spTgt spid="14">
+                                            <p:txEl>
+                                              <p:pRg st="6" end="6"/>
+                                            </p:txEl>
+                                          </p:spTgt>
+                                        </p:tgtEl>
+                                        <p:attrNameLst>
+                                          <p:attrName>style.visibility</p:attrName>
+                                        </p:attrNameLst>
+                                      </p:cBhvr>
+                                      <p:to>
+                                        <p:strVal val="visible"/>
+                                      </p:to>
+                                    </p:set>
+                                  </p:childTnLst>
+                                </p:cTn>
+                              </p:par>
+                              <p:par>
+                                <p:cTn id="15" presetID="1" presetClass="entr" presetSubtype="0" fill="hold" nodeType="withEffect">
+                                  <p:stCondLst>
+                                    <p:cond delay="0"/>
+                                  </p:stCondLst>
+                                  <p:childTnLst>
+                                    <p:set>
+                                      <p:cBhvr>
+                                        <p:cTn id="16" dur="1" fill="hold">
+                                          <p:stCondLst>
+                                            <p:cond delay="0"/>
+                                          </p:stCondLst>
+                                        </p:cTn>
+                                        <p:tgtEl>
+                                          <p:spTgt spid="7"/>
+                                        </p:tgtEl>
+                                        <p:attrNameLst>
+                                          <p:attrName>style.visibility</p:attrName>
+                                        </p:attrNameLst>
+                                      </p:cBhvr>
+                                      <p:to>
+                                        <p:strVal val="visible"/>
+                                      </p:to>
+                                    </p:set>
+                                  </p:childTnLst>
+                                </p:cTn>
+                              </p:par>
+                              <p:par>
+                                <p:cTn id="17" presetID="1" presetClass="entr" presetSubtype="0" fill="hold" nodeType="withEffect">
+                                  <p:stCondLst>
+                                    <p:cond delay="0"/>
+                                  </p:stCondLst>
+                                  <p:childTnLst>
+                                    <p:set>
+                                      <p:cBhvr>
+                                        <p:cTn id="18" dur="1" fill="hold">
+                                          <p:stCondLst>
+                                            <p:cond delay="0"/>
+                                          </p:stCondLst>
+                                        </p:cTn>
+                                        <p:tgtEl>
+                                          <p:spTgt spid="5"/>
+                                        </p:tgtEl>
+                                        <p:attrNameLst>
+                                          <p:attrName>style.visibility</p:attrName>
+                                        </p:attrNameLst>
+                                      </p:cBhvr>
+                                      <p:to>
+                                        <p:strVal val="visible"/>
+                                      </p:to>
+                                    </p:set>
+                                  </p:childTnLst>
+                                </p:cTn>
+                              </p:par>
+                            </p:childTnLst>
+                          </p:cTn>
+                        </p:par>
+                        <p:par>
+                          <p:cTn id="19" fill="hold">
+                            <p:stCondLst>
+                              <p:cond delay="0"/>
+                            </p:stCondLst>
+                            <p:childTnLst>
+                              <p:par>
+                                <p:cTn id="20" presetID="1" presetClass="entr" presetSubtype="0" fill="hold" grpId="0" nodeType="afterEffect">
+                                  <p:stCondLst>
+                                    <p:cond delay="0"/>
+                                  </p:stCondLst>
+                                  <p:childTnLst>
+                                    <p:set>
+                                      <p:cBhvr>
+                                        <p:cTn id="21" dur="1" fill="hold">
+                                          <p:stCondLst>
+                                            <p:cond delay="0"/>
+                                          </p:stCondLst>
+                                        </p:cTn>
+                                        <p:tgtEl>
+                                          <p:spTgt spid="12"/>
+                                        </p:tgtEl>
+                                        <p:attrNameLst>
+                                          <p:attrName>style.visibility</p:attrName>
+                                        </p:attrNameLst>
+                                      </p:cBhvr>
+                                      <p:to>
+                                        <p:strVal val="visible"/>
+                                      </p:to>
+                                    </p:set>
+                                  </p:childTnLst>
+                                </p:cTn>
+                              </p:par>
+                            </p:childTnLst>
+                          </p:cTn>
+                        </p:par>
+                      </p:childTnLst>
+                    </p:cTn>
+                  </p:par>
+                </p:childTnLst>
+              </p:cTn>
+              <p:prevCondLst>
+                <p:cond evt="onPrev" delay="0">
+                  <p:tgtEl>
+                    <p:sldTgt/>
+                  </p:tgtEl>
+                </p:cond>
+              </p:prevCondLst>
+              <p:nextCondLst>
+                <p:cond evt="onNext" delay="0">
+                  <p:tgtEl>
+                    <p:sldTgt/>
+                  </p:tgtEl>
+                </p:cond>
+              </p:nextCondLst>
+            </p:seq>
+          </p:childTnLst>
+        </p:cTn>
+      </p:par>
+    </p:tnLst>
+    <p:bldLst>
+      <p:bldP spid="12" grpId="0" animBg="1"/>
+    </p:bldLst>
+  </p:timing>
 </p:sld>
 </file>
 
@@ -8674,7 +9522,7 @@
         </p:blipFill>
         <p:spPr>
           <a:xfrm>
-            <a:off x="7200026" y="2704119"/>
+            <a:off x="7180627" y="2733433"/>
             <a:ext cx="4657485" cy="3056740"/>
           </a:xfrm>
           <a:prstGeom prst="rect">
@@ -9103,6 +9951,58 @@
                 <a:lumOff val="40000"/>
               </a:schemeClr>
             </a:solidFill>
+          </a:ln>
+        </p:spPr>
+        <p:style>
+          <a:lnRef idx="2">
+            <a:schemeClr val="accent1">
+              <a:shade val="50000"/>
+            </a:schemeClr>
+          </a:lnRef>
+          <a:fillRef idx="1">
+            <a:schemeClr val="accent1"/>
+          </a:fillRef>
+          <a:effectRef idx="0">
+            <a:schemeClr val="accent1"/>
+          </a:effectRef>
+          <a:fontRef idx="minor">
+            <a:schemeClr val="lt1"/>
+          </a:fontRef>
+        </p:style>
+        <p:txBody>
+          <a:bodyPr rtlCol="0" anchor="ctr"/>
+          <a:lstStyle/>
+          <a:p>
+            <a:pPr algn="ctr"/>
+            <a:endParaRPr lang="fr-FR"/>
+          </a:p>
+        </p:txBody>
+      </p:sp>
+      <p:sp>
+        <p:nvSpPr>
+          <p:cNvPr id="20" name="Rectangle : coins arrondis 19">
+            <a:extLst>
+              <a:ext uri="{FF2B5EF4-FFF2-40B4-BE49-F238E27FC236}">
+                <a16:creationId xmlns:a16="http://schemas.microsoft.com/office/drawing/2014/main" id="{AED83916-407E-4A05-86C2-FE68AA2973D7}"/>
+              </a:ext>
+            </a:extLst>
+          </p:cNvPr>
+          <p:cNvSpPr/>
+          <p:nvPr/>
+        </p:nvSpPr>
+        <p:spPr>
+          <a:xfrm rot="5400000">
+            <a:off x="9141096" y="1309933"/>
+            <a:ext cx="377944" cy="1676786"/>
+          </a:xfrm>
+          <a:prstGeom prst="roundRect">
+            <a:avLst/>
+          </a:prstGeom>
+          <a:solidFill>
+            <a:schemeClr val="bg1"/>
+          </a:solidFill>
+          <a:ln w="38100">
+            <a:noFill/>
           </a:ln>
         </p:spPr>
         <p:style>
@@ -9240,6 +10140,33 @@
                                   </p:childTnLst>
                                 </p:cTn>
                               </p:par>
+                              <p:par>
+                                <p:cTn id="11" presetID="1" presetClass="entr" presetSubtype="0" fill="hold" grpId="0" nodeType="withEffect">
+                                  <p:stCondLst>
+                                    <p:cond delay="0"/>
+                                  </p:stCondLst>
+                                  <p:childTnLst>
+                                    <p:set>
+                                      <p:cBhvr>
+                                        <p:cTn id="12" dur="1" fill="hold">
+                                          <p:stCondLst>
+                                            <p:cond delay="0"/>
+                                          </p:stCondLst>
+                                        </p:cTn>
+                                        <p:tgtEl>
+                                          <p:spTgt spid="20"/>
+                                        </p:tgtEl>
+                                        <p:attrNameLst>
+                                          <p:attrName>style.visibility</p:attrName>
+                                        </p:attrNameLst>
+                                      </p:cBhvr>
+                                      <p:to>
+                                        <p:strVal val="visible"/>
+                                      </p:to>
+                                    </p:set>
+                                  </p:childTnLst>
+                                </p:cTn>
+                              </p:par>
                             </p:childTnLst>
                           </p:cTn>
                         </p:par>
@@ -9247,26 +10174,26 @@
                     </p:cTn>
                   </p:par>
                   <p:par>
-                    <p:cTn id="11" fill="hold">
+                    <p:cTn id="13" fill="hold">
                       <p:stCondLst>
                         <p:cond delay="indefinite"/>
                       </p:stCondLst>
                       <p:childTnLst>
                         <p:par>
-                          <p:cTn id="12" fill="hold">
+                          <p:cTn id="14" fill="hold">
                             <p:stCondLst>
                               <p:cond delay="0"/>
                             </p:stCondLst>
                             <p:childTnLst>
                               <p:par>
-                                <p:cTn id="13" presetID="1" presetClass="entr" presetSubtype="0" fill="hold" nodeType="clickEffect">
+                                <p:cTn id="15" presetID="1" presetClass="entr" presetSubtype="0" fill="hold" nodeType="clickEffect">
                                   <p:stCondLst>
                                     <p:cond delay="0"/>
                                   </p:stCondLst>
                                   <p:childTnLst>
                                     <p:set>
                                       <p:cBhvr>
-                                        <p:cTn id="14" dur="1" fill="hold">
+                                        <p:cTn id="16" dur="1" fill="hold">
                                           <p:stCondLst>
                                             <p:cond delay="0"/>
                                           </p:stCondLst>
@@ -9292,26 +10219,26 @@
                     </p:cTn>
                   </p:par>
                   <p:par>
-                    <p:cTn id="15" fill="hold">
+                    <p:cTn id="17" fill="hold">
                       <p:stCondLst>
                         <p:cond delay="indefinite"/>
                       </p:stCondLst>
                       <p:childTnLst>
                         <p:par>
-                          <p:cTn id="16" fill="hold">
+                          <p:cTn id="18" fill="hold">
                             <p:stCondLst>
                               <p:cond delay="0"/>
                             </p:stCondLst>
                             <p:childTnLst>
                               <p:par>
-                                <p:cTn id="17" presetID="1" presetClass="entr" presetSubtype="0" fill="hold" grpId="0" nodeType="clickEffect">
+                                <p:cTn id="19" presetID="1" presetClass="entr" presetSubtype="0" fill="hold" grpId="0" nodeType="clickEffect">
                                   <p:stCondLst>
                                     <p:cond delay="0"/>
                                   </p:stCondLst>
                                   <p:childTnLst>
                                     <p:set>
                                       <p:cBhvr>
-                                        <p:cTn id="18" dur="1" fill="hold">
+                                        <p:cTn id="20" dur="1" fill="hold">
                                           <p:stCondLst>
                                             <p:cond delay="0"/>
                                           </p:stCondLst>
@@ -9331,14 +10258,14 @@
                                 </p:cTn>
                               </p:par>
                               <p:par>
-                                <p:cTn id="19" presetID="1" presetClass="entr" presetSubtype="0" fill="hold" grpId="0" nodeType="withEffect">
+                                <p:cTn id="21" presetID="1" presetClass="entr" presetSubtype="0" fill="hold" grpId="0" nodeType="withEffect">
                                   <p:stCondLst>
                                     <p:cond delay="0"/>
                                   </p:stCondLst>
                                   <p:childTnLst>
                                     <p:set>
                                       <p:cBhvr>
-                                        <p:cTn id="20" dur="1" fill="hold">
+                                        <p:cTn id="22" dur="1" fill="hold">
                                           <p:stCondLst>
                                             <p:cond delay="0"/>
                                           </p:stCondLst>
@@ -9364,26 +10291,26 @@
                     </p:cTn>
                   </p:par>
                   <p:par>
-                    <p:cTn id="21" fill="hold">
+                    <p:cTn id="23" fill="hold">
                       <p:stCondLst>
                         <p:cond delay="indefinite"/>
                       </p:stCondLst>
                       <p:childTnLst>
                         <p:par>
-                          <p:cTn id="22" fill="hold">
+                          <p:cTn id="24" fill="hold">
                             <p:stCondLst>
                               <p:cond delay="0"/>
                             </p:stCondLst>
                             <p:childTnLst>
                               <p:par>
-                                <p:cTn id="23" presetID="1" presetClass="entr" presetSubtype="0" fill="hold" grpId="0" nodeType="clickEffect">
+                                <p:cTn id="25" presetID="1" presetClass="entr" presetSubtype="0" fill="hold" grpId="0" nodeType="clickEffect">
                                   <p:stCondLst>
                                     <p:cond delay="0"/>
                                   </p:stCondLst>
                                   <p:childTnLst>
                                     <p:set>
                                       <p:cBhvr>
-                                        <p:cTn id="24" dur="1" fill="hold">
+                                        <p:cTn id="26" dur="1" fill="hold">
                                           <p:stCondLst>
                                             <p:cond delay="0"/>
                                           </p:stCondLst>
@@ -9425,26 +10352,26 @@
                     </p:cTn>
                   </p:par>
                   <p:par>
-                    <p:cTn id="25" fill="hold">
+                    <p:cTn id="27" fill="hold">
                       <p:stCondLst>
                         <p:cond delay="indefinite"/>
                       </p:stCondLst>
                       <p:childTnLst>
                         <p:par>
-                          <p:cTn id="26" fill="hold">
+                          <p:cTn id="28" fill="hold">
                             <p:stCondLst>
                               <p:cond delay="0"/>
                             </p:stCondLst>
                             <p:childTnLst>
                               <p:par>
-                                <p:cTn id="27" presetID="1" presetClass="entr" presetSubtype="0" fill="hold" grpId="0" nodeType="clickEffect">
+                                <p:cTn id="29" presetID="1" presetClass="entr" presetSubtype="0" fill="hold" grpId="0" nodeType="clickEffect">
                                   <p:stCondLst>
                                     <p:cond delay="0"/>
                                   </p:stCondLst>
                                   <p:childTnLst>
                                     <p:set>
                                       <p:cBhvr>
-                                        <p:cTn id="28" dur="1" fill="hold">
+                                        <p:cTn id="30" dur="1" fill="hold">
                                           <p:stCondLst>
                                             <p:cond delay="0"/>
                                           </p:stCondLst>
@@ -9464,14 +10391,14 @@
                                 </p:cTn>
                               </p:par>
                               <p:par>
-                                <p:cTn id="29" presetID="1" presetClass="entr" presetSubtype="0" fill="hold" grpId="0" nodeType="withEffect">
+                                <p:cTn id="31" presetID="1" presetClass="entr" presetSubtype="0" fill="hold" grpId="0" nodeType="withEffect">
                                   <p:stCondLst>
                                     <p:cond delay="0"/>
                                   </p:stCondLst>
                                   <p:childTnLst>
                                     <p:set>
                                       <p:cBhvr>
-                                        <p:cTn id="30" dur="1" fill="hold">
+                                        <p:cTn id="32" dur="1" fill="hold">
                                           <p:stCondLst>
                                             <p:cond delay="0"/>
                                           </p:stCondLst>
@@ -9497,26 +10424,26 @@
                     </p:cTn>
                   </p:par>
                   <p:par>
-                    <p:cTn id="31" fill="hold">
+                    <p:cTn id="33" fill="hold">
                       <p:stCondLst>
                         <p:cond delay="indefinite"/>
                       </p:stCondLst>
                       <p:childTnLst>
                         <p:par>
-                          <p:cTn id="32" fill="hold">
+                          <p:cTn id="34" fill="hold">
                             <p:stCondLst>
                               <p:cond delay="0"/>
                             </p:stCondLst>
                             <p:childTnLst>
                               <p:par>
-                                <p:cTn id="33" presetID="1" presetClass="entr" presetSubtype="0" fill="hold" nodeType="clickEffect">
+                                <p:cTn id="35" presetID="1" presetClass="entr" presetSubtype="0" fill="hold" nodeType="clickEffect">
                                   <p:stCondLst>
                                     <p:cond delay="0"/>
                                   </p:stCondLst>
                                   <p:childTnLst>
                                     <p:set>
                                       <p:cBhvr>
-                                        <p:cTn id="34" dur="1" fill="hold">
+                                        <p:cTn id="36" dur="1" fill="hold">
                                           <p:stCondLst>
                                             <p:cond delay="0"/>
                                           </p:stCondLst>
@@ -9535,6 +10462,33 @@
                                   </p:childTnLst>
                                 </p:cTn>
                               </p:par>
+                              <p:par>
+                                <p:cTn id="37" presetID="1" presetClass="exit" presetSubtype="0" fill="hold" grpId="1" nodeType="withEffect">
+                                  <p:stCondLst>
+                                    <p:cond delay="0"/>
+                                  </p:stCondLst>
+                                  <p:childTnLst>
+                                    <p:set>
+                                      <p:cBhvr>
+                                        <p:cTn id="38" dur="1" fill="hold">
+                                          <p:stCondLst>
+                                            <p:cond delay="0"/>
+                                          </p:stCondLst>
+                                        </p:cTn>
+                                        <p:tgtEl>
+                                          <p:spTgt spid="20"/>
+                                        </p:tgtEl>
+                                        <p:attrNameLst>
+                                          <p:attrName>style.visibility</p:attrName>
+                                        </p:attrNameLst>
+                                      </p:cBhvr>
+                                      <p:to>
+                                        <p:strVal val="hidden"/>
+                                      </p:to>
+                                    </p:set>
+                                  </p:childTnLst>
+                                </p:cTn>
+                              </p:par>
                             </p:childTnLst>
                           </p:cTn>
                         </p:par>
@@ -9542,26 +10496,26 @@
                     </p:cTn>
                   </p:par>
                   <p:par>
-                    <p:cTn id="35" fill="hold">
+                    <p:cTn id="39" fill="hold">
                       <p:stCondLst>
                         <p:cond delay="indefinite"/>
                       </p:stCondLst>
                       <p:childTnLst>
                         <p:par>
-                          <p:cTn id="36" fill="hold">
+                          <p:cTn id="40" fill="hold">
                             <p:stCondLst>
                               <p:cond delay="0"/>
                             </p:stCondLst>
                             <p:childTnLst>
                               <p:par>
-                                <p:cTn id="37" presetID="1" presetClass="entr" presetSubtype="0" fill="hold" grpId="0" nodeType="clickEffect">
+                                <p:cTn id="41" presetID="1" presetClass="entr" presetSubtype="0" fill="hold" grpId="0" nodeType="clickEffect">
                                   <p:stCondLst>
                                     <p:cond delay="0"/>
                                   </p:stCondLst>
                                   <p:childTnLst>
                                     <p:set>
                                       <p:cBhvr>
-                                        <p:cTn id="38" dur="1" fill="hold">
+                                        <p:cTn id="42" dur="1" fill="hold">
                                           <p:stCondLst>
                                             <p:cond delay="0"/>
                                           </p:stCondLst>
@@ -9581,14 +10535,14 @@
                                 </p:cTn>
                               </p:par>
                               <p:par>
-                                <p:cTn id="39" presetID="1" presetClass="entr" presetSubtype="0" fill="hold" grpId="0" nodeType="withEffect">
+                                <p:cTn id="43" presetID="1" presetClass="entr" presetSubtype="0" fill="hold" grpId="0" nodeType="withEffect">
                                   <p:stCondLst>
                                     <p:cond delay="0"/>
                                   </p:stCondLst>
                                   <p:childTnLst>
                                     <p:set>
                                       <p:cBhvr>
-                                        <p:cTn id="40" dur="1" fill="hold">
+                                        <p:cTn id="44" dur="1" fill="hold">
                                           <p:stCondLst>
                                             <p:cond delay="0"/>
                                           </p:stCondLst>
@@ -9614,26 +10568,26 @@
                     </p:cTn>
                   </p:par>
                   <p:par>
-                    <p:cTn id="41" fill="hold">
+                    <p:cTn id="45" fill="hold">
                       <p:stCondLst>
                         <p:cond delay="indefinite"/>
                       </p:stCondLst>
                       <p:childTnLst>
                         <p:par>
-                          <p:cTn id="42" fill="hold">
+                          <p:cTn id="46" fill="hold">
                             <p:stCondLst>
                               <p:cond delay="0"/>
                             </p:stCondLst>
                             <p:childTnLst>
                               <p:par>
-                                <p:cTn id="43" presetID="1" presetClass="entr" presetSubtype="0" fill="hold" nodeType="clickEffect">
+                                <p:cTn id="47" presetID="1" presetClass="entr" presetSubtype="0" fill="hold" nodeType="clickEffect">
                                   <p:stCondLst>
                                     <p:cond delay="0"/>
                                   </p:stCondLst>
                                   <p:childTnLst>
                                     <p:set>
                                       <p:cBhvr>
-                                        <p:cTn id="44" dur="1" fill="hold">
+                                        <p:cTn id="48" dur="1" fill="hold">
                                           <p:stCondLst>
                                             <p:cond delay="0"/>
                                           </p:stCondLst>
@@ -9660,20 +10614,20 @@
                           </p:cTn>
                         </p:par>
                         <p:par>
-                          <p:cTn id="45" fill="hold">
+                          <p:cTn id="49" fill="hold">
                             <p:stCondLst>
                               <p:cond delay="0"/>
                             </p:stCondLst>
                             <p:childTnLst>
                               <p:par>
-                                <p:cTn id="46" presetID="1" presetClass="entr" presetSubtype="0" fill="hold" grpId="0" nodeType="afterEffect">
+                                <p:cTn id="50" presetID="1" presetClass="entr" presetSubtype="0" fill="hold" grpId="0" nodeType="afterEffect">
                                   <p:stCondLst>
                                     <p:cond delay="0"/>
                                   </p:stCondLst>
                                   <p:childTnLst>
                                     <p:set>
                                       <p:cBhvr>
-                                        <p:cTn id="47" dur="1" fill="hold">
+                                        <p:cTn id="51" dur="1" fill="hold">
                                           <p:stCondLst>
                                             <p:cond delay="0"/>
                                           </p:stCondLst>
@@ -9728,6 +10682,8 @@
       <p:bldP spid="17" grpId="0" animBg="1"/>
       <p:bldP spid="18" grpId="0" animBg="1"/>
       <p:bldP spid="19" grpId="0" animBg="1"/>
+      <p:bldP spid="20" grpId="0" animBg="1"/>
+      <p:bldP spid="20" grpId="1" animBg="1"/>
     </p:bldLst>
   </p:timing>
 </p:sld>
@@ -10591,7 +11547,7 @@
                             </p:stCondLst>
                             <p:childTnLst>
                               <p:par>
-                                <p:cTn id="13" presetID="1" presetClass="entr" presetSubtype="0" fill="hold" nodeType="clickEffect">
+                                <p:cTn id="13" presetID="1" presetClass="entr" presetSubtype="0" fill="hold" grpId="0" nodeType="clickEffect">
                                   <p:stCondLst>
                                     <p:cond delay="0"/>
                                   </p:stCondLst>
@@ -10604,11 +11560,61 @@
                                           </p:stCondLst>
                                         </p:cTn>
                                         <p:tgtEl>
-                                          <p:spTgt spid="5">
-                                            <p:txEl>
-                                              <p:pRg st="7" end="7"/>
-                                            </p:txEl>
-                                          </p:spTgt>
+                                          <p:spTgt spid="7"/>
+                                        </p:tgtEl>
+                                        <p:attrNameLst>
+                                          <p:attrName>style.visibility</p:attrName>
+                                        </p:attrNameLst>
+                                      </p:cBhvr>
+                                      <p:to>
+                                        <p:strVal val="visible"/>
+                                      </p:to>
+                                    </p:set>
+                                  </p:childTnLst>
+                                </p:cTn>
+                              </p:par>
+                              <p:par>
+                                <p:cTn id="15" presetID="1" presetClass="entr" presetSubtype="0" fill="hold" grpId="0" nodeType="withEffect">
+                                  <p:stCondLst>
+                                    <p:cond delay="0"/>
+                                  </p:stCondLst>
+                                  <p:childTnLst>
+                                    <p:set>
+                                      <p:cBhvr>
+                                        <p:cTn id="16" dur="1" fill="hold">
+                                          <p:stCondLst>
+                                            <p:cond delay="0"/>
+                                          </p:stCondLst>
+                                        </p:cTn>
+                                        <p:tgtEl>
+                                          <p:spTgt spid="8"/>
+                                        </p:tgtEl>
+                                        <p:attrNameLst>
+                                          <p:attrName>style.visibility</p:attrName>
+                                        </p:attrNameLst>
+                                      </p:cBhvr>
+                                      <p:to>
+                                        <p:strVal val="visible"/>
+                                      </p:to>
+                                    </p:set>
+                                  </p:childTnLst>
+                                </p:cTn>
+                              </p:par>
+                              <p:par>
+                                <p:cTn id="17" presetID="1" presetClass="entr" presetSubtype="0" fill="hold" grpId="0" nodeType="withEffect">
+                                  <p:stCondLst>
+                                    <p:cond delay="0"/>
+                                  </p:stCondLst>
+                                  <p:childTnLst>
+                                    <p:set>
+                                      <p:cBhvr>
+                                        <p:cTn id="18" dur="1" fill="hold">
+                                          <p:stCondLst>
+                                            <p:cond delay="0"/>
+                                          </p:stCondLst>
+                                        </p:cTn>
+                                        <p:tgtEl>
+                                          <p:spTgt spid="9"/>
                                         </p:tgtEl>
                                         <p:attrNameLst>
                                           <p:attrName>style.visibility</p:attrName>
@@ -10628,73 +11634,19 @@
                     </p:cTn>
                   </p:par>
                   <p:par>
-                    <p:cTn id="15" fill="hold">
+                    <p:cTn id="19" fill="hold">
                       <p:stCondLst>
                         <p:cond delay="indefinite"/>
                       </p:stCondLst>
                       <p:childTnLst>
                         <p:par>
-                          <p:cTn id="16" fill="hold">
+                          <p:cTn id="20" fill="hold">
                             <p:stCondLst>
                               <p:cond delay="0"/>
                             </p:stCondLst>
                             <p:childTnLst>
                               <p:par>
-                                <p:cTn id="17" presetID="1" presetClass="entr" presetSubtype="0" fill="hold" grpId="0" nodeType="clickEffect">
-                                  <p:stCondLst>
-                                    <p:cond delay="0"/>
-                                  </p:stCondLst>
-                                  <p:childTnLst>
-                                    <p:set>
-                                      <p:cBhvr>
-                                        <p:cTn id="18" dur="1" fill="hold">
-                                          <p:stCondLst>
-                                            <p:cond delay="0"/>
-                                          </p:stCondLst>
-                                        </p:cTn>
-                                        <p:tgtEl>
-                                          <p:spTgt spid="7"/>
-                                        </p:tgtEl>
-                                        <p:attrNameLst>
-                                          <p:attrName>style.visibility</p:attrName>
-                                        </p:attrNameLst>
-                                      </p:cBhvr>
-                                      <p:to>
-                                        <p:strVal val="visible"/>
-                                      </p:to>
-                                    </p:set>
-                                  </p:childTnLst>
-                                </p:cTn>
-                              </p:par>
-                              <p:par>
-                                <p:cTn id="19" presetID="1" presetClass="entr" presetSubtype="0" fill="hold" grpId="0" nodeType="withEffect">
-                                  <p:stCondLst>
-                                    <p:cond delay="0"/>
-                                  </p:stCondLst>
-                                  <p:childTnLst>
-                                    <p:set>
-                                      <p:cBhvr>
-                                        <p:cTn id="20" dur="1" fill="hold">
-                                          <p:stCondLst>
-                                            <p:cond delay="0"/>
-                                          </p:stCondLst>
-                                        </p:cTn>
-                                        <p:tgtEl>
-                                          <p:spTgt spid="8"/>
-                                        </p:tgtEl>
-                                        <p:attrNameLst>
-                                          <p:attrName>style.visibility</p:attrName>
-                                        </p:attrNameLst>
-                                      </p:cBhvr>
-                                      <p:to>
-                                        <p:strVal val="visible"/>
-                                      </p:to>
-                                    </p:set>
-                                  </p:childTnLst>
-                                </p:cTn>
-                              </p:par>
-                              <p:par>
-                                <p:cTn id="21" presetID="1" presetClass="entr" presetSubtype="0" fill="hold" grpId="0" nodeType="withEffect">
+                                <p:cTn id="21" presetID="1" presetClass="entr" presetSubtype="0" fill="hold" nodeType="clickEffect">
                                   <p:stCondLst>
                                     <p:cond delay="0"/>
                                   </p:stCondLst>
@@ -10707,7 +11659,11 @@
                                           </p:stCondLst>
                                         </p:cTn>
                                         <p:tgtEl>
-                                          <p:spTgt spid="9"/>
+                                          <p:spTgt spid="5">
+                                            <p:txEl>
+                                              <p:pRg st="7" end="7"/>
+                                            </p:txEl>
+                                          </p:spTgt>
                                         </p:tgtEl>
                                         <p:attrNameLst>
                                           <p:attrName>style.visibility</p:attrName>
@@ -14656,7 +15612,7 @@
           </p:nvPr>
         </p:nvPicPr>
         <p:blipFill>
-          <a:blip r:embed="rId2"/>
+          <a:blip r:embed="rId3"/>
           <a:stretch>
             <a:fillRect/>
           </a:stretch>
@@ -14686,7 +15642,7 @@
           <p:nvPr/>
         </p:nvPicPr>
         <p:blipFill>
-          <a:blip r:embed="rId3">
+          <a:blip r:embed="rId4">
             <a:extLst>
               <a:ext uri="{28A0092B-C50C-407E-A947-70E740481C1C}">
                 <a14:useLocalDpi xmlns:a14="http://schemas.microsoft.com/office/drawing/2010/main" val="0"/>
@@ -14749,6 +15705,426 @@
           <a:p>
             <a:pPr algn="ctr"/>
             <a:endParaRPr lang="fr-FR"/>
+          </a:p>
+        </p:txBody>
+      </p:sp>
+      <p:sp>
+        <p:nvSpPr>
+          <p:cNvPr id="6" name="Rectangle : coins arrondis 5">
+            <a:extLst>
+              <a:ext uri="{FF2B5EF4-FFF2-40B4-BE49-F238E27FC236}">
+                <a16:creationId xmlns:a16="http://schemas.microsoft.com/office/drawing/2014/main" id="{1C06195B-7657-4690-9FC7-1AF68DF17B18}"/>
+              </a:ext>
+            </a:extLst>
+          </p:cNvPr>
+          <p:cNvSpPr/>
+          <p:nvPr/>
+        </p:nvSpPr>
+        <p:spPr>
+          <a:xfrm rot="5400000">
+            <a:off x="5050653" y="3404737"/>
+            <a:ext cx="3529908" cy="1039824"/>
+          </a:xfrm>
+          <a:prstGeom prst="roundRect">
+            <a:avLst/>
+          </a:prstGeom>
+          <a:noFill/>
+          <a:ln w="38100">
+            <a:solidFill>
+              <a:srgbClr val="00B050"/>
+            </a:solidFill>
+          </a:ln>
+        </p:spPr>
+        <p:style>
+          <a:lnRef idx="2">
+            <a:schemeClr val="accent1">
+              <a:shade val="50000"/>
+            </a:schemeClr>
+          </a:lnRef>
+          <a:fillRef idx="1">
+            <a:schemeClr val="accent1"/>
+          </a:fillRef>
+          <a:effectRef idx="0">
+            <a:schemeClr val="accent1"/>
+          </a:effectRef>
+          <a:fontRef idx="minor">
+            <a:schemeClr val="lt1"/>
+          </a:fontRef>
+        </p:style>
+        <p:txBody>
+          <a:bodyPr rtlCol="0" anchor="ctr"/>
+          <a:lstStyle/>
+          <a:p>
+            <a:pPr algn="ctr"/>
+            <a:endParaRPr lang="fr-FR"/>
+          </a:p>
+        </p:txBody>
+      </p:sp>
+      <p:sp>
+        <p:nvSpPr>
+          <p:cNvPr id="8" name="Rectangle : coins arrondis 7">
+            <a:extLst>
+              <a:ext uri="{FF2B5EF4-FFF2-40B4-BE49-F238E27FC236}">
+                <a16:creationId xmlns:a16="http://schemas.microsoft.com/office/drawing/2014/main" id="{1C247CD5-6747-45F6-B0A0-D30056838D90}"/>
+              </a:ext>
+            </a:extLst>
+          </p:cNvPr>
+          <p:cNvSpPr/>
+          <p:nvPr/>
+        </p:nvSpPr>
+        <p:spPr>
+          <a:xfrm rot="5400000" flipV="1">
+            <a:off x="4116069" y="-39374"/>
+            <a:ext cx="254000" cy="3401068"/>
+          </a:xfrm>
+          <a:prstGeom prst="roundRect">
+            <a:avLst/>
+          </a:prstGeom>
+          <a:noFill/>
+          <a:ln w="38100">
+            <a:solidFill>
+              <a:srgbClr val="00B050"/>
+            </a:solidFill>
+          </a:ln>
+        </p:spPr>
+        <p:style>
+          <a:lnRef idx="2">
+            <a:schemeClr val="accent1">
+              <a:shade val="50000"/>
+            </a:schemeClr>
+          </a:lnRef>
+          <a:fillRef idx="1">
+            <a:schemeClr val="accent1"/>
+          </a:fillRef>
+          <a:effectRef idx="0">
+            <a:schemeClr val="accent1"/>
+          </a:effectRef>
+          <a:fontRef idx="minor">
+            <a:schemeClr val="lt1"/>
+          </a:fontRef>
+        </p:style>
+        <p:txBody>
+          <a:bodyPr rtlCol="0" anchor="ctr"/>
+          <a:lstStyle/>
+          <a:p>
+            <a:pPr algn="ctr"/>
+            <a:endParaRPr lang="fr-FR"/>
+          </a:p>
+        </p:txBody>
+      </p:sp>
+      <p:sp>
+        <p:nvSpPr>
+          <p:cNvPr id="9" name="Rectangle : coins arrondis 8">
+            <a:extLst>
+              <a:ext uri="{FF2B5EF4-FFF2-40B4-BE49-F238E27FC236}">
+                <a16:creationId xmlns:a16="http://schemas.microsoft.com/office/drawing/2014/main" id="{BFB76893-A4A8-48A5-BFFA-9C8EE54214FB}"/>
+              </a:ext>
+            </a:extLst>
+          </p:cNvPr>
+          <p:cNvSpPr/>
+          <p:nvPr/>
+        </p:nvSpPr>
+        <p:spPr>
+          <a:xfrm rot="5400000">
+            <a:off x="5428147" y="3582537"/>
+            <a:ext cx="3529908" cy="684225"/>
+          </a:xfrm>
+          <a:prstGeom prst="roundRect">
+            <a:avLst/>
+          </a:prstGeom>
+          <a:noFill/>
+          <a:ln w="38100">
+            <a:solidFill>
+              <a:srgbClr val="00B0F0"/>
+            </a:solidFill>
+          </a:ln>
+        </p:spPr>
+        <p:style>
+          <a:lnRef idx="2">
+            <a:schemeClr val="accent1">
+              <a:shade val="50000"/>
+            </a:schemeClr>
+          </a:lnRef>
+          <a:fillRef idx="1">
+            <a:schemeClr val="accent1"/>
+          </a:fillRef>
+          <a:effectRef idx="0">
+            <a:schemeClr val="accent1"/>
+          </a:effectRef>
+          <a:fontRef idx="minor">
+            <a:schemeClr val="lt1"/>
+          </a:fontRef>
+        </p:style>
+        <p:txBody>
+          <a:bodyPr rtlCol="0" anchor="ctr"/>
+          <a:lstStyle/>
+          <a:p>
+            <a:pPr algn="ctr"/>
+            <a:endParaRPr lang="fr-FR"/>
+          </a:p>
+        </p:txBody>
+      </p:sp>
+      <p:sp>
+        <p:nvSpPr>
+          <p:cNvPr id="10" name="Rectangle : coins arrondis 9">
+            <a:extLst>
+              <a:ext uri="{FF2B5EF4-FFF2-40B4-BE49-F238E27FC236}">
+                <a16:creationId xmlns:a16="http://schemas.microsoft.com/office/drawing/2014/main" id="{C36C2E64-B1E2-458A-A0CA-94FC92408959}"/>
+              </a:ext>
+            </a:extLst>
+          </p:cNvPr>
+          <p:cNvSpPr/>
+          <p:nvPr/>
+        </p:nvSpPr>
+        <p:spPr>
+          <a:xfrm rot="5400000" flipV="1">
+            <a:off x="4056944" y="273038"/>
+            <a:ext cx="372245" cy="3401068"/>
+          </a:xfrm>
+          <a:prstGeom prst="roundRect">
+            <a:avLst/>
+          </a:prstGeom>
+          <a:noFill/>
+          <a:ln w="38100">
+            <a:solidFill>
+              <a:srgbClr val="00B0F0"/>
+            </a:solidFill>
+          </a:ln>
+        </p:spPr>
+        <p:style>
+          <a:lnRef idx="2">
+            <a:schemeClr val="accent1">
+              <a:shade val="50000"/>
+            </a:schemeClr>
+          </a:lnRef>
+          <a:fillRef idx="1">
+            <a:schemeClr val="accent1"/>
+          </a:fillRef>
+          <a:effectRef idx="0">
+            <a:schemeClr val="accent1"/>
+          </a:effectRef>
+          <a:fontRef idx="minor">
+            <a:schemeClr val="lt1"/>
+          </a:fontRef>
+        </p:style>
+        <p:txBody>
+          <a:bodyPr rtlCol="0" anchor="ctr"/>
+          <a:lstStyle/>
+          <a:p>
+            <a:pPr algn="ctr"/>
+            <a:endParaRPr lang="fr-FR"/>
+          </a:p>
+        </p:txBody>
+      </p:sp>
+      <p:sp>
+        <p:nvSpPr>
+          <p:cNvPr id="13" name="Rectangle : coins arrondis 12">
+            <a:extLst>
+              <a:ext uri="{FF2B5EF4-FFF2-40B4-BE49-F238E27FC236}">
+                <a16:creationId xmlns:a16="http://schemas.microsoft.com/office/drawing/2014/main" id="{EC3EBE0B-1288-4FB2-8C1A-B8BCF0D42145}"/>
+              </a:ext>
+            </a:extLst>
+          </p:cNvPr>
+          <p:cNvSpPr/>
+          <p:nvPr/>
+        </p:nvSpPr>
+        <p:spPr>
+          <a:xfrm rot="5400000">
+            <a:off x="8323644" y="3487486"/>
+            <a:ext cx="761998" cy="838071"/>
+          </a:xfrm>
+          <a:prstGeom prst="roundRect">
+            <a:avLst/>
+          </a:prstGeom>
+          <a:noFill/>
+          <a:ln w="38100">
+            <a:solidFill>
+              <a:srgbClr val="7030A0"/>
+            </a:solidFill>
+          </a:ln>
+        </p:spPr>
+        <p:style>
+          <a:lnRef idx="2">
+            <a:schemeClr val="accent1">
+              <a:shade val="50000"/>
+            </a:schemeClr>
+          </a:lnRef>
+          <a:fillRef idx="1">
+            <a:schemeClr val="accent1"/>
+          </a:fillRef>
+          <a:effectRef idx="0">
+            <a:schemeClr val="accent1"/>
+          </a:effectRef>
+          <a:fontRef idx="minor">
+            <a:schemeClr val="lt1"/>
+          </a:fontRef>
+        </p:style>
+        <p:txBody>
+          <a:bodyPr rtlCol="0" anchor="ctr"/>
+          <a:lstStyle/>
+          <a:p>
+            <a:pPr algn="ctr"/>
+            <a:endParaRPr lang="fr-FR"/>
+          </a:p>
+        </p:txBody>
+      </p:sp>
+      <p:sp>
+        <p:nvSpPr>
+          <p:cNvPr id="14" name="Rectangle : coins arrondis 13">
+            <a:extLst>
+              <a:ext uri="{FF2B5EF4-FFF2-40B4-BE49-F238E27FC236}">
+                <a16:creationId xmlns:a16="http://schemas.microsoft.com/office/drawing/2014/main" id="{A01DC52D-FAC2-4A93-9BD9-DE1D15B6CDAF}"/>
+              </a:ext>
+            </a:extLst>
+          </p:cNvPr>
+          <p:cNvSpPr/>
+          <p:nvPr/>
+        </p:nvSpPr>
+        <p:spPr>
+          <a:xfrm rot="5400000" flipV="1">
+            <a:off x="3846022" y="2691409"/>
+            <a:ext cx="786832" cy="3401069"/>
+          </a:xfrm>
+          <a:prstGeom prst="roundRect">
+            <a:avLst/>
+          </a:prstGeom>
+          <a:noFill/>
+          <a:ln w="38100">
+            <a:solidFill>
+              <a:srgbClr val="7030A0"/>
+            </a:solidFill>
+          </a:ln>
+        </p:spPr>
+        <p:style>
+          <a:lnRef idx="2">
+            <a:schemeClr val="accent1">
+              <a:shade val="50000"/>
+            </a:schemeClr>
+          </a:lnRef>
+          <a:fillRef idx="1">
+            <a:schemeClr val="accent1"/>
+          </a:fillRef>
+          <a:effectRef idx="0">
+            <a:schemeClr val="accent1"/>
+          </a:effectRef>
+          <a:fontRef idx="minor">
+            <a:schemeClr val="lt1"/>
+          </a:fontRef>
+        </p:style>
+        <p:txBody>
+          <a:bodyPr rtlCol="0" anchor="ctr"/>
+          <a:lstStyle/>
+          <a:p>
+            <a:pPr algn="ctr"/>
+            <a:endParaRPr lang="fr-FR"/>
+          </a:p>
+        </p:txBody>
+      </p:sp>
+      <p:sp>
+        <p:nvSpPr>
+          <p:cNvPr id="15" name="Rectangle : coins arrondis 14">
+            <a:extLst>
+              <a:ext uri="{FF2B5EF4-FFF2-40B4-BE49-F238E27FC236}">
+                <a16:creationId xmlns:a16="http://schemas.microsoft.com/office/drawing/2014/main" id="{E9D41A64-61A7-4C43-97EB-7F6E8CC420F8}"/>
+              </a:ext>
+            </a:extLst>
+          </p:cNvPr>
+          <p:cNvSpPr/>
+          <p:nvPr/>
+        </p:nvSpPr>
+        <p:spPr>
+          <a:xfrm rot="5400000">
+            <a:off x="11183446" y="3631473"/>
+            <a:ext cx="580326" cy="526032"/>
+          </a:xfrm>
+          <a:prstGeom prst="roundRect">
+            <a:avLst/>
+          </a:prstGeom>
+          <a:noFill/>
+          <a:ln w="38100">
+            <a:solidFill>
+              <a:srgbClr val="FF0000"/>
+            </a:solidFill>
+          </a:ln>
+        </p:spPr>
+        <p:style>
+          <a:lnRef idx="2">
+            <a:schemeClr val="accent1">
+              <a:shade val="50000"/>
+            </a:schemeClr>
+          </a:lnRef>
+          <a:fillRef idx="1">
+            <a:schemeClr val="accent1"/>
+          </a:fillRef>
+          <a:effectRef idx="0">
+            <a:schemeClr val="accent1"/>
+          </a:effectRef>
+          <a:fontRef idx="minor">
+            <a:schemeClr val="lt1"/>
+          </a:fontRef>
+        </p:style>
+        <p:txBody>
+          <a:bodyPr rtlCol="0" anchor="ctr"/>
+          <a:lstStyle/>
+          <a:p>
+            <a:pPr algn="ctr"/>
+            <a:endParaRPr lang="fr-FR"/>
+          </a:p>
+        </p:txBody>
+      </p:sp>
+      <p:sp>
+        <p:nvSpPr>
+          <p:cNvPr id="16" name="Rectangle : coins arrondis 15">
+            <a:extLst>
+              <a:ext uri="{FF2B5EF4-FFF2-40B4-BE49-F238E27FC236}">
+                <a16:creationId xmlns:a16="http://schemas.microsoft.com/office/drawing/2014/main" id="{020AF39C-121F-4A2E-9575-AF2E16B93CC8}"/>
+              </a:ext>
+            </a:extLst>
+          </p:cNvPr>
+          <p:cNvSpPr/>
+          <p:nvPr/>
+        </p:nvSpPr>
+        <p:spPr>
+          <a:xfrm rot="5400000" flipV="1">
+            <a:off x="4027915" y="4576699"/>
+            <a:ext cx="372245" cy="3451871"/>
+          </a:xfrm>
+          <a:prstGeom prst="roundRect">
+            <a:avLst/>
+          </a:prstGeom>
+          <a:noFill/>
+          <a:ln w="38100">
+            <a:solidFill>
+              <a:srgbClr val="FF0000"/>
+            </a:solidFill>
+          </a:ln>
+        </p:spPr>
+        <p:style>
+          <a:lnRef idx="2">
+            <a:schemeClr val="accent1">
+              <a:shade val="50000"/>
+            </a:schemeClr>
+          </a:lnRef>
+          <a:fillRef idx="1">
+            <a:schemeClr val="accent1"/>
+          </a:fillRef>
+          <a:effectRef idx="0">
+            <a:schemeClr val="accent1"/>
+          </a:effectRef>
+          <a:fontRef idx="minor">
+            <a:schemeClr val="lt1"/>
+          </a:fontRef>
+        </p:style>
+        <p:txBody>
+          <a:bodyPr rtlCol="0" anchor="ctr"/>
+          <a:lstStyle/>
+          <a:p>
+            <a:pPr algn="ctr"/>
+            <a:endParaRPr lang="fr-FR">
+              <a:solidFill>
+                <a:srgbClr val="FF0000"/>
+              </a:solidFill>
+            </a:endParaRPr>
           </a:p>
         </p:txBody>
       </p:sp>
@@ -14857,21 +16233,446 @@
                             </p:childTnLst>
                           </p:cTn>
                         </p:par>
+                      </p:childTnLst>
+                    </p:cTn>
+                  </p:par>
+                  <p:par>
+                    <p:cTn id="11" fill="hold">
+                      <p:stCondLst>
+                        <p:cond delay="indefinite"/>
+                      </p:stCondLst>
+                      <p:childTnLst>
                         <p:par>
-                          <p:cTn id="11" fill="hold">
+                          <p:cTn id="12" fill="hold">
                             <p:stCondLst>
                               <p:cond delay="0"/>
                             </p:stCondLst>
                             <p:childTnLst>
                               <p:par>
-                                <p:cTn id="12" presetID="1" presetClass="entr" presetSubtype="0" fill="hold" grpId="0" nodeType="afterEffect">
+                                <p:cTn id="13" presetID="1" presetClass="entr" presetSubtype="0" fill="hold" grpId="0" nodeType="clickEffect">
                                   <p:stCondLst>
                                     <p:cond delay="0"/>
                                   </p:stCondLst>
                                   <p:childTnLst>
                                     <p:set>
                                       <p:cBhvr>
-                                        <p:cTn id="13" dur="1" fill="hold">
+                                        <p:cTn id="14" dur="1" fill="hold">
+                                          <p:stCondLst>
+                                            <p:cond delay="0"/>
+                                          </p:stCondLst>
+                                        </p:cTn>
+                                        <p:tgtEl>
+                                          <p:spTgt spid="6"/>
+                                        </p:tgtEl>
+                                        <p:attrNameLst>
+                                          <p:attrName>style.visibility</p:attrName>
+                                        </p:attrNameLst>
+                                      </p:cBhvr>
+                                      <p:to>
+                                        <p:strVal val="visible"/>
+                                      </p:to>
+                                    </p:set>
+                                  </p:childTnLst>
+                                  <p:subTnLst>
+                                    <p:set>
+                                      <p:cBhvr override="childStyle">
+                                        <p:cTn dur="1" fill="hold" display="0" masterRel="nextClick" afterEffect="1"/>
+                                        <p:tgtEl>
+                                          <p:spTgt spid="6"/>
+                                        </p:tgtEl>
+                                        <p:attrNameLst>
+                                          <p:attrName>style.visibility</p:attrName>
+                                        </p:attrNameLst>
+                                      </p:cBhvr>
+                                      <p:to>
+                                        <p:strVal val="hidden"/>
+                                      </p:to>
+                                    </p:set>
+                                  </p:subTnLst>
+                                </p:cTn>
+                              </p:par>
+                              <p:par>
+                                <p:cTn id="15" presetID="1" presetClass="entr" presetSubtype="0" fill="hold" grpId="0" nodeType="withEffect">
+                                  <p:stCondLst>
+                                    <p:cond delay="0"/>
+                                  </p:stCondLst>
+                                  <p:childTnLst>
+                                    <p:set>
+                                      <p:cBhvr>
+                                        <p:cTn id="16" dur="1" fill="hold">
+                                          <p:stCondLst>
+                                            <p:cond delay="0"/>
+                                          </p:stCondLst>
+                                        </p:cTn>
+                                        <p:tgtEl>
+                                          <p:spTgt spid="8"/>
+                                        </p:tgtEl>
+                                        <p:attrNameLst>
+                                          <p:attrName>style.visibility</p:attrName>
+                                        </p:attrNameLst>
+                                      </p:cBhvr>
+                                      <p:to>
+                                        <p:strVal val="visible"/>
+                                      </p:to>
+                                    </p:set>
+                                  </p:childTnLst>
+                                  <p:subTnLst>
+                                    <p:set>
+                                      <p:cBhvr override="childStyle">
+                                        <p:cTn dur="1" fill="hold" display="0" masterRel="nextClick" afterEffect="1"/>
+                                        <p:tgtEl>
+                                          <p:spTgt spid="8"/>
+                                        </p:tgtEl>
+                                        <p:attrNameLst>
+                                          <p:attrName>style.visibility</p:attrName>
+                                        </p:attrNameLst>
+                                      </p:cBhvr>
+                                      <p:to>
+                                        <p:strVal val="hidden"/>
+                                      </p:to>
+                                    </p:set>
+                                  </p:subTnLst>
+                                </p:cTn>
+                              </p:par>
+                            </p:childTnLst>
+                          </p:cTn>
+                        </p:par>
+                      </p:childTnLst>
+                    </p:cTn>
+                  </p:par>
+                  <p:par>
+                    <p:cTn id="17" fill="hold">
+                      <p:stCondLst>
+                        <p:cond delay="indefinite"/>
+                      </p:stCondLst>
+                      <p:childTnLst>
+                        <p:par>
+                          <p:cTn id="18" fill="hold">
+                            <p:stCondLst>
+                              <p:cond delay="0"/>
+                            </p:stCondLst>
+                            <p:childTnLst>
+                              <p:par>
+                                <p:cTn id="19" presetID="1" presetClass="entr" presetSubtype="0" fill="hold" grpId="0" nodeType="clickEffect">
+                                  <p:stCondLst>
+                                    <p:cond delay="0"/>
+                                  </p:stCondLst>
+                                  <p:childTnLst>
+                                    <p:set>
+                                      <p:cBhvr>
+                                        <p:cTn id="20" dur="1" fill="hold">
+                                          <p:stCondLst>
+                                            <p:cond delay="0"/>
+                                          </p:stCondLst>
+                                        </p:cTn>
+                                        <p:tgtEl>
+                                          <p:spTgt spid="9"/>
+                                        </p:tgtEl>
+                                        <p:attrNameLst>
+                                          <p:attrName>style.visibility</p:attrName>
+                                        </p:attrNameLst>
+                                      </p:cBhvr>
+                                      <p:to>
+                                        <p:strVal val="visible"/>
+                                      </p:to>
+                                    </p:set>
+                                  </p:childTnLst>
+                                  <p:subTnLst>
+                                    <p:set>
+                                      <p:cBhvr override="childStyle">
+                                        <p:cTn dur="1" fill="hold" display="0" masterRel="nextClick" afterEffect="1"/>
+                                        <p:tgtEl>
+                                          <p:spTgt spid="9"/>
+                                        </p:tgtEl>
+                                        <p:attrNameLst>
+                                          <p:attrName>style.visibility</p:attrName>
+                                        </p:attrNameLst>
+                                      </p:cBhvr>
+                                      <p:to>
+                                        <p:strVal val="hidden"/>
+                                      </p:to>
+                                    </p:set>
+                                  </p:subTnLst>
+                                </p:cTn>
+                              </p:par>
+                              <p:par>
+                                <p:cTn id="21" presetID="1" presetClass="entr" presetSubtype="0" fill="hold" grpId="0" nodeType="withEffect">
+                                  <p:stCondLst>
+                                    <p:cond delay="0"/>
+                                  </p:stCondLst>
+                                  <p:childTnLst>
+                                    <p:set>
+                                      <p:cBhvr>
+                                        <p:cTn id="22" dur="1" fill="hold">
+                                          <p:stCondLst>
+                                            <p:cond delay="0"/>
+                                          </p:stCondLst>
+                                        </p:cTn>
+                                        <p:tgtEl>
+                                          <p:spTgt spid="10"/>
+                                        </p:tgtEl>
+                                        <p:attrNameLst>
+                                          <p:attrName>style.visibility</p:attrName>
+                                        </p:attrNameLst>
+                                      </p:cBhvr>
+                                      <p:to>
+                                        <p:strVal val="visible"/>
+                                      </p:to>
+                                    </p:set>
+                                  </p:childTnLst>
+                                  <p:subTnLst>
+                                    <p:set>
+                                      <p:cBhvr override="childStyle">
+                                        <p:cTn dur="1" fill="hold" display="0" masterRel="nextClick" afterEffect="1"/>
+                                        <p:tgtEl>
+                                          <p:spTgt spid="10"/>
+                                        </p:tgtEl>
+                                        <p:attrNameLst>
+                                          <p:attrName>style.visibility</p:attrName>
+                                        </p:attrNameLst>
+                                      </p:cBhvr>
+                                      <p:to>
+                                        <p:strVal val="hidden"/>
+                                      </p:to>
+                                    </p:set>
+                                  </p:subTnLst>
+                                </p:cTn>
+                              </p:par>
+                            </p:childTnLst>
+                          </p:cTn>
+                        </p:par>
+                      </p:childTnLst>
+                    </p:cTn>
+                  </p:par>
+                  <p:par>
+                    <p:cTn id="23" fill="hold">
+                      <p:stCondLst>
+                        <p:cond delay="indefinite"/>
+                      </p:stCondLst>
+                      <p:childTnLst>
+                        <p:par>
+                          <p:cTn id="24" fill="hold">
+                            <p:stCondLst>
+                              <p:cond delay="0"/>
+                            </p:stCondLst>
+                            <p:childTnLst>
+                              <p:par>
+                                <p:cTn id="25" presetID="1" presetClass="entr" presetSubtype="0" fill="hold" grpId="0" nodeType="clickEffect">
+                                  <p:stCondLst>
+                                    <p:cond delay="0"/>
+                                  </p:stCondLst>
+                                  <p:childTnLst>
+                                    <p:set>
+                                      <p:cBhvr>
+                                        <p:cTn id="26" dur="1" fill="hold">
+                                          <p:stCondLst>
+                                            <p:cond delay="0"/>
+                                          </p:stCondLst>
+                                        </p:cTn>
+                                        <p:tgtEl>
+                                          <p:spTgt spid="13"/>
+                                        </p:tgtEl>
+                                        <p:attrNameLst>
+                                          <p:attrName>style.visibility</p:attrName>
+                                        </p:attrNameLst>
+                                      </p:cBhvr>
+                                      <p:to>
+                                        <p:strVal val="visible"/>
+                                      </p:to>
+                                    </p:set>
+                                  </p:childTnLst>
+                                  <p:subTnLst>
+                                    <p:set>
+                                      <p:cBhvr override="childStyle">
+                                        <p:cTn dur="1" fill="hold" display="0" masterRel="nextClick" afterEffect="1"/>
+                                        <p:tgtEl>
+                                          <p:spTgt spid="13"/>
+                                        </p:tgtEl>
+                                        <p:attrNameLst>
+                                          <p:attrName>style.visibility</p:attrName>
+                                        </p:attrNameLst>
+                                      </p:cBhvr>
+                                      <p:to>
+                                        <p:strVal val="hidden"/>
+                                      </p:to>
+                                    </p:set>
+                                  </p:subTnLst>
+                                </p:cTn>
+                              </p:par>
+                              <p:par>
+                                <p:cTn id="27" presetID="1" presetClass="entr" presetSubtype="0" fill="hold" grpId="0" nodeType="withEffect">
+                                  <p:stCondLst>
+                                    <p:cond delay="0"/>
+                                  </p:stCondLst>
+                                  <p:childTnLst>
+                                    <p:set>
+                                      <p:cBhvr>
+                                        <p:cTn id="28" dur="1" fill="hold">
+                                          <p:stCondLst>
+                                            <p:cond delay="0"/>
+                                          </p:stCondLst>
+                                        </p:cTn>
+                                        <p:tgtEl>
+                                          <p:spTgt spid="14"/>
+                                        </p:tgtEl>
+                                        <p:attrNameLst>
+                                          <p:attrName>style.visibility</p:attrName>
+                                        </p:attrNameLst>
+                                      </p:cBhvr>
+                                      <p:to>
+                                        <p:strVal val="visible"/>
+                                      </p:to>
+                                    </p:set>
+                                  </p:childTnLst>
+                                  <p:subTnLst>
+                                    <p:set>
+                                      <p:cBhvr override="childStyle">
+                                        <p:cTn dur="1" fill="hold" display="0" masterRel="nextClick" afterEffect="1"/>
+                                        <p:tgtEl>
+                                          <p:spTgt spid="14"/>
+                                        </p:tgtEl>
+                                        <p:attrNameLst>
+                                          <p:attrName>style.visibility</p:attrName>
+                                        </p:attrNameLst>
+                                      </p:cBhvr>
+                                      <p:to>
+                                        <p:strVal val="hidden"/>
+                                      </p:to>
+                                    </p:set>
+                                  </p:subTnLst>
+                                </p:cTn>
+                              </p:par>
+                            </p:childTnLst>
+                          </p:cTn>
+                        </p:par>
+                      </p:childTnLst>
+                    </p:cTn>
+                  </p:par>
+                  <p:par>
+                    <p:cTn id="29" fill="hold">
+                      <p:stCondLst>
+                        <p:cond delay="indefinite"/>
+                      </p:stCondLst>
+                      <p:childTnLst>
+                        <p:par>
+                          <p:cTn id="30" fill="hold">
+                            <p:stCondLst>
+                              <p:cond delay="0"/>
+                            </p:stCondLst>
+                            <p:childTnLst>
+                              <p:par>
+                                <p:cTn id="31" presetID="1" presetClass="entr" presetSubtype="0" fill="hold" grpId="0" nodeType="clickEffect">
+                                  <p:stCondLst>
+                                    <p:cond delay="0"/>
+                                  </p:stCondLst>
+                                  <p:childTnLst>
+                                    <p:set>
+                                      <p:cBhvr>
+                                        <p:cTn id="32" dur="1" fill="hold">
+                                          <p:stCondLst>
+                                            <p:cond delay="0"/>
+                                          </p:stCondLst>
+                                        </p:cTn>
+                                        <p:tgtEl>
+                                          <p:spTgt spid="15"/>
+                                        </p:tgtEl>
+                                        <p:attrNameLst>
+                                          <p:attrName>style.visibility</p:attrName>
+                                        </p:attrNameLst>
+                                      </p:cBhvr>
+                                      <p:to>
+                                        <p:strVal val="visible"/>
+                                      </p:to>
+                                    </p:set>
+                                  </p:childTnLst>
+                                  <p:subTnLst>
+                                    <p:set>
+                                      <p:cBhvr override="childStyle">
+                                        <p:cTn dur="1" fill="hold" display="0" masterRel="nextClick" afterEffect="1"/>
+                                        <p:tgtEl>
+                                          <p:spTgt spid="15"/>
+                                        </p:tgtEl>
+                                        <p:attrNameLst>
+                                          <p:attrName>style.visibility</p:attrName>
+                                        </p:attrNameLst>
+                                      </p:cBhvr>
+                                      <p:to>
+                                        <p:strVal val="hidden"/>
+                                      </p:to>
+                                    </p:set>
+                                  </p:subTnLst>
+                                </p:cTn>
+                              </p:par>
+                              <p:par>
+                                <p:cTn id="33" presetID="1" presetClass="entr" presetSubtype="0" fill="hold" grpId="0" nodeType="withEffect">
+                                  <p:stCondLst>
+                                    <p:cond delay="0"/>
+                                  </p:stCondLst>
+                                  <p:childTnLst>
+                                    <p:set>
+                                      <p:cBhvr>
+                                        <p:cTn id="34" dur="1" fill="hold">
+                                          <p:stCondLst>
+                                            <p:cond delay="0"/>
+                                          </p:stCondLst>
+                                        </p:cTn>
+                                        <p:tgtEl>
+                                          <p:spTgt spid="16"/>
+                                        </p:tgtEl>
+                                        <p:attrNameLst>
+                                          <p:attrName>style.visibility</p:attrName>
+                                        </p:attrNameLst>
+                                      </p:cBhvr>
+                                      <p:to>
+                                        <p:strVal val="visible"/>
+                                      </p:to>
+                                    </p:set>
+                                  </p:childTnLst>
+                                  <p:subTnLst>
+                                    <p:set>
+                                      <p:cBhvr override="childStyle">
+                                        <p:cTn dur="1" fill="hold" display="0" masterRel="nextClick" afterEffect="1"/>
+                                        <p:tgtEl>
+                                          <p:spTgt spid="16"/>
+                                        </p:tgtEl>
+                                        <p:attrNameLst>
+                                          <p:attrName>style.visibility</p:attrName>
+                                        </p:attrNameLst>
+                                      </p:cBhvr>
+                                      <p:to>
+                                        <p:strVal val="hidden"/>
+                                      </p:to>
+                                    </p:set>
+                                  </p:subTnLst>
+                                </p:cTn>
+                              </p:par>
+                            </p:childTnLst>
+                          </p:cTn>
+                        </p:par>
+                      </p:childTnLst>
+                    </p:cTn>
+                  </p:par>
+                  <p:par>
+                    <p:cTn id="35" fill="hold">
+                      <p:stCondLst>
+                        <p:cond delay="indefinite"/>
+                      </p:stCondLst>
+                      <p:childTnLst>
+                        <p:par>
+                          <p:cTn id="36" fill="hold">
+                            <p:stCondLst>
+                              <p:cond delay="0"/>
+                            </p:stCondLst>
+                            <p:childTnLst>
+                              <p:par>
+                                <p:cTn id="37" presetID="1" presetClass="entr" presetSubtype="0" fill="hold" grpId="0" nodeType="clickEffect">
+                                  <p:stCondLst>
+                                    <p:cond delay="0"/>
+                                  </p:stCondLst>
+                                  <p:childTnLst>
+                                    <p:set>
+                                      <p:cBhvr>
+                                        <p:cTn id="38" dur="1" fill="hold">
                                           <p:stCondLst>
                                             <p:cond delay="0"/>
                                           </p:stCondLst>
@@ -14919,6 +16720,14 @@
     </p:tnLst>
     <p:bldLst>
       <p:bldP spid="12" grpId="0" animBg="1"/>
+      <p:bldP spid="6" grpId="0" animBg="1"/>
+      <p:bldP spid="8" grpId="0" animBg="1"/>
+      <p:bldP spid="9" grpId="0" animBg="1"/>
+      <p:bldP spid="10" grpId="0" animBg="1"/>
+      <p:bldP spid="13" grpId="0" animBg="1"/>
+      <p:bldP spid="14" grpId="0" animBg="1"/>
+      <p:bldP spid="15" grpId="0" animBg="1"/>
+      <p:bldP spid="16" grpId="0" animBg="1"/>
     </p:bldLst>
   </p:timing>
 </p:sld>
@@ -23315,27 +25124,36 @@
                             </p:childTnLst>
                           </p:cTn>
                         </p:par>
+                      </p:childTnLst>
+                    </p:cTn>
+                  </p:par>
+                  <p:par>
+                    <p:cTn id="15" fill="hold">
+                      <p:stCondLst>
+                        <p:cond delay="indefinite"/>
+                      </p:stCondLst>
+                      <p:childTnLst>
                         <p:par>
-                          <p:cTn id="15" fill="hold">
+                          <p:cTn id="16" fill="hold">
                             <p:stCondLst>
                               <p:cond delay="0"/>
                             </p:stCondLst>
                             <p:childTnLst>
                               <p:par>
-                                <p:cTn id="16" presetID="1" presetClass="entr" presetSubtype="0" fill="hold" grpId="0" nodeType="afterEffect">
+                                <p:cTn id="17" presetID="1" presetClass="entr" presetSubtype="0" fill="hold" grpId="0" nodeType="clickEffect">
                                   <p:stCondLst>
                                     <p:cond delay="0"/>
                                   </p:stCondLst>
                                   <p:childTnLst>
                                     <p:set>
                                       <p:cBhvr>
-                                        <p:cTn id="17" dur="1" fill="hold">
+                                        <p:cTn id="18" dur="1" fill="hold">
                                           <p:stCondLst>
                                             <p:cond delay="0"/>
                                           </p:stCondLst>
                                         </p:cTn>
                                         <p:tgtEl>
-                                          <p:spTgt spid="4"/>
+                                          <p:spTgt spid="8"/>
                                         </p:tgtEl>
                                         <p:attrNameLst>
                                           <p:attrName>style.visibility</p:attrName>
@@ -23351,15 +25169,6 @@
                             </p:childTnLst>
                           </p:cTn>
                         </p:par>
-                      </p:childTnLst>
-                    </p:cTn>
-                  </p:par>
-                  <p:par>
-                    <p:cTn id="18" fill="hold">
-                      <p:stCondLst>
-                        <p:cond delay="indefinite"/>
-                      </p:stCondLst>
-                      <p:childTnLst>
                         <p:par>
                           <p:cTn id="19" fill="hold">
                             <p:stCondLst>
@@ -23367,7 +25176,7 @@
                             </p:stCondLst>
                             <p:childTnLst>
                               <p:par>
-                                <p:cTn id="20" presetID="1" presetClass="entr" presetSubtype="0" fill="hold" grpId="0" nodeType="clickEffect">
+                                <p:cTn id="20" presetID="1" presetClass="entr" presetSubtype="0" fill="hold" grpId="0" nodeType="afterEffect">
                                   <p:stCondLst>
                                     <p:cond delay="0"/>
                                   </p:stCondLst>
@@ -23380,7 +25189,7 @@
                                           </p:stCondLst>
                                         </p:cTn>
                                         <p:tgtEl>
-                                          <p:spTgt spid="8"/>
+                                          <p:spTgt spid="4"/>
                                         </p:tgtEl>
                                         <p:attrNameLst>
                                           <p:attrName>style.visibility</p:attrName>

--- a/Projet_7/p7.pptx
+++ b/Projet_7/p7.pptx
@@ -5,7 +5,7 @@
     <p:sldMasterId id="2147483660" r:id="rId1"/>
   </p:sldMasterIdLst>
   <p:notesMasterIdLst>
-    <p:notesMasterId r:id="rId44"/>
+    <p:notesMasterId r:id="rId45"/>
   </p:notesMasterIdLst>
   <p:sldIdLst>
     <p:sldId id="256" r:id="rId2"/>
@@ -46,10 +46,11 @@
     <p:sldId id="418" r:id="rId37"/>
     <p:sldId id="426" r:id="rId38"/>
     <p:sldId id="425" r:id="rId39"/>
-    <p:sldId id="395" r:id="rId40"/>
-    <p:sldId id="387" r:id="rId41"/>
-    <p:sldId id="424" r:id="rId42"/>
-    <p:sldId id="331" r:id="rId43"/>
+    <p:sldId id="428" r:id="rId40"/>
+    <p:sldId id="395" r:id="rId41"/>
+    <p:sldId id="387" r:id="rId42"/>
+    <p:sldId id="424" r:id="rId43"/>
+    <p:sldId id="331" r:id="rId44"/>
   </p:sldIdLst>
   <p:sldSz cx="12192000" cy="6858000"/>
   <p:notesSz cx="6858000" cy="9144000"/>
@@ -249,7 +250,7 @@
           <a:p>
             <a:fld id="{4771E3A2-6132-4759-8A78-76C831761E5C}" type="datetimeFigureOut">
               <a:rPr lang="fr-FR" smtClean="0"/>
-              <a:t>29/10/2018</a:t>
+              <a:t>30/10/2018</a:t>
             </a:fld>
             <a:endParaRPr lang="fr-FR"/>
           </a:p>
@@ -581,7 +582,7 @@
           <a:p>
             <a:fld id="{83B03462-FDCF-49B6-BCAF-5DA004C02C51}" type="slidenum">
               <a:rPr lang="fr-FR" smtClean="0"/>
-              <a:t>4</a:t>
+              <a:t>3</a:t>
             </a:fld>
             <a:endParaRPr lang="fr-FR"/>
           </a:p>
@@ -590,7 +591,595 @@
     </p:spTree>
     <p:extLst>
       <p:ext uri="{BB962C8B-B14F-4D97-AF65-F5344CB8AC3E}">
-        <p14:creationId xmlns:p14="http://schemas.microsoft.com/office/powerpoint/2010/main" val="527886194"/>
+        <p14:creationId xmlns:p14="http://schemas.microsoft.com/office/powerpoint/2010/main" val="2537521065"/>
+      </p:ext>
+    </p:extLst>
+  </p:cSld>
+  <p:clrMapOvr>
+    <a:masterClrMapping/>
+  </p:clrMapOvr>
+</p:notes>
+</file>
+
+<file path=ppt/notesSlides/notesSlide10.xml><?xml version="1.0" encoding="utf-8"?>
+<p:notes xmlns:a="http://schemas.openxmlformats.org/drawingml/2006/main" xmlns:r="http://schemas.openxmlformats.org/officeDocument/2006/relationships" xmlns:p="http://schemas.openxmlformats.org/presentationml/2006/main">
+  <p:cSld>
+    <p:spTree>
+      <p:nvGrpSpPr>
+        <p:cNvPr id="1" name=""/>
+        <p:cNvGrpSpPr/>
+        <p:nvPr/>
+      </p:nvGrpSpPr>
+      <p:grpSpPr>
+        <a:xfrm>
+          <a:off x="0" y="0"/>
+          <a:ext cx="0" cy="0"/>
+          <a:chOff x="0" y="0"/>
+          <a:chExt cx="0" cy="0"/>
+        </a:xfrm>
+      </p:grpSpPr>
+      <p:sp>
+        <p:nvSpPr>
+          <p:cNvPr id="2" name="Espace réservé de l'image des diapositives 1"/>
+          <p:cNvSpPr>
+            <a:spLocks noGrp="1" noRot="1" noChangeAspect="1"/>
+          </p:cNvSpPr>
+          <p:nvPr>
+            <p:ph type="sldImg"/>
+          </p:nvPr>
+        </p:nvSpPr>
+        <p:spPr/>
+      </p:sp>
+      <p:sp>
+        <p:nvSpPr>
+          <p:cNvPr id="3" name="Espace réservé des notes 2"/>
+          <p:cNvSpPr>
+            <a:spLocks noGrp="1"/>
+          </p:cNvSpPr>
+          <p:nvPr>
+            <p:ph type="body" idx="1"/>
+          </p:nvPr>
+        </p:nvSpPr>
+        <p:spPr/>
+        <p:txBody>
+          <a:bodyPr/>
+          <a:lstStyle/>
+          <a:p>
+            <a:endParaRPr lang="fr-FR" dirty="0"/>
+          </a:p>
+        </p:txBody>
+      </p:sp>
+      <p:sp>
+        <p:nvSpPr>
+          <p:cNvPr id="4" name="Espace réservé du numéro de diapositive 3"/>
+          <p:cNvSpPr>
+            <a:spLocks noGrp="1"/>
+          </p:cNvSpPr>
+          <p:nvPr>
+            <p:ph type="sldNum" sz="quarter" idx="5"/>
+          </p:nvPr>
+        </p:nvSpPr>
+        <p:spPr/>
+        <p:txBody>
+          <a:bodyPr/>
+          <a:lstStyle/>
+          <a:p>
+            <a:fld id="{83B03462-FDCF-49B6-BCAF-5DA004C02C51}" type="slidenum">
+              <a:rPr lang="fr-FR" smtClean="0"/>
+              <a:t>21</a:t>
+            </a:fld>
+            <a:endParaRPr lang="fr-FR"/>
+          </a:p>
+        </p:txBody>
+      </p:sp>
+    </p:spTree>
+    <p:extLst>
+      <p:ext uri="{BB962C8B-B14F-4D97-AF65-F5344CB8AC3E}">
+        <p14:creationId xmlns:p14="http://schemas.microsoft.com/office/powerpoint/2010/main" val="3218769423"/>
+      </p:ext>
+    </p:extLst>
+  </p:cSld>
+  <p:clrMapOvr>
+    <a:masterClrMapping/>
+  </p:clrMapOvr>
+</p:notes>
+</file>
+
+<file path=ppt/notesSlides/notesSlide11.xml><?xml version="1.0" encoding="utf-8"?>
+<p:notes xmlns:a="http://schemas.openxmlformats.org/drawingml/2006/main" xmlns:r="http://schemas.openxmlformats.org/officeDocument/2006/relationships" xmlns:p="http://schemas.openxmlformats.org/presentationml/2006/main">
+  <p:cSld>
+    <p:spTree>
+      <p:nvGrpSpPr>
+        <p:cNvPr id="1" name=""/>
+        <p:cNvGrpSpPr/>
+        <p:nvPr/>
+      </p:nvGrpSpPr>
+      <p:grpSpPr>
+        <a:xfrm>
+          <a:off x="0" y="0"/>
+          <a:ext cx="0" cy="0"/>
+          <a:chOff x="0" y="0"/>
+          <a:chExt cx="0" cy="0"/>
+        </a:xfrm>
+      </p:grpSpPr>
+      <p:sp>
+        <p:nvSpPr>
+          <p:cNvPr id="2" name="Espace réservé de l'image des diapositives 1"/>
+          <p:cNvSpPr>
+            <a:spLocks noGrp="1" noRot="1" noChangeAspect="1"/>
+          </p:cNvSpPr>
+          <p:nvPr>
+            <p:ph type="sldImg"/>
+          </p:nvPr>
+        </p:nvSpPr>
+        <p:spPr/>
+      </p:sp>
+      <p:sp>
+        <p:nvSpPr>
+          <p:cNvPr id="3" name="Espace réservé des notes 2"/>
+          <p:cNvSpPr>
+            <a:spLocks noGrp="1"/>
+          </p:cNvSpPr>
+          <p:nvPr>
+            <p:ph type="body" idx="1"/>
+          </p:nvPr>
+        </p:nvSpPr>
+        <p:spPr/>
+        <p:txBody>
+          <a:bodyPr/>
+          <a:lstStyle/>
+          <a:p>
+            <a:endParaRPr lang="fr-FR" dirty="0"/>
+          </a:p>
+        </p:txBody>
+      </p:sp>
+      <p:sp>
+        <p:nvSpPr>
+          <p:cNvPr id="4" name="Espace réservé du numéro de diapositive 3"/>
+          <p:cNvSpPr>
+            <a:spLocks noGrp="1"/>
+          </p:cNvSpPr>
+          <p:nvPr>
+            <p:ph type="sldNum" sz="quarter" idx="5"/>
+          </p:nvPr>
+        </p:nvSpPr>
+        <p:spPr/>
+        <p:txBody>
+          <a:bodyPr/>
+          <a:lstStyle/>
+          <a:p>
+            <a:fld id="{83B03462-FDCF-49B6-BCAF-5DA004C02C51}" type="slidenum">
+              <a:rPr lang="fr-FR" smtClean="0"/>
+              <a:t>24</a:t>
+            </a:fld>
+            <a:endParaRPr lang="fr-FR"/>
+          </a:p>
+        </p:txBody>
+      </p:sp>
+    </p:spTree>
+    <p:extLst>
+      <p:ext uri="{BB962C8B-B14F-4D97-AF65-F5344CB8AC3E}">
+        <p14:creationId xmlns:p14="http://schemas.microsoft.com/office/powerpoint/2010/main" val="184495148"/>
+      </p:ext>
+    </p:extLst>
+  </p:cSld>
+  <p:clrMapOvr>
+    <a:masterClrMapping/>
+  </p:clrMapOvr>
+</p:notes>
+</file>
+
+<file path=ppt/notesSlides/notesSlide12.xml><?xml version="1.0" encoding="utf-8"?>
+<p:notes xmlns:a="http://schemas.openxmlformats.org/drawingml/2006/main" xmlns:r="http://schemas.openxmlformats.org/officeDocument/2006/relationships" xmlns:p="http://schemas.openxmlformats.org/presentationml/2006/main">
+  <p:cSld>
+    <p:spTree>
+      <p:nvGrpSpPr>
+        <p:cNvPr id="1" name=""/>
+        <p:cNvGrpSpPr/>
+        <p:nvPr/>
+      </p:nvGrpSpPr>
+      <p:grpSpPr>
+        <a:xfrm>
+          <a:off x="0" y="0"/>
+          <a:ext cx="0" cy="0"/>
+          <a:chOff x="0" y="0"/>
+          <a:chExt cx="0" cy="0"/>
+        </a:xfrm>
+      </p:grpSpPr>
+      <p:sp>
+        <p:nvSpPr>
+          <p:cNvPr id="2" name="Espace réservé de l'image des diapositives 1"/>
+          <p:cNvSpPr>
+            <a:spLocks noGrp="1" noRot="1" noChangeAspect="1"/>
+          </p:cNvSpPr>
+          <p:nvPr>
+            <p:ph type="sldImg"/>
+          </p:nvPr>
+        </p:nvSpPr>
+        <p:spPr/>
+      </p:sp>
+      <p:sp>
+        <p:nvSpPr>
+          <p:cNvPr id="3" name="Espace réservé des notes 2"/>
+          <p:cNvSpPr>
+            <a:spLocks noGrp="1"/>
+          </p:cNvSpPr>
+          <p:nvPr>
+            <p:ph type="body" idx="1"/>
+          </p:nvPr>
+        </p:nvSpPr>
+        <p:spPr/>
+        <p:txBody>
+          <a:bodyPr/>
+          <a:lstStyle/>
+          <a:p>
+            <a:endParaRPr lang="fr-FR" dirty="0"/>
+          </a:p>
+        </p:txBody>
+      </p:sp>
+      <p:sp>
+        <p:nvSpPr>
+          <p:cNvPr id="4" name="Espace réservé du numéro de diapositive 3"/>
+          <p:cNvSpPr>
+            <a:spLocks noGrp="1"/>
+          </p:cNvSpPr>
+          <p:nvPr>
+            <p:ph type="sldNum" sz="quarter" idx="5"/>
+          </p:nvPr>
+        </p:nvSpPr>
+        <p:spPr/>
+        <p:txBody>
+          <a:bodyPr/>
+          <a:lstStyle/>
+          <a:p>
+            <a:fld id="{83B03462-FDCF-49B6-BCAF-5DA004C02C51}" type="slidenum">
+              <a:rPr lang="fr-FR" smtClean="0"/>
+              <a:t>26</a:t>
+            </a:fld>
+            <a:endParaRPr lang="fr-FR"/>
+          </a:p>
+        </p:txBody>
+      </p:sp>
+    </p:spTree>
+    <p:extLst>
+      <p:ext uri="{BB962C8B-B14F-4D97-AF65-F5344CB8AC3E}">
+        <p14:creationId xmlns:p14="http://schemas.microsoft.com/office/powerpoint/2010/main" val="2593048339"/>
+      </p:ext>
+    </p:extLst>
+  </p:cSld>
+  <p:clrMapOvr>
+    <a:masterClrMapping/>
+  </p:clrMapOvr>
+</p:notes>
+</file>
+
+<file path=ppt/notesSlides/notesSlide13.xml><?xml version="1.0" encoding="utf-8"?>
+<p:notes xmlns:a="http://schemas.openxmlformats.org/drawingml/2006/main" xmlns:r="http://schemas.openxmlformats.org/officeDocument/2006/relationships" xmlns:p="http://schemas.openxmlformats.org/presentationml/2006/main">
+  <p:cSld>
+    <p:spTree>
+      <p:nvGrpSpPr>
+        <p:cNvPr id="1" name=""/>
+        <p:cNvGrpSpPr/>
+        <p:nvPr/>
+      </p:nvGrpSpPr>
+      <p:grpSpPr>
+        <a:xfrm>
+          <a:off x="0" y="0"/>
+          <a:ext cx="0" cy="0"/>
+          <a:chOff x="0" y="0"/>
+          <a:chExt cx="0" cy="0"/>
+        </a:xfrm>
+      </p:grpSpPr>
+      <p:sp>
+        <p:nvSpPr>
+          <p:cNvPr id="2" name="Espace réservé de l'image des diapositives 1"/>
+          <p:cNvSpPr>
+            <a:spLocks noGrp="1" noRot="1" noChangeAspect="1"/>
+          </p:cNvSpPr>
+          <p:nvPr>
+            <p:ph type="sldImg"/>
+          </p:nvPr>
+        </p:nvSpPr>
+        <p:spPr/>
+      </p:sp>
+      <p:sp>
+        <p:nvSpPr>
+          <p:cNvPr id="3" name="Espace réservé des notes 2"/>
+          <p:cNvSpPr>
+            <a:spLocks noGrp="1"/>
+          </p:cNvSpPr>
+          <p:nvPr>
+            <p:ph type="body" idx="1"/>
+          </p:nvPr>
+        </p:nvSpPr>
+        <p:spPr/>
+        <p:txBody>
+          <a:bodyPr/>
+          <a:lstStyle/>
+          <a:p>
+            <a:endParaRPr lang="fr-FR" dirty="0"/>
+          </a:p>
+        </p:txBody>
+      </p:sp>
+      <p:sp>
+        <p:nvSpPr>
+          <p:cNvPr id="4" name="Espace réservé du numéro de diapositive 3"/>
+          <p:cNvSpPr>
+            <a:spLocks noGrp="1"/>
+          </p:cNvSpPr>
+          <p:nvPr>
+            <p:ph type="sldNum" sz="quarter" idx="5"/>
+          </p:nvPr>
+        </p:nvSpPr>
+        <p:spPr/>
+        <p:txBody>
+          <a:bodyPr/>
+          <a:lstStyle/>
+          <a:p>
+            <a:fld id="{83B03462-FDCF-49B6-BCAF-5DA004C02C51}" type="slidenum">
+              <a:rPr lang="fr-FR" smtClean="0"/>
+              <a:t>27</a:t>
+            </a:fld>
+            <a:endParaRPr lang="fr-FR"/>
+          </a:p>
+        </p:txBody>
+      </p:sp>
+    </p:spTree>
+    <p:extLst>
+      <p:ext uri="{BB962C8B-B14F-4D97-AF65-F5344CB8AC3E}">
+        <p14:creationId xmlns:p14="http://schemas.microsoft.com/office/powerpoint/2010/main" val="4048808643"/>
+      </p:ext>
+    </p:extLst>
+  </p:cSld>
+  <p:clrMapOvr>
+    <a:masterClrMapping/>
+  </p:clrMapOvr>
+</p:notes>
+</file>
+
+<file path=ppt/notesSlides/notesSlide14.xml><?xml version="1.0" encoding="utf-8"?>
+<p:notes xmlns:a="http://schemas.openxmlformats.org/drawingml/2006/main" xmlns:r="http://schemas.openxmlformats.org/officeDocument/2006/relationships" xmlns:p="http://schemas.openxmlformats.org/presentationml/2006/main">
+  <p:cSld>
+    <p:spTree>
+      <p:nvGrpSpPr>
+        <p:cNvPr id="1" name=""/>
+        <p:cNvGrpSpPr/>
+        <p:nvPr/>
+      </p:nvGrpSpPr>
+      <p:grpSpPr>
+        <a:xfrm>
+          <a:off x="0" y="0"/>
+          <a:ext cx="0" cy="0"/>
+          <a:chOff x="0" y="0"/>
+          <a:chExt cx="0" cy="0"/>
+        </a:xfrm>
+      </p:grpSpPr>
+      <p:sp>
+        <p:nvSpPr>
+          <p:cNvPr id="2" name="Espace réservé de l'image des diapositives 1"/>
+          <p:cNvSpPr>
+            <a:spLocks noGrp="1" noRot="1" noChangeAspect="1"/>
+          </p:cNvSpPr>
+          <p:nvPr>
+            <p:ph type="sldImg"/>
+          </p:nvPr>
+        </p:nvSpPr>
+        <p:spPr/>
+      </p:sp>
+      <p:sp>
+        <p:nvSpPr>
+          <p:cNvPr id="3" name="Espace réservé des notes 2"/>
+          <p:cNvSpPr>
+            <a:spLocks noGrp="1"/>
+          </p:cNvSpPr>
+          <p:nvPr>
+            <p:ph type="body" idx="1"/>
+          </p:nvPr>
+        </p:nvSpPr>
+        <p:spPr/>
+        <p:txBody>
+          <a:bodyPr/>
+          <a:lstStyle/>
+          <a:p>
+            <a:endParaRPr lang="fr-FR" dirty="0"/>
+          </a:p>
+        </p:txBody>
+      </p:sp>
+      <p:sp>
+        <p:nvSpPr>
+          <p:cNvPr id="4" name="Espace réservé du numéro de diapositive 3"/>
+          <p:cNvSpPr>
+            <a:spLocks noGrp="1"/>
+          </p:cNvSpPr>
+          <p:nvPr>
+            <p:ph type="sldNum" sz="quarter" idx="5"/>
+          </p:nvPr>
+        </p:nvSpPr>
+        <p:spPr/>
+        <p:txBody>
+          <a:bodyPr/>
+          <a:lstStyle/>
+          <a:p>
+            <a:fld id="{83B03462-FDCF-49B6-BCAF-5DA004C02C51}" type="slidenum">
+              <a:rPr lang="fr-FR" smtClean="0"/>
+              <a:t>29</a:t>
+            </a:fld>
+            <a:endParaRPr lang="fr-FR"/>
+          </a:p>
+        </p:txBody>
+      </p:sp>
+    </p:spTree>
+    <p:extLst>
+      <p:ext uri="{BB962C8B-B14F-4D97-AF65-F5344CB8AC3E}">
+        <p14:creationId xmlns:p14="http://schemas.microsoft.com/office/powerpoint/2010/main" val="173945168"/>
+      </p:ext>
+    </p:extLst>
+  </p:cSld>
+  <p:clrMapOvr>
+    <a:masterClrMapping/>
+  </p:clrMapOvr>
+</p:notes>
+</file>
+
+<file path=ppt/notesSlides/notesSlide15.xml><?xml version="1.0" encoding="utf-8"?>
+<p:notes xmlns:a="http://schemas.openxmlformats.org/drawingml/2006/main" xmlns:r="http://schemas.openxmlformats.org/officeDocument/2006/relationships" xmlns:p="http://schemas.openxmlformats.org/presentationml/2006/main">
+  <p:cSld>
+    <p:spTree>
+      <p:nvGrpSpPr>
+        <p:cNvPr id="1" name=""/>
+        <p:cNvGrpSpPr/>
+        <p:nvPr/>
+      </p:nvGrpSpPr>
+      <p:grpSpPr>
+        <a:xfrm>
+          <a:off x="0" y="0"/>
+          <a:ext cx="0" cy="0"/>
+          <a:chOff x="0" y="0"/>
+          <a:chExt cx="0" cy="0"/>
+        </a:xfrm>
+      </p:grpSpPr>
+      <p:sp>
+        <p:nvSpPr>
+          <p:cNvPr id="2" name="Espace réservé de l'image des diapositives 1"/>
+          <p:cNvSpPr>
+            <a:spLocks noGrp="1" noRot="1" noChangeAspect="1"/>
+          </p:cNvSpPr>
+          <p:nvPr>
+            <p:ph type="sldImg"/>
+          </p:nvPr>
+        </p:nvSpPr>
+        <p:spPr/>
+      </p:sp>
+      <p:sp>
+        <p:nvSpPr>
+          <p:cNvPr id="3" name="Espace réservé des notes 2"/>
+          <p:cNvSpPr>
+            <a:spLocks noGrp="1"/>
+          </p:cNvSpPr>
+          <p:nvPr>
+            <p:ph type="body" idx="1"/>
+          </p:nvPr>
+        </p:nvSpPr>
+        <p:spPr/>
+        <p:txBody>
+          <a:bodyPr/>
+          <a:lstStyle/>
+          <a:p>
+            <a:endParaRPr lang="fr-FR" dirty="0"/>
+          </a:p>
+        </p:txBody>
+      </p:sp>
+      <p:sp>
+        <p:nvSpPr>
+          <p:cNvPr id="4" name="Espace réservé du numéro de diapositive 3"/>
+          <p:cNvSpPr>
+            <a:spLocks noGrp="1"/>
+          </p:cNvSpPr>
+          <p:nvPr>
+            <p:ph type="sldNum" sz="quarter" idx="5"/>
+          </p:nvPr>
+        </p:nvSpPr>
+        <p:spPr/>
+        <p:txBody>
+          <a:bodyPr/>
+          <a:lstStyle/>
+          <a:p>
+            <a:fld id="{83B03462-FDCF-49B6-BCAF-5DA004C02C51}" type="slidenum">
+              <a:rPr lang="fr-FR" smtClean="0"/>
+              <a:t>38</a:t>
+            </a:fld>
+            <a:endParaRPr lang="fr-FR"/>
+          </a:p>
+        </p:txBody>
+      </p:sp>
+    </p:spTree>
+    <p:extLst>
+      <p:ext uri="{BB962C8B-B14F-4D97-AF65-F5344CB8AC3E}">
+        <p14:creationId xmlns:p14="http://schemas.microsoft.com/office/powerpoint/2010/main" val="532242163"/>
+      </p:ext>
+    </p:extLst>
+  </p:cSld>
+  <p:clrMapOvr>
+    <a:masterClrMapping/>
+  </p:clrMapOvr>
+</p:notes>
+</file>
+
+<file path=ppt/notesSlides/notesSlide16.xml><?xml version="1.0" encoding="utf-8"?>
+<p:notes xmlns:a="http://schemas.openxmlformats.org/drawingml/2006/main" xmlns:r="http://schemas.openxmlformats.org/officeDocument/2006/relationships" xmlns:p="http://schemas.openxmlformats.org/presentationml/2006/main">
+  <p:cSld>
+    <p:spTree>
+      <p:nvGrpSpPr>
+        <p:cNvPr id="1" name=""/>
+        <p:cNvGrpSpPr/>
+        <p:nvPr/>
+      </p:nvGrpSpPr>
+      <p:grpSpPr>
+        <a:xfrm>
+          <a:off x="0" y="0"/>
+          <a:ext cx="0" cy="0"/>
+          <a:chOff x="0" y="0"/>
+          <a:chExt cx="0" cy="0"/>
+        </a:xfrm>
+      </p:grpSpPr>
+      <p:sp>
+        <p:nvSpPr>
+          <p:cNvPr id="2" name="Espace réservé de l'image des diapositives 1"/>
+          <p:cNvSpPr>
+            <a:spLocks noGrp="1" noRot="1" noChangeAspect="1"/>
+          </p:cNvSpPr>
+          <p:nvPr>
+            <p:ph type="sldImg"/>
+          </p:nvPr>
+        </p:nvSpPr>
+        <p:spPr/>
+      </p:sp>
+      <p:sp>
+        <p:nvSpPr>
+          <p:cNvPr id="3" name="Espace réservé des notes 2"/>
+          <p:cNvSpPr>
+            <a:spLocks noGrp="1"/>
+          </p:cNvSpPr>
+          <p:nvPr>
+            <p:ph type="body" idx="1"/>
+          </p:nvPr>
+        </p:nvSpPr>
+        <p:spPr/>
+        <p:txBody>
+          <a:bodyPr/>
+          <a:lstStyle/>
+          <a:p>
+            <a:endParaRPr lang="fr-FR" dirty="0"/>
+          </a:p>
+        </p:txBody>
+      </p:sp>
+      <p:sp>
+        <p:nvSpPr>
+          <p:cNvPr id="4" name="Espace réservé du numéro de diapositive 3"/>
+          <p:cNvSpPr>
+            <a:spLocks noGrp="1"/>
+          </p:cNvSpPr>
+          <p:nvPr>
+            <p:ph type="sldNum" sz="quarter" idx="5"/>
+          </p:nvPr>
+        </p:nvSpPr>
+        <p:spPr/>
+        <p:txBody>
+          <a:bodyPr/>
+          <a:lstStyle/>
+          <a:p>
+            <a:fld id="{83B03462-FDCF-49B6-BCAF-5DA004C02C51}" type="slidenum">
+              <a:rPr lang="fr-FR" smtClean="0"/>
+              <a:t>39</a:t>
+            </a:fld>
+            <a:endParaRPr lang="fr-FR"/>
+          </a:p>
+        </p:txBody>
+      </p:sp>
+    </p:spTree>
+    <p:extLst>
+      <p:ext uri="{BB962C8B-B14F-4D97-AF65-F5344CB8AC3E}">
+        <p14:creationId xmlns:p14="http://schemas.microsoft.com/office/powerpoint/2010/main" val="3267691841"/>
       </p:ext>
     </p:extLst>
   </p:cSld>
@@ -665,7 +1254,7 @@
           <a:p>
             <a:fld id="{83B03462-FDCF-49B6-BCAF-5DA004C02C51}" type="slidenum">
               <a:rPr lang="fr-FR" smtClean="0"/>
-              <a:t>12</a:t>
+              <a:t>4</a:t>
             </a:fld>
             <a:endParaRPr lang="fr-FR"/>
           </a:p>
@@ -674,7 +1263,7 @@
     </p:spTree>
     <p:extLst>
       <p:ext uri="{BB962C8B-B14F-4D97-AF65-F5344CB8AC3E}">
-        <p14:creationId xmlns:p14="http://schemas.microsoft.com/office/powerpoint/2010/main" val="1302856281"/>
+        <p14:creationId xmlns:p14="http://schemas.microsoft.com/office/powerpoint/2010/main" val="527886194"/>
       </p:ext>
     </p:extLst>
   </p:cSld>
@@ -749,7 +1338,7 @@
           <a:p>
             <a:fld id="{83B03462-FDCF-49B6-BCAF-5DA004C02C51}" type="slidenum">
               <a:rPr lang="fr-FR" smtClean="0"/>
-              <a:t>14</a:t>
+              <a:t>11</a:t>
             </a:fld>
             <a:endParaRPr lang="fr-FR"/>
           </a:p>
@@ -758,7 +1347,7 @@
     </p:spTree>
     <p:extLst>
       <p:ext uri="{BB962C8B-B14F-4D97-AF65-F5344CB8AC3E}">
-        <p14:creationId xmlns:p14="http://schemas.microsoft.com/office/powerpoint/2010/main" val="3789404990"/>
+        <p14:creationId xmlns:p14="http://schemas.microsoft.com/office/powerpoint/2010/main" val="2846946935"/>
       </p:ext>
     </p:extLst>
   </p:cSld>
@@ -833,7 +1422,7 @@
           <a:p>
             <a:fld id="{83B03462-FDCF-49B6-BCAF-5DA004C02C51}" type="slidenum">
               <a:rPr lang="fr-FR" smtClean="0"/>
-              <a:t>15</a:t>
+              <a:t>12</a:t>
             </a:fld>
             <a:endParaRPr lang="fr-FR"/>
           </a:p>
@@ -842,7 +1431,7 @@
     </p:spTree>
     <p:extLst>
       <p:ext uri="{BB962C8B-B14F-4D97-AF65-F5344CB8AC3E}">
-        <p14:creationId xmlns:p14="http://schemas.microsoft.com/office/powerpoint/2010/main" val="4245185530"/>
+        <p14:creationId xmlns:p14="http://schemas.microsoft.com/office/powerpoint/2010/main" val="1302856281"/>
       </p:ext>
     </p:extLst>
   </p:cSld>
@@ -917,7 +1506,7 @@
           <a:p>
             <a:fld id="{83B03462-FDCF-49B6-BCAF-5DA004C02C51}" type="slidenum">
               <a:rPr lang="fr-FR" smtClean="0"/>
-              <a:t>16</a:t>
+              <a:t>14</a:t>
             </a:fld>
             <a:endParaRPr lang="fr-FR"/>
           </a:p>
@@ -926,7 +1515,7 @@
     </p:spTree>
     <p:extLst>
       <p:ext uri="{BB962C8B-B14F-4D97-AF65-F5344CB8AC3E}">
-        <p14:creationId xmlns:p14="http://schemas.microsoft.com/office/powerpoint/2010/main" val="3941519374"/>
+        <p14:creationId xmlns:p14="http://schemas.microsoft.com/office/powerpoint/2010/main" val="3789404990"/>
       </p:ext>
     </p:extLst>
   </p:cSld>
@@ -1001,7 +1590,7 @@
           <a:p>
             <a:fld id="{83B03462-FDCF-49B6-BCAF-5DA004C02C51}" type="slidenum">
               <a:rPr lang="fr-FR" smtClean="0"/>
-              <a:t>20</a:t>
+              <a:t>15</a:t>
             </a:fld>
             <a:endParaRPr lang="fr-FR"/>
           </a:p>
@@ -1010,7 +1599,7 @@
     </p:spTree>
     <p:extLst>
       <p:ext uri="{BB962C8B-B14F-4D97-AF65-F5344CB8AC3E}">
-        <p14:creationId xmlns:p14="http://schemas.microsoft.com/office/powerpoint/2010/main" val="2986129879"/>
+        <p14:creationId xmlns:p14="http://schemas.microsoft.com/office/powerpoint/2010/main" val="4245185530"/>
       </p:ext>
     </p:extLst>
   </p:cSld>
@@ -1085,7 +1674,7 @@
           <a:p>
             <a:fld id="{83B03462-FDCF-49B6-BCAF-5DA004C02C51}" type="slidenum">
               <a:rPr lang="fr-FR" smtClean="0"/>
-              <a:t>21</a:t>
+              <a:t>16</a:t>
             </a:fld>
             <a:endParaRPr lang="fr-FR"/>
           </a:p>
@@ -1094,7 +1683,7 @@
     </p:spTree>
     <p:extLst>
       <p:ext uri="{BB962C8B-B14F-4D97-AF65-F5344CB8AC3E}">
-        <p14:creationId xmlns:p14="http://schemas.microsoft.com/office/powerpoint/2010/main" val="3218769423"/>
+        <p14:creationId xmlns:p14="http://schemas.microsoft.com/office/powerpoint/2010/main" val="3941519374"/>
       </p:ext>
     </p:extLst>
   </p:cSld>
@@ -1169,7 +1758,7 @@
           <a:p>
             <a:fld id="{83B03462-FDCF-49B6-BCAF-5DA004C02C51}" type="slidenum">
               <a:rPr lang="fr-FR" smtClean="0"/>
-              <a:t>27</a:t>
+              <a:t>19</a:t>
             </a:fld>
             <a:endParaRPr lang="fr-FR"/>
           </a:p>
@@ -1178,7 +1767,7 @@
     </p:spTree>
     <p:extLst>
       <p:ext uri="{BB962C8B-B14F-4D97-AF65-F5344CB8AC3E}">
-        <p14:creationId xmlns:p14="http://schemas.microsoft.com/office/powerpoint/2010/main" val="4048808643"/>
+        <p14:creationId xmlns:p14="http://schemas.microsoft.com/office/powerpoint/2010/main" val="3294748178"/>
       </p:ext>
     </p:extLst>
   </p:cSld>
@@ -1253,7 +1842,7 @@
           <a:p>
             <a:fld id="{83B03462-FDCF-49B6-BCAF-5DA004C02C51}" type="slidenum">
               <a:rPr lang="fr-FR" smtClean="0"/>
-              <a:t>29</a:t>
+              <a:t>20</a:t>
             </a:fld>
             <a:endParaRPr lang="fr-FR"/>
           </a:p>
@@ -1262,7 +1851,7 @@
     </p:spTree>
     <p:extLst>
       <p:ext uri="{BB962C8B-B14F-4D97-AF65-F5344CB8AC3E}">
-        <p14:creationId xmlns:p14="http://schemas.microsoft.com/office/powerpoint/2010/main" val="173945168"/>
+        <p14:creationId xmlns:p14="http://schemas.microsoft.com/office/powerpoint/2010/main" val="2986129879"/>
       </p:ext>
     </p:extLst>
   </p:cSld>
@@ -6249,9 +6838,17 @@
           <a:bodyPr/>
           <a:lstStyle/>
           <a:p>
+            <a:pPr algn="just"/>
             <a:r>
               <a:rPr lang="fr-FR" dirty="0"/>
-              <a:t>Pre-</a:t>
+              <a:t>Dans les approches classiques, il y a deux options :</a:t>
+            </a:r>
+          </a:p>
+          <a:p>
+            <a:pPr lvl="1" algn="just"/>
+            <a:r>
+              <a:rPr lang="fr-FR" dirty="0"/>
+              <a:t>Pré-</a:t>
             </a:r>
             <a:r>
               <a:rPr lang="fr-FR" dirty="0" err="1"/>
@@ -6263,6 +6860,40 @@
             </a:r>
           </a:p>
           <a:p>
+            <a:pPr lvl="1" algn="just"/>
+            <a:r>
+              <a:rPr lang="fr-FR" dirty="0"/>
+              <a:t>Réduire les dimensions</a:t>
+            </a:r>
+          </a:p>
+          <a:p>
+            <a:pPr lvl="1" algn="just"/>
+            <a:r>
+              <a:rPr lang="fr-FR" dirty="0"/>
+              <a:t>Appliquer des algorithmes de classification</a:t>
+            </a:r>
+          </a:p>
+          <a:p>
+            <a:pPr lvl="1" algn="just"/>
+            <a:endParaRPr lang="fr-FR" dirty="0"/>
+          </a:p>
+          <a:p>
+            <a:pPr lvl="1" algn="just"/>
+            <a:r>
+              <a:rPr lang="fr-FR" dirty="0"/>
+              <a:t>Pré-</a:t>
+            </a:r>
+            <a:r>
+              <a:rPr lang="fr-FR" dirty="0" err="1"/>
+              <a:t>processer</a:t>
+            </a:r>
+            <a:r>
+              <a:rPr lang="fr-FR" dirty="0"/>
+              <a:t> les images</a:t>
+            </a:r>
+          </a:p>
+          <a:p>
+            <a:pPr lvl="1" algn="just"/>
             <a:r>
               <a:rPr lang="fr-FR" dirty="0"/>
               <a:t>Extraire des </a:t>
@@ -6274,16 +6905,27 @@
             <a:endParaRPr lang="fr-FR" dirty="0"/>
           </a:p>
           <a:p>
+            <a:pPr lvl="1" algn="just"/>
             <a:r>
               <a:rPr lang="fr-FR" dirty="0"/>
-              <a:t>Réduire les dimensions</a:t>
-            </a:r>
-          </a:p>
-          <a:p>
+              <a:t>Créer un bag-of </a:t>
+            </a:r>
+            <a:r>
+              <a:rPr lang="fr-FR" dirty="0" err="1"/>
+              <a:t>features</a:t>
+            </a:r>
+            <a:endParaRPr lang="fr-FR" dirty="0"/>
+          </a:p>
+          <a:p>
+            <a:pPr lvl="1" algn="just"/>
             <a:r>
               <a:rPr lang="fr-FR" dirty="0"/>
               <a:t>Appliquer des algorithmes de classification</a:t>
             </a:r>
+          </a:p>
+          <a:p>
+            <a:pPr lvl="1" algn="just"/>
+            <a:endParaRPr lang="fr-FR" dirty="0"/>
           </a:p>
         </p:txBody>
       </p:sp>
@@ -6543,21 +7185,217 @@
                             </p:childTnLst>
                           </p:cTn>
                         </p:par>
+                      </p:childTnLst>
+                    </p:cTn>
+                  </p:par>
+                  <p:par>
+                    <p:cTn id="19" fill="hold">
+                      <p:stCondLst>
+                        <p:cond delay="indefinite"/>
+                      </p:stCondLst>
+                      <p:childTnLst>
                         <p:par>
-                          <p:cTn id="19" fill="hold">
+                          <p:cTn id="20" fill="hold">
                             <p:stCondLst>
                               <p:cond delay="0"/>
                             </p:stCondLst>
                             <p:childTnLst>
                               <p:par>
-                                <p:cTn id="20" presetID="1" presetClass="entr" presetSubtype="0" fill="hold" grpId="0" nodeType="afterEffect">
+                                <p:cTn id="21" presetID="1" presetClass="entr" presetSubtype="0" fill="hold" nodeType="clickEffect">
                                   <p:stCondLst>
                                     <p:cond delay="0"/>
                                   </p:stCondLst>
                                   <p:childTnLst>
                                     <p:set>
                                       <p:cBhvr>
-                                        <p:cTn id="21" dur="1" fill="hold">
+                                        <p:cTn id="22" dur="1" fill="hold">
+                                          <p:stCondLst>
+                                            <p:cond delay="0"/>
+                                          </p:stCondLst>
+                                        </p:cTn>
+                                        <p:tgtEl>
+                                          <p:spTgt spid="5">
+                                            <p:txEl>
+                                              <p:pRg st="5" end="5"/>
+                                            </p:txEl>
+                                          </p:spTgt>
+                                        </p:tgtEl>
+                                        <p:attrNameLst>
+                                          <p:attrName>style.visibility</p:attrName>
+                                        </p:attrNameLst>
+                                      </p:cBhvr>
+                                      <p:to>
+                                        <p:strVal val="visible"/>
+                                      </p:to>
+                                    </p:set>
+                                  </p:childTnLst>
+                                </p:cTn>
+                              </p:par>
+                            </p:childTnLst>
+                          </p:cTn>
+                        </p:par>
+                      </p:childTnLst>
+                    </p:cTn>
+                  </p:par>
+                  <p:par>
+                    <p:cTn id="23" fill="hold">
+                      <p:stCondLst>
+                        <p:cond delay="indefinite"/>
+                      </p:stCondLst>
+                      <p:childTnLst>
+                        <p:par>
+                          <p:cTn id="24" fill="hold">
+                            <p:stCondLst>
+                              <p:cond delay="0"/>
+                            </p:stCondLst>
+                            <p:childTnLst>
+                              <p:par>
+                                <p:cTn id="25" presetID="1" presetClass="entr" presetSubtype="0" fill="hold" nodeType="clickEffect">
+                                  <p:stCondLst>
+                                    <p:cond delay="0"/>
+                                  </p:stCondLst>
+                                  <p:childTnLst>
+                                    <p:set>
+                                      <p:cBhvr>
+                                        <p:cTn id="26" dur="1" fill="hold">
+                                          <p:stCondLst>
+                                            <p:cond delay="0"/>
+                                          </p:stCondLst>
+                                        </p:cTn>
+                                        <p:tgtEl>
+                                          <p:spTgt spid="5">
+                                            <p:txEl>
+                                              <p:pRg st="6" end="6"/>
+                                            </p:txEl>
+                                          </p:spTgt>
+                                        </p:tgtEl>
+                                        <p:attrNameLst>
+                                          <p:attrName>style.visibility</p:attrName>
+                                        </p:attrNameLst>
+                                      </p:cBhvr>
+                                      <p:to>
+                                        <p:strVal val="visible"/>
+                                      </p:to>
+                                    </p:set>
+                                  </p:childTnLst>
+                                </p:cTn>
+                              </p:par>
+                            </p:childTnLst>
+                          </p:cTn>
+                        </p:par>
+                      </p:childTnLst>
+                    </p:cTn>
+                  </p:par>
+                  <p:par>
+                    <p:cTn id="27" fill="hold">
+                      <p:stCondLst>
+                        <p:cond delay="indefinite"/>
+                      </p:stCondLst>
+                      <p:childTnLst>
+                        <p:par>
+                          <p:cTn id="28" fill="hold">
+                            <p:stCondLst>
+                              <p:cond delay="0"/>
+                            </p:stCondLst>
+                            <p:childTnLst>
+                              <p:par>
+                                <p:cTn id="29" presetID="1" presetClass="entr" presetSubtype="0" fill="hold" nodeType="clickEffect">
+                                  <p:stCondLst>
+                                    <p:cond delay="0"/>
+                                  </p:stCondLst>
+                                  <p:childTnLst>
+                                    <p:set>
+                                      <p:cBhvr>
+                                        <p:cTn id="30" dur="1" fill="hold">
+                                          <p:stCondLst>
+                                            <p:cond delay="0"/>
+                                          </p:stCondLst>
+                                        </p:cTn>
+                                        <p:tgtEl>
+                                          <p:spTgt spid="5">
+                                            <p:txEl>
+                                              <p:pRg st="7" end="7"/>
+                                            </p:txEl>
+                                          </p:spTgt>
+                                        </p:tgtEl>
+                                        <p:attrNameLst>
+                                          <p:attrName>style.visibility</p:attrName>
+                                        </p:attrNameLst>
+                                      </p:cBhvr>
+                                      <p:to>
+                                        <p:strVal val="visible"/>
+                                      </p:to>
+                                    </p:set>
+                                  </p:childTnLst>
+                                </p:cTn>
+                              </p:par>
+                            </p:childTnLst>
+                          </p:cTn>
+                        </p:par>
+                      </p:childTnLst>
+                    </p:cTn>
+                  </p:par>
+                  <p:par>
+                    <p:cTn id="31" fill="hold">
+                      <p:stCondLst>
+                        <p:cond delay="indefinite"/>
+                      </p:stCondLst>
+                      <p:childTnLst>
+                        <p:par>
+                          <p:cTn id="32" fill="hold">
+                            <p:stCondLst>
+                              <p:cond delay="0"/>
+                            </p:stCondLst>
+                            <p:childTnLst>
+                              <p:par>
+                                <p:cTn id="33" presetID="1" presetClass="entr" presetSubtype="0" fill="hold" nodeType="clickEffect">
+                                  <p:stCondLst>
+                                    <p:cond delay="0"/>
+                                  </p:stCondLst>
+                                  <p:childTnLst>
+                                    <p:set>
+                                      <p:cBhvr>
+                                        <p:cTn id="34" dur="1" fill="hold">
+                                          <p:stCondLst>
+                                            <p:cond delay="0"/>
+                                          </p:stCondLst>
+                                        </p:cTn>
+                                        <p:tgtEl>
+                                          <p:spTgt spid="5">
+                                            <p:txEl>
+                                              <p:pRg st="8" end="8"/>
+                                            </p:txEl>
+                                          </p:spTgt>
+                                        </p:tgtEl>
+                                        <p:attrNameLst>
+                                          <p:attrName>style.visibility</p:attrName>
+                                        </p:attrNameLst>
+                                      </p:cBhvr>
+                                      <p:to>
+                                        <p:strVal val="visible"/>
+                                      </p:to>
+                                    </p:set>
+                                  </p:childTnLst>
+                                </p:cTn>
+                              </p:par>
+                            </p:childTnLst>
+                          </p:cTn>
+                        </p:par>
+                        <p:par>
+                          <p:cTn id="35" fill="hold">
+                            <p:stCondLst>
+                              <p:cond delay="0"/>
+                            </p:stCondLst>
+                            <p:childTnLst>
+                              <p:par>
+                                <p:cTn id="36" presetID="1" presetClass="entr" presetSubtype="0" fill="hold" grpId="0" nodeType="afterEffect">
+                                  <p:stCondLst>
+                                    <p:cond delay="0"/>
+                                  </p:stCondLst>
+                                  <p:childTnLst>
+                                    <p:set>
+                                      <p:cBhvr>
+                                        <p:cTn id="37" dur="1" fill="hold">
                                           <p:stCondLst>
                                             <p:cond delay="0"/>
                                           </p:stCondLst>
@@ -6678,6 +7516,7 @@
           </a:bodyPr>
           <a:lstStyle/>
           <a:p>
+            <a:pPr algn="just"/>
             <a:r>
               <a:rPr lang="fr-FR" dirty="0"/>
               <a:t>A ce </a:t>
@@ -6692,42 +7531,42 @@
             </a:r>
           </a:p>
           <a:p>
-            <a:pPr lvl="1"/>
+            <a:pPr lvl="1" algn="just"/>
             <a:r>
               <a:rPr lang="fr-FR" u="sng" dirty="0"/>
               <a:t>Aucun filtre</a:t>
             </a:r>
           </a:p>
           <a:p>
-            <a:pPr lvl="1"/>
+            <a:pPr lvl="1" algn="just"/>
             <a:r>
               <a:rPr lang="fr-FR" u="sng" dirty="0"/>
               <a:t>Le filtre gaussien</a:t>
             </a:r>
           </a:p>
           <a:p>
-            <a:pPr lvl="2"/>
+            <a:pPr lvl="2" algn="just"/>
             <a:r>
               <a:rPr lang="fr-FR" dirty="0"/>
               <a:t>Chaque pixel est corrigé avec une moyenne dont les poids ont des valeurs différentes. Il attenue les détails et rajoute du flou.</a:t>
             </a:r>
           </a:p>
           <a:p>
-            <a:pPr lvl="1"/>
+            <a:pPr lvl="1" algn="just"/>
             <a:r>
               <a:rPr lang="fr-FR" u="sng" dirty="0"/>
               <a:t>Le filtre médian</a:t>
             </a:r>
           </a:p>
           <a:p>
-            <a:pPr lvl="2"/>
+            <a:pPr lvl="2" algn="just"/>
             <a:r>
               <a:rPr lang="fr-FR" dirty="0"/>
               <a:t>Filtre non-linéaire. La valeur de chaque pixel est remplacée par la médiane (et non la moyenne) de son voisinage. </a:t>
             </a:r>
           </a:p>
           <a:p>
-            <a:pPr lvl="1"/>
+            <a:pPr lvl="1" algn="just"/>
             <a:r>
               <a:rPr lang="fr-FR" u="sng" dirty="0"/>
               <a:t>Le </a:t>
@@ -6739,10 +7578,10 @@
             <a:endParaRPr lang="fr-FR" u="sng" dirty="0"/>
           </a:p>
           <a:p>
-            <a:pPr lvl="2"/>
+            <a:pPr lvl="2" algn="just"/>
             <a:r>
               <a:rPr lang="fr-FR" dirty="0"/>
-              <a:t>Filtre qui permets de décorréler les </a:t>
+              <a:t>Filtre qui permet de décorréler les </a:t>
             </a:r>
             <a:r>
               <a:rPr lang="fr-FR" dirty="0" err="1"/>
@@ -6754,7 +7593,7 @@
             </a:r>
           </a:p>
           <a:p>
-            <a:pPr marL="0" indent="0">
+            <a:pPr marL="0" indent="0" algn="just">
               <a:buNone/>
             </a:pPr>
             <a:endParaRPr lang="fr-FR" dirty="0"/>
@@ -8141,61 +8980,119 @@
           </a:bodyPr>
           <a:lstStyle/>
           <a:p>
+            <a:pPr algn="just"/>
             <a:r>
               <a:rPr lang="fr-FR" dirty="0"/>
               <a:t>Cette réduction permet :</a:t>
             </a:r>
           </a:p>
           <a:p>
-            <a:pPr lvl="1"/>
+            <a:pPr lvl="1" algn="just"/>
             <a:r>
               <a:rPr lang="fr-FR" dirty="0"/>
               <a:t>De stocker moins d’informations et de réduire les temps de calcul</a:t>
             </a:r>
           </a:p>
           <a:p>
-            <a:pPr lvl="1"/>
+            <a:pPr lvl="1" algn="just"/>
             <a:r>
               <a:rPr lang="fr-FR" dirty="0"/>
               <a:t>Améliorer la qualité des modèles et éviter le sur-apprentissage</a:t>
             </a:r>
           </a:p>
           <a:p>
+            <a:pPr algn="just"/>
             <a:endParaRPr lang="fr-FR" dirty="0"/>
           </a:p>
           <a:p>
+            <a:pPr algn="just"/>
             <a:r>
               <a:rPr lang="fr-FR" dirty="0"/>
               <a:t>Deux algorithmes de réductions sont testés :</a:t>
             </a:r>
           </a:p>
           <a:p>
-            <a:pPr lvl="1"/>
+            <a:pPr lvl="1" algn="just"/>
+            <a:r>
+              <a:rPr lang="fr-FR" dirty="0">
+                <a:solidFill>
+                  <a:srgbClr val="0070C0"/>
+                </a:solidFill>
+              </a:rPr>
+              <a:t>PCA</a:t>
+            </a:r>
             <a:r>
               <a:rPr lang="fr-FR" dirty="0"/>
-              <a:t>PCA qui va prioriser les grandes distances.</a:t>
-            </a:r>
-          </a:p>
-          <a:p>
-            <a:pPr lvl="1"/>
+              <a:t> qui va prioriser les grandes distances.</a:t>
+            </a:r>
+          </a:p>
+          <a:p>
+            <a:pPr lvl="1" algn="just"/>
+            <a:r>
+              <a:rPr lang="fr-FR" dirty="0">
+                <a:solidFill>
+                  <a:srgbClr val="00B050"/>
+                </a:solidFill>
+              </a:rPr>
+              <a:t>t-SNE</a:t>
+            </a:r>
             <a:r>
               <a:rPr lang="fr-FR" dirty="0"/>
-              <a:t>t-SNE qui met l’accent sur les petites distances.</a:t>
-            </a:r>
-          </a:p>
-          <a:p>
+              <a:t> qui met l’accent sur les petites distances.</a:t>
+            </a:r>
+          </a:p>
+          <a:p>
+            <a:pPr algn="just"/>
             <a:endParaRPr lang="fr-FR" dirty="0"/>
           </a:p>
           <a:p>
+            <a:pPr algn="just"/>
             <a:r>
               <a:rPr lang="fr-FR" dirty="0"/>
-              <a:t>Le PCA devrait établir les groupes, tandis que le t-SNE se concentrera sur la discrimination des chiens dans les groupes.</a:t>
-            </a:r>
-          </a:p>
-          <a:p>
+              <a:t>Le </a:t>
+            </a:r>
+            <a:r>
+              <a:rPr lang="fr-FR" dirty="0">
+                <a:solidFill>
+                  <a:srgbClr val="0070C0"/>
+                </a:solidFill>
+              </a:rPr>
+              <a:t>PCA</a:t>
+            </a:r>
             <a:r>
               <a:rPr lang="fr-FR" dirty="0"/>
-              <a:t>Les résultats visuels sont similaires, mais le t-SNE est beaucoup plus lent à fonctionner pour cet exemple.</a:t>
+              <a:t> devrait établir les groupes, tandis que le </a:t>
+            </a:r>
+            <a:r>
+              <a:rPr lang="fr-FR" dirty="0">
+                <a:solidFill>
+                  <a:srgbClr val="00B050"/>
+                </a:solidFill>
+              </a:rPr>
+              <a:t>t-SNE</a:t>
+            </a:r>
+            <a:r>
+              <a:rPr lang="fr-FR" dirty="0"/>
+              <a:t> se concentrera sur la discrimination des chiens dans les groupes.</a:t>
+            </a:r>
+          </a:p>
+          <a:p>
+            <a:pPr algn="just"/>
+            <a:r>
+              <a:rPr lang="fr-FR" dirty="0"/>
+              <a:t>Les résultats visuels sont similaires, mais le </a:t>
+            </a:r>
+            <a:r>
+              <a:rPr lang="fr-FR" dirty="0">
+                <a:solidFill>
+                  <a:srgbClr val="00B050"/>
+                </a:solidFill>
+              </a:rPr>
+              <a:t>t-SNE</a:t>
+            </a:r>
+            <a:r>
+              <a:rPr lang="fr-FR" dirty="0"/>
+              <a:t> est beaucoup plus lent à fonctionner pour cet exemple.</a:t>
             </a:r>
           </a:p>
         </p:txBody>
@@ -9466,6 +10363,9 @@
             </a:r>
           </a:p>
           <a:p>
+            <a:pPr marL="0" indent="0">
+              <a:buNone/>
+            </a:pPr>
             <a:r>
               <a:rPr lang="fr-FR" dirty="0"/>
               <a:t>	Filtre Gaussien 			  	Sans filtre</a:t>
@@ -9775,7 +10675,7 @@
         </p:nvSpPr>
         <p:spPr>
           <a:xfrm rot="5400000">
-            <a:off x="8099928" y="3953456"/>
+            <a:off x="8099928" y="3973413"/>
             <a:ext cx="377944" cy="894930"/>
           </a:xfrm>
           <a:prstGeom prst="roundRect">
@@ -10762,6 +11662,35 @@
           <a:p>
             <a:r>
               <a:rPr lang="fr-FR" dirty="0"/>
+              <a:t>Extracteur de </a:t>
+            </a:r>
+            <a:r>
+              <a:rPr lang="fr-FR" dirty="0" err="1">
+                <a:solidFill>
+                  <a:srgbClr val="00B0F0"/>
+                </a:solidFill>
+              </a:rPr>
+              <a:t>features</a:t>
+            </a:r>
+            <a:r>
+              <a:rPr lang="fr-FR" dirty="0"/>
+              <a:t> et </a:t>
+            </a:r>
+            <a:r>
+              <a:rPr lang="fr-FR" dirty="0" err="1"/>
+              <a:t>descriptors</a:t>
+            </a:r>
+            <a:endParaRPr lang="fr-FR" dirty="0"/>
+          </a:p>
+          <a:p>
+            <a:r>
+              <a:rPr lang="fr-FR" dirty="0"/>
+              <a:t>2011</a:t>
+            </a:r>
+          </a:p>
+          <a:p>
+            <a:r>
+              <a:rPr lang="fr-FR" dirty="0"/>
               <a:t>Alternative au SIFT et SURF.</a:t>
             </a:r>
           </a:p>
@@ -10769,28 +11698,6 @@
             <a:r>
               <a:rPr lang="fr-FR" dirty="0"/>
               <a:t>Gratuit à l’utilisation.</a:t>
-            </a:r>
-          </a:p>
-          <a:p>
-            <a:r>
-              <a:rPr lang="fr-FR" dirty="0"/>
-              <a:t>ORB permets d’extraire les </a:t>
-            </a:r>
-            <a:r>
-              <a:rPr lang="fr-FR" dirty="0" err="1"/>
-              <a:t>features</a:t>
-            </a:r>
-            <a:r>
-              <a:rPr lang="fr-FR" dirty="0"/>
-              <a:t> et les </a:t>
-            </a:r>
-            <a:r>
-              <a:rPr lang="fr-FR" dirty="0" err="1"/>
-              <a:t>descriptors</a:t>
-            </a:r>
-            <a:r>
-              <a:rPr lang="fr-FR" dirty="0"/>
-              <a:t>.</a:t>
             </a:r>
           </a:p>
         </p:txBody>
@@ -11002,21 +11909,70 @@
                             </p:childTnLst>
                           </p:cTn>
                         </p:par>
+                      </p:childTnLst>
+                    </p:cTn>
+                  </p:par>
+                  <p:par>
+                    <p:cTn id="15" fill="hold">
+                      <p:stCondLst>
+                        <p:cond delay="indefinite"/>
+                      </p:stCondLst>
+                      <p:childTnLst>
                         <p:par>
-                          <p:cTn id="15" fill="hold">
+                          <p:cTn id="16" fill="hold">
                             <p:stCondLst>
                               <p:cond delay="0"/>
                             </p:stCondLst>
                             <p:childTnLst>
                               <p:par>
-                                <p:cTn id="16" presetID="1" presetClass="entr" presetSubtype="0" fill="hold" grpId="0" nodeType="afterEffect">
+                                <p:cTn id="17" presetID="1" presetClass="entr" presetSubtype="0" fill="hold" nodeType="clickEffect">
                                   <p:stCondLst>
                                     <p:cond delay="0"/>
                                   </p:stCondLst>
                                   <p:childTnLst>
                                     <p:set>
                                       <p:cBhvr>
-                                        <p:cTn id="17" dur="1" fill="hold">
+                                        <p:cTn id="18" dur="1" fill="hold">
+                                          <p:stCondLst>
+                                            <p:cond delay="0"/>
+                                          </p:stCondLst>
+                                        </p:cTn>
+                                        <p:tgtEl>
+                                          <p:spTgt spid="3">
+                                            <p:txEl>
+                                              <p:pRg st="3" end="3"/>
+                                            </p:txEl>
+                                          </p:spTgt>
+                                        </p:tgtEl>
+                                        <p:attrNameLst>
+                                          <p:attrName>style.visibility</p:attrName>
+                                        </p:attrNameLst>
+                                      </p:cBhvr>
+                                      <p:to>
+                                        <p:strVal val="visible"/>
+                                      </p:to>
+                                    </p:set>
+                                  </p:childTnLst>
+                                </p:cTn>
+                              </p:par>
+                            </p:childTnLst>
+                          </p:cTn>
+                        </p:par>
+                        <p:par>
+                          <p:cTn id="19" fill="hold">
+                            <p:stCondLst>
+                              <p:cond delay="0"/>
+                            </p:stCondLst>
+                            <p:childTnLst>
+                              <p:par>
+                                <p:cTn id="20" presetID="1" presetClass="entr" presetSubtype="0" fill="hold" grpId="0" nodeType="afterEffect">
+                                  <p:stCondLst>
+                                    <p:cond delay="0"/>
+                                  </p:stCondLst>
+                                  <p:childTnLst>
+                                    <p:set>
+                                      <p:cBhvr>
+                                        <p:cTn id="21" dur="1" fill="hold">
                                           <p:stCondLst>
                                             <p:cond delay="0"/>
                                           </p:stCondLst>
@@ -11138,6 +12094,7 @@
           </a:bodyPr>
           <a:lstStyle/>
           <a:p>
+            <a:pPr algn="just"/>
             <a:r>
               <a:rPr lang="fr-FR" dirty="0"/>
               <a:t>Chaque </a:t>
@@ -11152,24 +12109,31 @@
             </a:r>
           </a:p>
           <a:p>
+            <a:pPr algn="just"/>
             <a:endParaRPr lang="fr-FR" dirty="0"/>
           </a:p>
           <a:p>
+            <a:pPr algn="just"/>
             <a:endParaRPr lang="fr-FR" dirty="0"/>
           </a:p>
           <a:p>
+            <a:pPr algn="just"/>
             <a:endParaRPr lang="fr-FR" dirty="0"/>
           </a:p>
           <a:p>
+            <a:pPr algn="just"/>
             <a:endParaRPr lang="fr-FR" dirty="0"/>
           </a:p>
           <a:p>
+            <a:pPr algn="just"/>
             <a:endParaRPr lang="fr-FR" dirty="0"/>
           </a:p>
           <a:p>
+            <a:pPr algn="just"/>
             <a:endParaRPr lang="fr-FR" dirty="0"/>
           </a:p>
           <a:p>
+            <a:pPr algn="just"/>
             <a:r>
               <a:rPr lang="fr-FR" dirty="0"/>
               <a:t>Librairie cv2 : </a:t>
@@ -11178,9 +12142,6 @@
               <a:rPr lang="fr-FR" dirty="0" err="1"/>
               <a:t>extractor.detectAndCompute</a:t>
             </a:r>
-            <a:endParaRPr lang="fr-FR" dirty="0"/>
-          </a:p>
-          <a:p>
             <a:endParaRPr lang="fr-FR" dirty="0"/>
           </a:p>
         </p:txBody>
@@ -11811,9 +12772,16 @@
             <p:ph idx="1"/>
           </p:nvPr>
         </p:nvSpPr>
-        <p:spPr/>
+        <p:spPr>
+          <a:xfrm>
+            <a:off x="2023539" y="1340768"/>
+            <a:ext cx="6149590" cy="5400600"/>
+          </a:xfrm>
+        </p:spPr>
         <p:txBody>
-          <a:bodyPr/>
+          <a:bodyPr>
+            <a:normAutofit/>
+          </a:bodyPr>
           <a:lstStyle/>
           <a:p>
             <a:r>
@@ -11826,15 +12794,33 @@
             </a:r>
             <a:r>
               <a:rPr lang="fr-FR" dirty="0"/>
-              <a:t> </a:t>
-            </a:r>
-            <a:r>
-              <a:rPr lang="fr-FR" dirty="0" err="1"/>
-              <a:t>extraires</a:t>
+              <a:t> extraites, on construit le </a:t>
+            </a:r>
+            <a:r>
+              <a:rPr lang="fr-FR" dirty="0">
+                <a:solidFill>
+                  <a:srgbClr val="00B0F0"/>
+                </a:solidFill>
+              </a:rPr>
+              <a:t>bag-of-</a:t>
+            </a:r>
+            <a:r>
+              <a:rPr lang="fr-FR" dirty="0" err="1">
+                <a:solidFill>
+                  <a:srgbClr val="00B0F0"/>
+                </a:solidFill>
+              </a:rPr>
+              <a:t>features</a:t>
             </a:r>
             <a:r>
               <a:rPr lang="fr-FR" dirty="0"/>
-              <a:t>, on va construire le bag-of-</a:t>
+              <a:t>.</a:t>
+            </a:r>
+          </a:p>
+          <a:p>
+            <a:r>
+              <a:rPr lang="fr-FR" dirty="0"/>
+              <a:t>Un bag-of-</a:t>
             </a:r>
             <a:r>
               <a:rPr lang="fr-FR" dirty="0" err="1"/>
@@ -11842,13 +12828,7 @@
             </a:r>
             <a:r>
               <a:rPr lang="fr-FR" dirty="0"/>
-              <a:t>.</a:t>
-            </a:r>
-          </a:p>
-          <a:p>
-            <a:r>
-              <a:rPr lang="fr-FR" dirty="0"/>
-              <a:t>Un bag-of-</a:t>
+              <a:t> représente une image par un "sac" dans lequel on a mis ses </a:t>
             </a:r>
             <a:r>
               <a:rPr lang="fr-FR" dirty="0" err="1"/>
@@ -11856,21 +12836,20 @@
             </a:r>
             <a:r>
               <a:rPr lang="fr-FR" dirty="0"/>
-              <a:t> représente une image par un "sac" dans lequel on a mis ses </a:t>
-            </a:r>
-            <a:r>
-              <a:rPr lang="fr-FR" dirty="0" err="1"/>
-              <a:t>features</a:t>
-            </a:r>
+              <a:t> en vrac.</a:t>
+            </a:r>
+          </a:p>
+          <a:p>
             <a:r>
               <a:rPr lang="fr-FR" dirty="0"/>
-              <a:t> en vrac.</a:t>
-            </a:r>
-          </a:p>
-          <a:p>
+              <a:t>C'est un vecteur créé en 2 temps : </a:t>
+            </a:r>
+          </a:p>
+          <a:p>
+            <a:pPr lvl="1"/>
             <a:r>
               <a:rPr lang="fr-FR" dirty="0"/>
-              <a:t>Mathématiquement, c'est un vecteur créé en deux temps : d'abord, on crée les dictionnaires de "</a:t>
+              <a:t>d'abord, on crée les dictionnaires de "</a:t>
             </a:r>
             <a:r>
               <a:rPr lang="fr-FR" dirty="0" err="1"/>
@@ -11886,7 +12865,26 @@
             </a:r>
             <a:r>
               <a:rPr lang="fr-FR" dirty="0"/>
-              <a:t>", puis on construit un histogramme.</a:t>
+              <a:t>", </a:t>
+            </a:r>
+          </a:p>
+          <a:p>
+            <a:pPr lvl="1"/>
+            <a:r>
+              <a:rPr lang="fr-FR" dirty="0"/>
+              <a:t>puis on construit un </a:t>
+            </a:r>
+            <a:r>
+              <a:rPr lang="fr-FR" dirty="0">
+                <a:solidFill>
+                  <a:srgbClr val="00B0F0"/>
+                </a:solidFill>
+              </a:rPr>
+              <a:t>histogramme</a:t>
+            </a:r>
+            <a:r>
+              <a:rPr lang="fr-FR" dirty="0"/>
+              <a:t>.</a:t>
             </a:r>
           </a:p>
         </p:txBody>
@@ -11922,6 +12920,249 @@
           </a:fillRef>
           <a:effectRef idx="3">
             <a:schemeClr val="dk1"/>
+          </a:effectRef>
+          <a:fontRef idx="minor">
+            <a:schemeClr val="lt1"/>
+          </a:fontRef>
+        </p:style>
+        <p:txBody>
+          <a:bodyPr rtlCol="0" anchor="ctr"/>
+          <a:lstStyle/>
+          <a:p>
+            <a:pPr algn="ctr"/>
+            <a:endParaRPr lang="fr-FR"/>
+          </a:p>
+        </p:txBody>
+      </p:sp>
+      <p:pic>
+        <p:nvPicPr>
+          <p:cNvPr id="6" name="Image 5">
+            <a:extLst>
+              <a:ext uri="{FF2B5EF4-FFF2-40B4-BE49-F238E27FC236}">
+                <a16:creationId xmlns:a16="http://schemas.microsoft.com/office/drawing/2014/main" id="{B7B44DE2-6FAD-48FF-94AB-63F71E52E502}"/>
+              </a:ext>
+            </a:extLst>
+          </p:cNvPr>
+          <p:cNvPicPr>
+            <a:picLocks noChangeAspect="1"/>
+          </p:cNvPicPr>
+          <p:nvPr/>
+        </p:nvPicPr>
+        <p:blipFill rotWithShape="1">
+          <a:blip r:embed="rId3">
+            <a:extLst>
+              <a:ext uri="{28A0092B-C50C-407E-A947-70E740481C1C}">
+                <a14:useLocalDpi xmlns:a14="http://schemas.microsoft.com/office/drawing/2010/main" val="0"/>
+              </a:ext>
+            </a:extLst>
+          </a:blip>
+          <a:srcRect l="10444" t="19550" r="9334" b="8445"/>
+          <a:stretch/>
+        </p:blipFill>
+        <p:spPr>
+          <a:xfrm>
+            <a:off x="8173129" y="2768923"/>
+            <a:ext cx="3779520" cy="2544290"/>
+          </a:xfrm>
+          <a:prstGeom prst="rect">
+            <a:avLst/>
+          </a:prstGeom>
+        </p:spPr>
+      </p:pic>
+      <p:sp>
+        <p:nvSpPr>
+          <p:cNvPr id="7" name="Rectangle : coins arrondis 6">
+            <a:extLst>
+              <a:ext uri="{FF2B5EF4-FFF2-40B4-BE49-F238E27FC236}">
+                <a16:creationId xmlns:a16="http://schemas.microsoft.com/office/drawing/2014/main" id="{214109B6-B130-4639-9181-AF576BB88CB1}"/>
+              </a:ext>
+            </a:extLst>
+          </p:cNvPr>
+          <p:cNvSpPr/>
+          <p:nvPr/>
+        </p:nvSpPr>
+        <p:spPr>
+          <a:xfrm rot="5400000">
+            <a:off x="8877601" y="3665524"/>
+            <a:ext cx="287341" cy="326737"/>
+          </a:xfrm>
+          <a:prstGeom prst="roundRect">
+            <a:avLst/>
+          </a:prstGeom>
+          <a:noFill/>
+          <a:ln w="38100">
+            <a:solidFill>
+              <a:srgbClr val="FF0000"/>
+            </a:solidFill>
+          </a:ln>
+        </p:spPr>
+        <p:style>
+          <a:lnRef idx="2">
+            <a:schemeClr val="accent1">
+              <a:shade val="50000"/>
+            </a:schemeClr>
+          </a:lnRef>
+          <a:fillRef idx="1">
+            <a:schemeClr val="accent1"/>
+          </a:fillRef>
+          <a:effectRef idx="0">
+            <a:schemeClr val="accent1"/>
+          </a:effectRef>
+          <a:fontRef idx="minor">
+            <a:schemeClr val="lt1"/>
+          </a:fontRef>
+        </p:style>
+        <p:txBody>
+          <a:bodyPr rtlCol="0" anchor="ctr"/>
+          <a:lstStyle/>
+          <a:p>
+            <a:pPr algn="ctr"/>
+            <a:endParaRPr lang="fr-FR"/>
+          </a:p>
+        </p:txBody>
+      </p:sp>
+      <p:sp>
+        <p:nvSpPr>
+          <p:cNvPr id="8" name="Rectangle : coins arrondis 7">
+            <a:extLst>
+              <a:ext uri="{FF2B5EF4-FFF2-40B4-BE49-F238E27FC236}">
+                <a16:creationId xmlns:a16="http://schemas.microsoft.com/office/drawing/2014/main" id="{7FCF73D5-7C19-496B-91C4-BA38EF864BC9}"/>
+              </a:ext>
+            </a:extLst>
+          </p:cNvPr>
+          <p:cNvSpPr/>
+          <p:nvPr/>
+        </p:nvSpPr>
+        <p:spPr>
+          <a:xfrm rot="5400000">
+            <a:off x="10696241" y="4844084"/>
+            <a:ext cx="287341" cy="326737"/>
+          </a:xfrm>
+          <a:prstGeom prst="roundRect">
+            <a:avLst/>
+          </a:prstGeom>
+          <a:noFill/>
+          <a:ln w="38100">
+            <a:solidFill>
+              <a:srgbClr val="FF0000"/>
+            </a:solidFill>
+          </a:ln>
+        </p:spPr>
+        <p:style>
+          <a:lnRef idx="2">
+            <a:schemeClr val="accent1">
+              <a:shade val="50000"/>
+            </a:schemeClr>
+          </a:lnRef>
+          <a:fillRef idx="1">
+            <a:schemeClr val="accent1"/>
+          </a:fillRef>
+          <a:effectRef idx="0">
+            <a:schemeClr val="accent1"/>
+          </a:effectRef>
+          <a:fontRef idx="minor">
+            <a:schemeClr val="lt1"/>
+          </a:fontRef>
+        </p:style>
+        <p:txBody>
+          <a:bodyPr rtlCol="0" anchor="ctr"/>
+          <a:lstStyle/>
+          <a:p>
+            <a:pPr algn="ctr"/>
+            <a:endParaRPr lang="fr-FR"/>
+          </a:p>
+        </p:txBody>
+      </p:sp>
+      <p:sp>
+        <p:nvSpPr>
+          <p:cNvPr id="9" name="Rectangle : coins arrondis 8">
+            <a:extLst>
+              <a:ext uri="{FF2B5EF4-FFF2-40B4-BE49-F238E27FC236}">
+                <a16:creationId xmlns:a16="http://schemas.microsoft.com/office/drawing/2014/main" id="{0759988F-BD1F-4FFB-991A-4C38C2F25617}"/>
+              </a:ext>
+            </a:extLst>
+          </p:cNvPr>
+          <p:cNvSpPr/>
+          <p:nvPr/>
+        </p:nvSpPr>
+        <p:spPr>
+          <a:xfrm rot="5400000">
+            <a:off x="10972178" y="4394653"/>
+            <a:ext cx="287341" cy="326737"/>
+          </a:xfrm>
+          <a:prstGeom prst="roundRect">
+            <a:avLst/>
+          </a:prstGeom>
+          <a:noFill/>
+          <a:ln w="38100">
+            <a:solidFill>
+              <a:srgbClr val="00B0F0"/>
+            </a:solidFill>
+          </a:ln>
+        </p:spPr>
+        <p:style>
+          <a:lnRef idx="2">
+            <a:schemeClr val="accent1">
+              <a:shade val="50000"/>
+            </a:schemeClr>
+          </a:lnRef>
+          <a:fillRef idx="1">
+            <a:schemeClr val="accent1"/>
+          </a:fillRef>
+          <a:effectRef idx="0">
+            <a:schemeClr val="accent1"/>
+          </a:effectRef>
+          <a:fontRef idx="minor">
+            <a:schemeClr val="lt1"/>
+          </a:fontRef>
+        </p:style>
+        <p:txBody>
+          <a:bodyPr rtlCol="0" anchor="ctr"/>
+          <a:lstStyle/>
+          <a:p>
+            <a:pPr algn="ctr"/>
+            <a:endParaRPr lang="fr-FR"/>
+          </a:p>
+        </p:txBody>
+      </p:sp>
+      <p:sp>
+        <p:nvSpPr>
+          <p:cNvPr id="10" name="Rectangle : coins arrondis 9">
+            <a:extLst>
+              <a:ext uri="{FF2B5EF4-FFF2-40B4-BE49-F238E27FC236}">
+                <a16:creationId xmlns:a16="http://schemas.microsoft.com/office/drawing/2014/main" id="{12D45F8D-A185-4C5D-9C21-4C0B562C8912}"/>
+              </a:ext>
+            </a:extLst>
+          </p:cNvPr>
+          <p:cNvSpPr/>
+          <p:nvPr/>
+        </p:nvSpPr>
+        <p:spPr>
+          <a:xfrm rot="5400000">
+            <a:off x="9117796" y="3877699"/>
+            <a:ext cx="287341" cy="326737"/>
+          </a:xfrm>
+          <a:prstGeom prst="roundRect">
+            <a:avLst/>
+          </a:prstGeom>
+          <a:noFill/>
+          <a:ln w="38100">
+            <a:solidFill>
+              <a:srgbClr val="00B0F0"/>
+            </a:solidFill>
+          </a:ln>
+        </p:spPr>
+        <p:style>
+          <a:lnRef idx="2">
+            <a:schemeClr val="accent1">
+              <a:shade val="50000"/>
+            </a:schemeClr>
+          </a:lnRef>
+          <a:fillRef idx="1">
+            <a:schemeClr val="accent1"/>
+          </a:fillRef>
+          <a:effectRef idx="0">
+            <a:schemeClr val="accent1"/>
           </a:effectRef>
           <a:fontRef idx="minor">
             <a:schemeClr val="lt1"/>
@@ -12078,6 +13319,195 @@
                                           </p:stCondLst>
                                         </p:cTn>
                                         <p:tgtEl>
+                                          <p:spTgt spid="6"/>
+                                        </p:tgtEl>
+                                        <p:attrNameLst>
+                                          <p:attrName>style.visibility</p:attrName>
+                                        </p:attrNameLst>
+                                      </p:cBhvr>
+                                      <p:to>
+                                        <p:strVal val="visible"/>
+                                      </p:to>
+                                    </p:set>
+                                  </p:childTnLst>
+                                </p:cTn>
+                              </p:par>
+                            </p:childTnLst>
+                          </p:cTn>
+                        </p:par>
+                      </p:childTnLst>
+                    </p:cTn>
+                  </p:par>
+                  <p:par>
+                    <p:cTn id="15" fill="hold">
+                      <p:stCondLst>
+                        <p:cond delay="indefinite"/>
+                      </p:stCondLst>
+                      <p:childTnLst>
+                        <p:par>
+                          <p:cTn id="16" fill="hold">
+                            <p:stCondLst>
+                              <p:cond delay="0"/>
+                            </p:stCondLst>
+                            <p:childTnLst>
+                              <p:par>
+                                <p:cTn id="17" presetID="1" presetClass="entr" presetSubtype="0" fill="hold" grpId="0" nodeType="clickEffect">
+                                  <p:stCondLst>
+                                    <p:cond delay="0"/>
+                                  </p:stCondLst>
+                                  <p:childTnLst>
+                                    <p:set>
+                                      <p:cBhvr>
+                                        <p:cTn id="18" dur="1" fill="hold">
+                                          <p:stCondLst>
+                                            <p:cond delay="0"/>
+                                          </p:stCondLst>
+                                        </p:cTn>
+                                        <p:tgtEl>
+                                          <p:spTgt spid="7"/>
+                                        </p:tgtEl>
+                                        <p:attrNameLst>
+                                          <p:attrName>style.visibility</p:attrName>
+                                        </p:attrNameLst>
+                                      </p:cBhvr>
+                                      <p:to>
+                                        <p:strVal val="visible"/>
+                                      </p:to>
+                                    </p:set>
+                                  </p:childTnLst>
+                                </p:cTn>
+                              </p:par>
+                              <p:par>
+                                <p:cTn id="19" presetID="1" presetClass="entr" presetSubtype="0" fill="hold" grpId="0" nodeType="withEffect">
+                                  <p:stCondLst>
+                                    <p:cond delay="0"/>
+                                  </p:stCondLst>
+                                  <p:childTnLst>
+                                    <p:set>
+                                      <p:cBhvr>
+                                        <p:cTn id="20" dur="1" fill="hold">
+                                          <p:stCondLst>
+                                            <p:cond delay="0"/>
+                                          </p:stCondLst>
+                                        </p:cTn>
+                                        <p:tgtEl>
+                                          <p:spTgt spid="8"/>
+                                        </p:tgtEl>
+                                        <p:attrNameLst>
+                                          <p:attrName>style.visibility</p:attrName>
+                                        </p:attrNameLst>
+                                      </p:cBhvr>
+                                      <p:to>
+                                        <p:strVal val="visible"/>
+                                      </p:to>
+                                    </p:set>
+                                  </p:childTnLst>
+                                </p:cTn>
+                              </p:par>
+                            </p:childTnLst>
+                          </p:cTn>
+                        </p:par>
+                      </p:childTnLst>
+                    </p:cTn>
+                  </p:par>
+                  <p:par>
+                    <p:cTn id="21" fill="hold">
+                      <p:stCondLst>
+                        <p:cond delay="indefinite"/>
+                      </p:stCondLst>
+                      <p:childTnLst>
+                        <p:par>
+                          <p:cTn id="22" fill="hold">
+                            <p:stCondLst>
+                              <p:cond delay="0"/>
+                            </p:stCondLst>
+                            <p:childTnLst>
+                              <p:par>
+                                <p:cTn id="23" presetID="1" presetClass="entr" presetSubtype="0" fill="hold" grpId="0" nodeType="clickEffect">
+                                  <p:stCondLst>
+                                    <p:cond delay="0"/>
+                                  </p:stCondLst>
+                                  <p:childTnLst>
+                                    <p:set>
+                                      <p:cBhvr>
+                                        <p:cTn id="24" dur="1" fill="hold">
+                                          <p:stCondLst>
+                                            <p:cond delay="0"/>
+                                          </p:stCondLst>
+                                        </p:cTn>
+                                        <p:tgtEl>
+                                          <p:spTgt spid="9"/>
+                                        </p:tgtEl>
+                                        <p:attrNameLst>
+                                          <p:attrName>style.visibility</p:attrName>
+                                        </p:attrNameLst>
+                                      </p:cBhvr>
+                                      <p:to>
+                                        <p:strVal val="visible"/>
+                                      </p:to>
+                                    </p:set>
+                                  </p:childTnLst>
+                                </p:cTn>
+                              </p:par>
+                              <p:par>
+                                <p:cTn id="25" presetID="1" presetClass="entr" presetSubtype="0" fill="hold" grpId="0" nodeType="withEffect">
+                                  <p:stCondLst>
+                                    <p:cond delay="0"/>
+                                  </p:stCondLst>
+                                  <p:childTnLst>
+                                    <p:set>
+                                      <p:cBhvr>
+                                        <p:cTn id="26" dur="1" fill="hold">
+                                          <p:stCondLst>
+                                            <p:cond delay="0"/>
+                                          </p:stCondLst>
+                                        </p:cTn>
+                                        <p:tgtEl>
+                                          <p:spTgt spid="10"/>
+                                        </p:tgtEl>
+                                        <p:attrNameLst>
+                                          <p:attrName>style.visibility</p:attrName>
+                                        </p:attrNameLst>
+                                      </p:cBhvr>
+                                      <p:to>
+                                        <p:strVal val="visible"/>
+                                      </p:to>
+                                    </p:set>
+                                  </p:childTnLst>
+                                </p:cTn>
+                              </p:par>
+                            </p:childTnLst>
+                          </p:cTn>
+                        </p:par>
+                      </p:childTnLst>
+                    </p:cTn>
+                  </p:par>
+                  <p:par>
+                    <p:cTn id="27" fill="hold">
+                      <p:stCondLst>
+                        <p:cond delay="indefinite"/>
+                      </p:stCondLst>
+                      <p:childTnLst>
+                        <p:par>
+                          <p:cTn id="28" fill="hold">
+                            <p:stCondLst>
+                              <p:cond delay="0"/>
+                            </p:stCondLst>
+                            <p:childTnLst>
+                              <p:par>
+                                <p:cTn id="29" presetID="1" presetClass="entr" presetSubtype="0" fill="hold" nodeType="clickEffect">
+                                  <p:stCondLst>
+                                    <p:cond delay="0"/>
+                                  </p:stCondLst>
+                                  <p:childTnLst>
+                                    <p:set>
+                                      <p:cBhvr>
+                                        <p:cTn id="30" dur="1" fill="hold">
+                                          <p:stCondLst>
+                                            <p:cond delay="0"/>
+                                          </p:stCondLst>
+                                        </p:cTn>
+                                        <p:tgtEl>
                                           <p:spTgt spid="3">
                                             <p:txEl>
                                               <p:pRg st="2" end="2"/>
@@ -12098,21 +13528,119 @@
                             </p:childTnLst>
                           </p:cTn>
                         </p:par>
+                      </p:childTnLst>
+                    </p:cTn>
+                  </p:par>
+                  <p:par>
+                    <p:cTn id="31" fill="hold">
+                      <p:stCondLst>
+                        <p:cond delay="indefinite"/>
+                      </p:stCondLst>
+                      <p:childTnLst>
                         <p:par>
-                          <p:cTn id="15" fill="hold">
+                          <p:cTn id="32" fill="hold">
                             <p:stCondLst>
                               <p:cond delay="0"/>
                             </p:stCondLst>
                             <p:childTnLst>
                               <p:par>
-                                <p:cTn id="16" presetID="1" presetClass="entr" presetSubtype="0" fill="hold" grpId="0" nodeType="afterEffect">
+                                <p:cTn id="33" presetID="1" presetClass="entr" presetSubtype="0" fill="hold" nodeType="clickEffect">
                                   <p:stCondLst>
                                     <p:cond delay="0"/>
                                   </p:stCondLst>
                                   <p:childTnLst>
                                     <p:set>
                                       <p:cBhvr>
-                                        <p:cTn id="17" dur="1" fill="hold">
+                                        <p:cTn id="34" dur="1" fill="hold">
+                                          <p:stCondLst>
+                                            <p:cond delay="0"/>
+                                          </p:stCondLst>
+                                        </p:cTn>
+                                        <p:tgtEl>
+                                          <p:spTgt spid="3">
+                                            <p:txEl>
+                                              <p:pRg st="3" end="3"/>
+                                            </p:txEl>
+                                          </p:spTgt>
+                                        </p:tgtEl>
+                                        <p:attrNameLst>
+                                          <p:attrName>style.visibility</p:attrName>
+                                        </p:attrNameLst>
+                                      </p:cBhvr>
+                                      <p:to>
+                                        <p:strVal val="visible"/>
+                                      </p:to>
+                                    </p:set>
+                                  </p:childTnLst>
+                                </p:cTn>
+                              </p:par>
+                            </p:childTnLst>
+                          </p:cTn>
+                        </p:par>
+                      </p:childTnLst>
+                    </p:cTn>
+                  </p:par>
+                  <p:par>
+                    <p:cTn id="35" fill="hold">
+                      <p:stCondLst>
+                        <p:cond delay="indefinite"/>
+                      </p:stCondLst>
+                      <p:childTnLst>
+                        <p:par>
+                          <p:cTn id="36" fill="hold">
+                            <p:stCondLst>
+                              <p:cond delay="0"/>
+                            </p:stCondLst>
+                            <p:childTnLst>
+                              <p:par>
+                                <p:cTn id="37" presetID="1" presetClass="entr" presetSubtype="0" fill="hold" nodeType="clickEffect">
+                                  <p:stCondLst>
+                                    <p:cond delay="0"/>
+                                  </p:stCondLst>
+                                  <p:childTnLst>
+                                    <p:set>
+                                      <p:cBhvr>
+                                        <p:cTn id="38" dur="1" fill="hold">
+                                          <p:stCondLst>
+                                            <p:cond delay="0"/>
+                                          </p:stCondLst>
+                                        </p:cTn>
+                                        <p:tgtEl>
+                                          <p:spTgt spid="3">
+                                            <p:txEl>
+                                              <p:pRg st="4" end="4"/>
+                                            </p:txEl>
+                                          </p:spTgt>
+                                        </p:tgtEl>
+                                        <p:attrNameLst>
+                                          <p:attrName>style.visibility</p:attrName>
+                                        </p:attrNameLst>
+                                      </p:cBhvr>
+                                      <p:to>
+                                        <p:strVal val="visible"/>
+                                      </p:to>
+                                    </p:set>
+                                  </p:childTnLst>
+                                </p:cTn>
+                              </p:par>
+                            </p:childTnLst>
+                          </p:cTn>
+                        </p:par>
+                        <p:par>
+                          <p:cTn id="39" fill="hold">
+                            <p:stCondLst>
+                              <p:cond delay="0"/>
+                            </p:stCondLst>
+                            <p:childTnLst>
+                              <p:par>
+                                <p:cTn id="40" presetID="1" presetClass="entr" presetSubtype="0" fill="hold" grpId="0" nodeType="afterEffect">
+                                  <p:stCondLst>
+                                    <p:cond delay="0"/>
+                                  </p:stCondLst>
+                                  <p:childTnLst>
+                                    <p:set>
+                                      <p:cBhvr>
+                                        <p:cTn id="41" dur="1" fill="hold">
                                           <p:stCondLst>
                                             <p:cond delay="0"/>
                                           </p:stCondLst>
@@ -12160,6 +13688,10 @@
     </p:tnLst>
     <p:bldLst>
       <p:bldP spid="4" grpId="0" animBg="1"/>
+      <p:bldP spid="7" grpId="0" animBg="1"/>
+      <p:bldP spid="8" grpId="0" animBg="1"/>
+      <p:bldP spid="9" grpId="0" animBg="1"/>
+      <p:bldP spid="10" grpId="0" animBg="1"/>
     </p:bldLst>
   </p:timing>
 </p:sld>
@@ -12454,6 +13986,58 @@
           <a:xfrm rot="5400000">
             <a:off x="6318690" y="2184179"/>
             <a:ext cx="1709240" cy="7620000"/>
+          </a:xfrm>
+          <a:prstGeom prst="roundRect">
+            <a:avLst/>
+          </a:prstGeom>
+          <a:solidFill>
+            <a:schemeClr val="bg1"/>
+          </a:solidFill>
+          <a:ln w="38100">
+            <a:noFill/>
+          </a:ln>
+        </p:spPr>
+        <p:style>
+          <a:lnRef idx="2">
+            <a:schemeClr val="accent1">
+              <a:shade val="50000"/>
+            </a:schemeClr>
+          </a:lnRef>
+          <a:fillRef idx="1">
+            <a:schemeClr val="accent1"/>
+          </a:fillRef>
+          <a:effectRef idx="0">
+            <a:schemeClr val="accent1"/>
+          </a:effectRef>
+          <a:fontRef idx="minor">
+            <a:schemeClr val="lt1"/>
+          </a:fontRef>
+        </p:style>
+        <p:txBody>
+          <a:bodyPr rtlCol="0" anchor="ctr"/>
+          <a:lstStyle/>
+          <a:p>
+            <a:pPr algn="ctr"/>
+            <a:endParaRPr lang="fr-FR"/>
+          </a:p>
+        </p:txBody>
+      </p:sp>
+      <p:sp>
+        <p:nvSpPr>
+          <p:cNvPr id="8" name="Rectangle : coins arrondis 7">
+            <a:extLst>
+              <a:ext uri="{FF2B5EF4-FFF2-40B4-BE49-F238E27FC236}">
+                <a16:creationId xmlns:a16="http://schemas.microsoft.com/office/drawing/2014/main" id="{D39D3536-C55F-4516-97CB-E5C37A5F8285}"/>
+              </a:ext>
+            </a:extLst>
+          </p:cNvPr>
+          <p:cNvSpPr/>
+          <p:nvPr/>
+        </p:nvSpPr>
+        <p:spPr>
+          <a:xfrm rot="5400000">
+            <a:off x="8416550" y="550319"/>
+            <a:ext cx="368133" cy="1919890"/>
           </a:xfrm>
           <a:prstGeom prst="roundRect">
             <a:avLst/>
@@ -13150,6 +14734,110 @@
           </a:p>
         </p:txBody>
       </p:sp>
+      <p:sp>
+        <p:nvSpPr>
+          <p:cNvPr id="9" name="Rectangle : coins arrondis 8">
+            <a:extLst>
+              <a:ext uri="{FF2B5EF4-FFF2-40B4-BE49-F238E27FC236}">
+                <a16:creationId xmlns:a16="http://schemas.microsoft.com/office/drawing/2014/main" id="{5EC69B48-F2E1-4D2F-B3CD-DC76792D5213}"/>
+              </a:ext>
+            </a:extLst>
+          </p:cNvPr>
+          <p:cNvSpPr/>
+          <p:nvPr/>
+        </p:nvSpPr>
+        <p:spPr>
+          <a:xfrm rot="5400000">
+            <a:off x="2111194" y="2984954"/>
+            <a:ext cx="3045532" cy="2180879"/>
+          </a:xfrm>
+          <a:prstGeom prst="roundRect">
+            <a:avLst/>
+          </a:prstGeom>
+          <a:noFill/>
+          <a:ln w="38100">
+            <a:solidFill>
+              <a:srgbClr val="FF0000"/>
+            </a:solidFill>
+          </a:ln>
+        </p:spPr>
+        <p:style>
+          <a:lnRef idx="2">
+            <a:schemeClr val="accent1">
+              <a:shade val="50000"/>
+            </a:schemeClr>
+          </a:lnRef>
+          <a:fillRef idx="1">
+            <a:schemeClr val="accent1"/>
+          </a:fillRef>
+          <a:effectRef idx="0">
+            <a:schemeClr val="accent1"/>
+          </a:effectRef>
+          <a:fontRef idx="minor">
+            <a:schemeClr val="lt1"/>
+          </a:fontRef>
+        </p:style>
+        <p:txBody>
+          <a:bodyPr rtlCol="0" anchor="ctr"/>
+          <a:lstStyle/>
+          <a:p>
+            <a:pPr algn="ctr"/>
+            <a:endParaRPr lang="fr-FR"/>
+          </a:p>
+        </p:txBody>
+      </p:sp>
+      <p:sp>
+        <p:nvSpPr>
+          <p:cNvPr id="10" name="Rectangle : coins arrondis 9">
+            <a:extLst>
+              <a:ext uri="{FF2B5EF4-FFF2-40B4-BE49-F238E27FC236}">
+                <a16:creationId xmlns:a16="http://schemas.microsoft.com/office/drawing/2014/main" id="{D5E77CEF-2A40-481F-A673-75616AE35244}"/>
+              </a:ext>
+            </a:extLst>
+          </p:cNvPr>
+          <p:cNvSpPr/>
+          <p:nvPr/>
+        </p:nvSpPr>
+        <p:spPr>
+          <a:xfrm rot="5400000">
+            <a:off x="6761235" y="3347474"/>
+            <a:ext cx="3045532" cy="1455837"/>
+          </a:xfrm>
+          <a:prstGeom prst="roundRect">
+            <a:avLst/>
+          </a:prstGeom>
+          <a:noFill/>
+          <a:ln w="38100">
+            <a:solidFill>
+              <a:srgbClr val="FF0000"/>
+            </a:solidFill>
+          </a:ln>
+        </p:spPr>
+        <p:style>
+          <a:lnRef idx="2">
+            <a:schemeClr val="accent1">
+              <a:shade val="50000"/>
+            </a:schemeClr>
+          </a:lnRef>
+          <a:fillRef idx="1">
+            <a:schemeClr val="accent1"/>
+          </a:fillRef>
+          <a:effectRef idx="0">
+            <a:schemeClr val="accent1"/>
+          </a:effectRef>
+          <a:fontRef idx="minor">
+            <a:schemeClr val="lt1"/>
+          </a:fontRef>
+        </p:style>
+        <p:txBody>
+          <a:bodyPr rtlCol="0" anchor="ctr"/>
+          <a:lstStyle/>
+          <a:p>
+            <a:pPr algn="ctr"/>
+            <a:endParaRPr lang="fr-FR"/>
+          </a:p>
+        </p:txBody>
+      </p:sp>
     </p:spTree>
     <p:extLst>
       <p:ext uri="{BB962C8B-B14F-4D97-AF65-F5344CB8AC3E}">
@@ -13304,21 +14992,93 @@
                             </p:childTnLst>
                           </p:cTn>
                         </p:par>
+                      </p:childTnLst>
+                    </p:cTn>
+                  </p:par>
+                  <p:par>
+                    <p:cTn id="15" fill="hold">
+                      <p:stCondLst>
+                        <p:cond delay="indefinite"/>
+                      </p:stCondLst>
+                      <p:childTnLst>
                         <p:par>
-                          <p:cTn id="15" fill="hold">
+                          <p:cTn id="16" fill="hold">
                             <p:stCondLst>
                               <p:cond delay="0"/>
                             </p:stCondLst>
                             <p:childTnLst>
                               <p:par>
-                                <p:cTn id="16" presetID="1" presetClass="entr" presetSubtype="0" fill="hold" grpId="0" nodeType="afterEffect">
+                                <p:cTn id="17" presetID="1" presetClass="entr" presetSubtype="0" fill="hold" grpId="0" nodeType="clickEffect">
                                   <p:stCondLst>
                                     <p:cond delay="0"/>
                                   </p:stCondLst>
                                   <p:childTnLst>
                                     <p:set>
                                       <p:cBhvr>
-                                        <p:cTn id="17" dur="1" fill="hold">
+                                        <p:cTn id="18" dur="1" fill="hold">
+                                          <p:stCondLst>
+                                            <p:cond delay="0"/>
+                                          </p:stCondLst>
+                                        </p:cTn>
+                                        <p:tgtEl>
+                                          <p:spTgt spid="9"/>
+                                        </p:tgtEl>
+                                        <p:attrNameLst>
+                                          <p:attrName>style.visibility</p:attrName>
+                                        </p:attrNameLst>
+                                      </p:cBhvr>
+                                      <p:to>
+                                        <p:strVal val="visible"/>
+                                      </p:to>
+                                    </p:set>
+                                  </p:childTnLst>
+                                </p:cTn>
+                              </p:par>
+                              <p:par>
+                                <p:cTn id="19" presetID="1" presetClass="entr" presetSubtype="0" fill="hold" grpId="0" nodeType="withEffect">
+                                  <p:stCondLst>
+                                    <p:cond delay="0"/>
+                                  </p:stCondLst>
+                                  <p:childTnLst>
+                                    <p:set>
+                                      <p:cBhvr>
+                                        <p:cTn id="20" dur="1" fill="hold">
+                                          <p:stCondLst>
+                                            <p:cond delay="0"/>
+                                          </p:stCondLst>
+                                        </p:cTn>
+                                        <p:tgtEl>
+                                          <p:spTgt spid="10"/>
+                                        </p:tgtEl>
+                                        <p:attrNameLst>
+                                          <p:attrName>style.visibility</p:attrName>
+                                        </p:attrNameLst>
+                                      </p:cBhvr>
+                                      <p:to>
+                                        <p:strVal val="visible"/>
+                                      </p:to>
+                                    </p:set>
+                                  </p:childTnLst>
+                                </p:cTn>
+                              </p:par>
+                            </p:childTnLst>
+                          </p:cTn>
+                        </p:par>
+                        <p:par>
+                          <p:cTn id="21" fill="hold">
+                            <p:stCondLst>
+                              <p:cond delay="0"/>
+                            </p:stCondLst>
+                            <p:childTnLst>
+                              <p:par>
+                                <p:cTn id="22" presetID="1" presetClass="entr" presetSubtype="0" fill="hold" grpId="0" nodeType="afterEffect">
+                                  <p:stCondLst>
+                                    <p:cond delay="0"/>
+                                  </p:stCondLst>
+                                  <p:childTnLst>
+                                    <p:set>
+                                      <p:cBhvr>
+                                        <p:cTn id="23" dur="1" fill="hold">
                                           <p:stCondLst>
                                             <p:cond delay="0"/>
                                           </p:stCondLst>
@@ -13366,6 +15126,8 @@
     </p:tnLst>
     <p:bldLst>
       <p:bldP spid="8" grpId="0" animBg="1"/>
+      <p:bldP spid="9" grpId="0" animBg="1"/>
+      <p:bldP spid="10" grpId="0" animBg="1"/>
     </p:bldLst>
   </p:timing>
 </p:sld>
@@ -14373,35 +16135,32 @@
         <p:spPr/>
         <p:txBody>
           <a:bodyPr>
-            <a:normAutofit fontScale="85000" lnSpcReduction="20000"/>
+            <a:normAutofit fontScale="92500" lnSpcReduction="10000"/>
           </a:bodyPr>
           <a:lstStyle/>
           <a:p>
+            <a:pPr algn="just"/>
             <a:r>
               <a:rPr lang="fr-FR" dirty="0"/>
-              <a:t>Un réseau de neurones est un système composé de neurones, généralement répartis en plusieurs couches connectées entre elles</a:t>
-            </a:r>
-          </a:p>
-          <a:p>
-            <a:r>
-              <a:rPr lang="fr-FR" dirty="0"/>
-              <a:t>Un réseau de neurones est construit en empilant les couches : la sortie d'une couche correspond à l'entrée de la suivante.</a:t>
-            </a:r>
-          </a:p>
-          <a:p>
+              <a:t>Un réseau est construit en empilant les couches de neurones : la sortie d'une couche est l'entrée de la suivante.</a:t>
+            </a:r>
+          </a:p>
+          <a:p>
+            <a:pPr algn="just"/>
             <a:r>
               <a:rPr lang="fr-FR" dirty="0"/>
               <a:t>Pour cela, elle calcule une combinaison linéaire puis applique éventuellement une fonction non-linéaire, appelée fonction d'activation. </a:t>
             </a:r>
           </a:p>
           <a:p>
+            <a:pPr algn="just"/>
             <a:r>
               <a:rPr lang="fr-FR" u="sng" dirty="0"/>
-              <a:t>Evaluation</a:t>
-            </a:r>
-          </a:p>
-          <a:p>
-            <a:pPr lvl="1"/>
+              <a:t>Evaluation :</a:t>
+            </a:r>
+          </a:p>
+          <a:p>
+            <a:pPr lvl="1" algn="just"/>
             <a:r>
               <a:rPr lang="fr-FR" dirty="0"/>
               <a:t>La dernière couche calcule les probabilités finales en utilisant pour fonction d'activation la fonction logistique (classification binaire) ou la fonction </a:t>
@@ -14416,7 +16175,7 @@
             </a:r>
           </a:p>
           <a:p>
-            <a:pPr lvl="1"/>
+            <a:pPr lvl="1" algn="just"/>
             <a:r>
               <a:rPr lang="fr-FR" dirty="0"/>
               <a:t>Une fonction de perte (</a:t>
@@ -14435,7 +16194,7 @@
             </a:r>
             <a:r>
               <a:rPr lang="fr-FR" dirty="0"/>
-              <a:t>) est associée à la couche finale pour calculer l'erreur de classification. Il s'agit en général de l'entropie croisée.</a:t>
+              <a:t>) est associée à la couche finale pour calculer l'erreur de classification. </a:t>
             </a:r>
           </a:p>
         </p:txBody>
@@ -14745,70 +16504,21 @@
                             </p:childTnLst>
                           </p:cTn>
                         </p:par>
-                      </p:childTnLst>
-                    </p:cTn>
-                  </p:par>
-                  <p:par>
-                    <p:cTn id="23" fill="hold">
-                      <p:stCondLst>
-                        <p:cond delay="indefinite"/>
-                      </p:stCondLst>
-                      <p:childTnLst>
                         <p:par>
-                          <p:cTn id="24" fill="hold">
+                          <p:cTn id="23" fill="hold">
                             <p:stCondLst>
                               <p:cond delay="0"/>
                             </p:stCondLst>
                             <p:childTnLst>
                               <p:par>
-                                <p:cTn id="25" presetID="1" presetClass="entr" presetSubtype="0" fill="hold" nodeType="clickEffect">
+                                <p:cTn id="24" presetID="1" presetClass="entr" presetSubtype="0" fill="hold" grpId="0" nodeType="afterEffect">
                                   <p:stCondLst>
                                     <p:cond delay="0"/>
                                   </p:stCondLst>
                                   <p:childTnLst>
                                     <p:set>
                                       <p:cBhvr>
-                                        <p:cTn id="26" dur="1" fill="hold">
-                                          <p:stCondLst>
-                                            <p:cond delay="0"/>
-                                          </p:stCondLst>
-                                        </p:cTn>
-                                        <p:tgtEl>
-                                          <p:spTgt spid="3">
-                                            <p:txEl>
-                                              <p:pRg st="5" end="5"/>
-                                            </p:txEl>
-                                          </p:spTgt>
-                                        </p:tgtEl>
-                                        <p:attrNameLst>
-                                          <p:attrName>style.visibility</p:attrName>
-                                        </p:attrNameLst>
-                                      </p:cBhvr>
-                                      <p:to>
-                                        <p:strVal val="visible"/>
-                                      </p:to>
-                                    </p:set>
-                                  </p:childTnLst>
-                                </p:cTn>
-                              </p:par>
-                            </p:childTnLst>
-                          </p:cTn>
-                        </p:par>
-                        <p:par>
-                          <p:cTn id="27" fill="hold">
-                            <p:stCondLst>
-                              <p:cond delay="0"/>
-                            </p:stCondLst>
-                            <p:childTnLst>
-                              <p:par>
-                                <p:cTn id="28" presetID="1" presetClass="entr" presetSubtype="0" fill="hold" grpId="0" nodeType="afterEffect">
-                                  <p:stCondLst>
-                                    <p:cond delay="0"/>
-                                  </p:stCondLst>
-                                  <p:childTnLst>
-                                    <p:set>
-                                      <p:cBhvr>
-                                        <p:cTn id="29" dur="1" fill="hold">
+                                        <p:cTn id="25" dur="1" fill="hold">
                                           <p:stCondLst>
                                             <p:cond delay="0"/>
                                           </p:stCondLst>
@@ -14922,7 +16632,12 @@
             <p:ph idx="1"/>
           </p:nvPr>
         </p:nvSpPr>
-        <p:spPr/>
+        <p:spPr>
+          <a:xfrm>
+            <a:off x="2023539" y="1340768"/>
+            <a:ext cx="7181421" cy="5400600"/>
+          </a:xfrm>
+        </p:spPr>
         <p:txBody>
           <a:bodyPr/>
           <a:lstStyle/>
@@ -14935,7 +16650,7 @@
           <a:p>
             <a:r>
               <a:rPr lang="fr-FR" dirty="0"/>
-              <a:t>Cependant, les CNN sont spécialement conçus pour traiter des images en entrée.</a:t>
+              <a:t>Les CNN sont spécialement conçus pour traiter des images en entrée.</a:t>
             </a:r>
           </a:p>
         </p:txBody>
@@ -14985,6 +16700,42 @@
           </a:p>
         </p:txBody>
       </p:sp>
+      <p:pic>
+        <p:nvPicPr>
+          <p:cNvPr id="3" name="Image 2">
+            <a:extLst>
+              <a:ext uri="{FF2B5EF4-FFF2-40B4-BE49-F238E27FC236}">
+                <a16:creationId xmlns:a16="http://schemas.microsoft.com/office/drawing/2014/main" id="{33C9FC0C-3BAA-4DC7-85C8-10638434AB26}"/>
+              </a:ext>
+            </a:extLst>
+          </p:cNvPr>
+          <p:cNvPicPr>
+            <a:picLocks noChangeAspect="1"/>
+          </p:cNvPicPr>
+          <p:nvPr/>
+        </p:nvPicPr>
+        <p:blipFill>
+          <a:blip r:embed="rId2">
+            <a:extLst>
+              <a:ext uri="{28A0092B-C50C-407E-A947-70E740481C1C}">
+                <a14:useLocalDpi xmlns:a14="http://schemas.microsoft.com/office/drawing/2010/main" val="0"/>
+              </a:ext>
+            </a:extLst>
+          </a:blip>
+          <a:stretch>
+            <a:fillRect/>
+          </a:stretch>
+        </p:blipFill>
+        <p:spPr>
+          <a:xfrm>
+            <a:off x="9191164" y="3429000"/>
+            <a:ext cx="2857500" cy="1600200"/>
+          </a:xfrm>
+          <a:prstGeom prst="rect">
+            <a:avLst/>
+          </a:prstGeom>
+        </p:spPr>
+      </p:pic>
     </p:spTree>
     <p:extLst>
       <p:ext uri="{BB962C8B-B14F-4D97-AF65-F5344CB8AC3E}">
@@ -15046,6 +16797,33 @@
                                   </p:childTnLst>
                                 </p:cTn>
                               </p:par>
+                              <p:par>
+                                <p:cTn id="7" presetID="1" presetClass="entr" presetSubtype="0" fill="hold" nodeType="withEffect">
+                                  <p:stCondLst>
+                                    <p:cond delay="0"/>
+                                  </p:stCondLst>
+                                  <p:childTnLst>
+                                    <p:set>
+                                      <p:cBhvr>
+                                        <p:cTn id="8" dur="1" fill="hold">
+                                          <p:stCondLst>
+                                            <p:cond delay="0"/>
+                                          </p:stCondLst>
+                                        </p:cTn>
+                                        <p:tgtEl>
+                                          <p:spTgt spid="3"/>
+                                        </p:tgtEl>
+                                        <p:attrNameLst>
+                                          <p:attrName>style.visibility</p:attrName>
+                                        </p:attrNameLst>
+                                      </p:cBhvr>
+                                      <p:to>
+                                        <p:strVal val="visible"/>
+                                      </p:to>
+                                    </p:set>
+                                  </p:childTnLst>
+                                </p:cTn>
+                              </p:par>
                             </p:childTnLst>
                           </p:cTn>
                         </p:par>
@@ -15053,26 +16831,26 @@
                     </p:cTn>
                   </p:par>
                   <p:par>
-                    <p:cTn id="7" fill="hold">
+                    <p:cTn id="9" fill="hold">
                       <p:stCondLst>
                         <p:cond delay="indefinite"/>
                       </p:stCondLst>
                       <p:childTnLst>
                         <p:par>
-                          <p:cTn id="8" fill="hold">
+                          <p:cTn id="10" fill="hold">
                             <p:stCondLst>
                               <p:cond delay="0"/>
                             </p:stCondLst>
                             <p:childTnLst>
                               <p:par>
-                                <p:cTn id="9" presetID="1" presetClass="entr" presetSubtype="0" fill="hold" nodeType="clickEffect">
+                                <p:cTn id="11" presetID="1" presetClass="entr" presetSubtype="0" fill="hold" nodeType="clickEffect">
                                   <p:stCondLst>
                                     <p:cond delay="0"/>
                                   </p:stCondLst>
                                   <p:childTnLst>
                                     <p:set>
                                       <p:cBhvr>
-                                        <p:cTn id="10" dur="1" fill="hold">
+                                        <p:cTn id="12" dur="1" fill="hold">
                                           <p:stCondLst>
                                             <p:cond delay="0"/>
                                           </p:stCondLst>
@@ -15099,20 +16877,20 @@
                           </p:cTn>
                         </p:par>
                         <p:par>
-                          <p:cTn id="11" fill="hold">
+                          <p:cTn id="13" fill="hold">
                             <p:stCondLst>
                               <p:cond delay="0"/>
                             </p:stCondLst>
                             <p:childTnLst>
                               <p:par>
-                                <p:cTn id="12" presetID="1" presetClass="entr" presetSubtype="0" fill="hold" grpId="0" nodeType="afterEffect">
+                                <p:cTn id="14" presetID="1" presetClass="entr" presetSubtype="0" fill="hold" grpId="0" nodeType="afterEffect">
                                   <p:stCondLst>
                                     <p:cond delay="0"/>
                                   </p:stCondLst>
                                   <p:childTnLst>
                                     <p:set>
                                       <p:cBhvr>
-                                        <p:cTn id="13" dur="1" fill="hold">
+                                        <p:cTn id="15" dur="1" fill="hold">
                                           <p:stCondLst>
                                             <p:cond delay="0"/>
                                           </p:stCondLst>
@@ -15241,14 +17019,21 @@
             <a:pPr algn="just"/>
             <a:r>
               <a:rPr lang="fr-FR" dirty="0"/>
-              <a:t>Le principe est d'utiliser les connaissances acquises auparavant par un réseau de neurones lors de la résolution d'un problème</a:t>
+              <a:t>On utilise les connaissances acquises auparavant par un autre réseau de neurones.</a:t>
             </a:r>
           </a:p>
           <a:p>
             <a:pPr algn="just"/>
             <a:r>
               <a:rPr lang="fr-FR" dirty="0"/>
-              <a:t>En plus d'accélérer l'entraînement du réseau, le Transfer Learning permet d'éviter le sur-apprentissage (</a:t>
+              <a:t>Cela permet d'accélérer l'entraînement du réseau.</a:t>
+            </a:r>
+          </a:p>
+          <a:p>
+            <a:pPr algn="just"/>
+            <a:r>
+              <a:rPr lang="fr-FR" dirty="0"/>
+              <a:t>Et d'éviter le sur-apprentissage (</a:t>
             </a:r>
             <a:r>
               <a:rPr lang="fr-FR" dirty="0" err="1"/>
@@ -15260,10 +17045,10 @@
             </a:r>
           </a:p>
           <a:p>
-            <a:pPr algn="just"/>
+            <a:pPr lvl="1" algn="just"/>
             <a:r>
               <a:rPr lang="fr-FR" dirty="0"/>
-              <a:t>En effet, lorsque la collection d'images en entrée est petite, le nombre de paramètres à apprendre peut être largement supérieur au nombre d'images, le risque d'</a:t>
+              <a:t>Lorsque la collection d'images en entrée est petite, le nombre de paramètres à apprendre peut être largement supérieur au nombre d'images, le risque d'</a:t>
             </a:r>
             <a:r>
               <a:rPr lang="fr-FR" dirty="0" err="1"/>
@@ -15483,21 +17268,70 @@
                             </p:childTnLst>
                           </p:cTn>
                         </p:par>
+                      </p:childTnLst>
+                    </p:cTn>
+                  </p:par>
+                  <p:par>
+                    <p:cTn id="15" fill="hold">
+                      <p:stCondLst>
+                        <p:cond delay="indefinite"/>
+                      </p:stCondLst>
+                      <p:childTnLst>
                         <p:par>
-                          <p:cTn id="15" fill="hold">
+                          <p:cTn id="16" fill="hold">
                             <p:stCondLst>
                               <p:cond delay="0"/>
                             </p:stCondLst>
                             <p:childTnLst>
                               <p:par>
-                                <p:cTn id="16" presetID="1" presetClass="entr" presetSubtype="0" fill="hold" grpId="0" nodeType="afterEffect">
+                                <p:cTn id="17" presetID="1" presetClass="entr" presetSubtype="0" fill="hold" nodeType="clickEffect">
                                   <p:stCondLst>
                                     <p:cond delay="0"/>
                                   </p:stCondLst>
                                   <p:childTnLst>
                                     <p:set>
                                       <p:cBhvr>
-                                        <p:cTn id="17" dur="1" fill="hold">
+                                        <p:cTn id="18" dur="1" fill="hold">
+                                          <p:stCondLst>
+                                            <p:cond delay="0"/>
+                                          </p:stCondLst>
+                                        </p:cTn>
+                                        <p:tgtEl>
+                                          <p:spTgt spid="3">
+                                            <p:txEl>
+                                              <p:pRg st="3" end="3"/>
+                                            </p:txEl>
+                                          </p:spTgt>
+                                        </p:tgtEl>
+                                        <p:attrNameLst>
+                                          <p:attrName>style.visibility</p:attrName>
+                                        </p:attrNameLst>
+                                      </p:cBhvr>
+                                      <p:to>
+                                        <p:strVal val="visible"/>
+                                      </p:to>
+                                    </p:set>
+                                  </p:childTnLst>
+                                </p:cTn>
+                              </p:par>
+                            </p:childTnLst>
+                          </p:cTn>
+                        </p:par>
+                        <p:par>
+                          <p:cTn id="19" fill="hold">
+                            <p:stCondLst>
+                              <p:cond delay="0"/>
+                            </p:stCondLst>
+                            <p:childTnLst>
+                              <p:par>
+                                <p:cTn id="20" presetID="1" presetClass="entr" presetSubtype="0" fill="hold" grpId="0" nodeType="afterEffect">
+                                  <p:stCondLst>
+                                    <p:cond delay="0"/>
+                                  </p:stCondLst>
+                                  <p:childTnLst>
+                                    <p:set>
+                                      <p:cBhvr>
+                                        <p:cTn id="21" dur="1" fill="hold">
                                           <p:stCondLst>
                                             <p:cond delay="0"/>
                                           </p:stCondLst>
@@ -15590,7 +17424,7 @@
           <a:p>
             <a:r>
               <a:rPr lang="fr-FR" dirty="0"/>
-              <a:t>VGG 19</a:t>
+              <a:t>VGG 16</a:t>
             </a:r>
           </a:p>
         </p:txBody>
@@ -15878,8 +17712,8 @@
         </p:nvSpPr>
         <p:spPr>
           <a:xfrm rot="5400000" flipV="1">
-            <a:off x="4056944" y="273038"/>
-            <a:ext cx="372245" cy="3401068"/>
+            <a:off x="3948070" y="381913"/>
+            <a:ext cx="589993" cy="3401068"/>
           </a:xfrm>
           <a:prstGeom prst="roundRect">
             <a:avLst/>
@@ -15930,8 +17764,8 @@
         </p:nvSpPr>
         <p:spPr>
           <a:xfrm rot="5400000">
-            <a:off x="8323644" y="3487486"/>
-            <a:ext cx="761998" cy="838071"/>
+            <a:off x="8491284" y="3472246"/>
+            <a:ext cx="761998" cy="868552"/>
           </a:xfrm>
           <a:prstGeom prst="roundRect">
             <a:avLst/>
@@ -15982,8 +17816,8 @@
         </p:nvSpPr>
         <p:spPr>
           <a:xfrm rot="5400000" flipV="1">
-            <a:off x="3846022" y="2691409"/>
-            <a:ext cx="786832" cy="3401069"/>
+            <a:off x="3744421" y="2793010"/>
+            <a:ext cx="990035" cy="3401069"/>
           </a:xfrm>
           <a:prstGeom prst="roundRect">
             <a:avLst/>
@@ -16125,6 +17959,41 @@
                 <a:srgbClr val="FF0000"/>
               </a:solidFill>
             </a:endParaRPr>
+          </a:p>
+        </p:txBody>
+      </p:sp>
+      <p:sp>
+        <p:nvSpPr>
+          <p:cNvPr id="2" name="ZoneTexte 1">
+            <a:extLst>
+              <a:ext uri="{FF2B5EF4-FFF2-40B4-BE49-F238E27FC236}">
+                <a16:creationId xmlns:a16="http://schemas.microsoft.com/office/drawing/2014/main" id="{03222C2C-09FF-4040-AB3B-004269FCC2F3}"/>
+              </a:ext>
+            </a:extLst>
+          </p:cNvPr>
+          <p:cNvSpPr txBox="1"/>
+          <p:nvPr/>
+        </p:nvSpPr>
+        <p:spPr>
+          <a:xfrm>
+            <a:off x="6447231" y="5826176"/>
+            <a:ext cx="5400068" cy="523220"/>
+          </a:xfrm>
+          <a:prstGeom prst="rect">
+            <a:avLst/>
+          </a:prstGeom>
+          <a:noFill/>
+        </p:spPr>
+        <p:txBody>
+          <a:bodyPr wrap="none" rtlCol="0">
+            <a:spAutoFit/>
+          </a:bodyPr>
+          <a:lstStyle/>
+          <a:p>
+            <a:r>
+              <a:rPr lang="fr-FR" sz="2800" dirty="0"/>
+              <a:t>Entrainement de la dernière couche</a:t>
+            </a:r>
           </a:p>
         </p:txBody>
       </p:sp>
@@ -16646,6 +18515,33 @@
                                   </p:subTnLst>
                                 </p:cTn>
                               </p:par>
+                              <p:par>
+                                <p:cTn id="35" presetID="1" presetClass="entr" presetSubtype="0" fill="hold" grpId="0" nodeType="withEffect">
+                                  <p:stCondLst>
+                                    <p:cond delay="0"/>
+                                  </p:stCondLst>
+                                  <p:childTnLst>
+                                    <p:set>
+                                      <p:cBhvr>
+                                        <p:cTn id="36" dur="1" fill="hold">
+                                          <p:stCondLst>
+                                            <p:cond delay="0"/>
+                                          </p:stCondLst>
+                                        </p:cTn>
+                                        <p:tgtEl>
+                                          <p:spTgt spid="2"/>
+                                        </p:tgtEl>
+                                        <p:attrNameLst>
+                                          <p:attrName>style.visibility</p:attrName>
+                                        </p:attrNameLst>
+                                      </p:cBhvr>
+                                      <p:to>
+                                        <p:strVal val="visible"/>
+                                      </p:to>
+                                    </p:set>
+                                  </p:childTnLst>
+                                </p:cTn>
+                              </p:par>
                             </p:childTnLst>
                           </p:cTn>
                         </p:par>
@@ -16653,26 +18549,26 @@
                     </p:cTn>
                   </p:par>
                   <p:par>
-                    <p:cTn id="35" fill="hold">
+                    <p:cTn id="37" fill="hold">
                       <p:stCondLst>
                         <p:cond delay="indefinite"/>
                       </p:stCondLst>
                       <p:childTnLst>
                         <p:par>
-                          <p:cTn id="36" fill="hold">
+                          <p:cTn id="38" fill="hold">
                             <p:stCondLst>
                               <p:cond delay="0"/>
                             </p:stCondLst>
                             <p:childTnLst>
                               <p:par>
-                                <p:cTn id="37" presetID="1" presetClass="entr" presetSubtype="0" fill="hold" grpId="0" nodeType="clickEffect">
+                                <p:cTn id="39" presetID="1" presetClass="entr" presetSubtype="0" fill="hold" grpId="0" nodeType="clickEffect">
                                   <p:stCondLst>
                                     <p:cond delay="0"/>
                                   </p:stCondLst>
                                   <p:childTnLst>
                                     <p:set>
                                       <p:cBhvr>
-                                        <p:cTn id="38" dur="1" fill="hold">
+                                        <p:cTn id="40" dur="1" fill="hold">
                                           <p:stCondLst>
                                             <p:cond delay="0"/>
                                           </p:stCondLst>
@@ -16728,6 +18624,7 @@
       <p:bldP spid="14" grpId="0" animBg="1"/>
       <p:bldP spid="15" grpId="0" animBg="1"/>
       <p:bldP spid="16" grpId="0" animBg="1"/>
+      <p:bldP spid="2" grpId="0"/>
     </p:bldLst>
   </p:timing>
 </p:sld>
@@ -18115,12 +20012,14 @@
           </a:bodyPr>
           <a:lstStyle/>
           <a:p>
+            <a:pPr algn="just"/>
             <a:r>
               <a:rPr lang="fr-FR" dirty="0"/>
               <a:t>Je suis bénévole pour l'association de protection des animaux du quartier. </a:t>
             </a:r>
           </a:p>
           <a:p>
+            <a:pPr algn="just"/>
             <a:r>
               <a:rPr lang="fr-FR" dirty="0"/>
               <a:t>Je viens d’adopter </a:t>
@@ -18135,21 +20034,25 @@
             </a:r>
           </a:p>
           <a:p>
+            <a:pPr algn="just"/>
             <a:r>
               <a:rPr lang="fr-FR" dirty="0"/>
               <a:t>Je m’aperçois que la base de données des chiens s’agrandit.</a:t>
             </a:r>
           </a:p>
           <a:p>
+            <a:pPr algn="just"/>
             <a:r>
               <a:rPr lang="fr-FR" dirty="0"/>
               <a:t>Il faut donc les classer automatiquement.</a:t>
             </a:r>
           </a:p>
           <a:p>
+            <a:pPr algn="just"/>
             <a:endParaRPr lang="fr-FR" dirty="0"/>
           </a:p>
           <a:p>
+            <a:pPr algn="just"/>
             <a:r>
               <a:rPr lang="fr-FR" dirty="0"/>
               <a:t>En tant que Data </a:t>
@@ -18210,6 +20113,42 @@
           </a:p>
         </p:txBody>
       </p:sp>
+      <p:pic>
+        <p:nvPicPr>
+          <p:cNvPr id="6" name="Image 5">
+            <a:extLst>
+              <a:ext uri="{FF2B5EF4-FFF2-40B4-BE49-F238E27FC236}">
+                <a16:creationId xmlns:a16="http://schemas.microsoft.com/office/drawing/2014/main" id="{042BCA3A-F8EF-496C-A513-402872A61507}"/>
+              </a:ext>
+            </a:extLst>
+          </p:cNvPr>
+          <p:cNvPicPr>
+            <a:picLocks noChangeAspect="1"/>
+          </p:cNvPicPr>
+          <p:nvPr/>
+        </p:nvPicPr>
+        <p:blipFill>
+          <a:blip r:embed="rId3">
+            <a:extLst>
+              <a:ext uri="{28A0092B-C50C-407E-A947-70E740481C1C}">
+                <a14:useLocalDpi xmlns:a14="http://schemas.microsoft.com/office/drawing/2010/main" val="0"/>
+              </a:ext>
+            </a:extLst>
+          </a:blip>
+          <a:stretch>
+            <a:fillRect/>
+          </a:stretch>
+        </p:blipFill>
+        <p:spPr>
+          <a:xfrm>
+            <a:off x="8402320" y="1934464"/>
+            <a:ext cx="1524000" cy="1018032"/>
+          </a:xfrm>
+          <a:prstGeom prst="rect">
+            <a:avLst/>
+          </a:prstGeom>
+        </p:spPr>
+      </p:pic>
     </p:spTree>
     <p:extLst>
       <p:ext uri="{BB962C8B-B14F-4D97-AF65-F5344CB8AC3E}">
@@ -18332,6 +20271,33 @@
                                   </p:childTnLst>
                                 </p:cTn>
                               </p:par>
+                              <p:par>
+                                <p:cTn id="11" presetID="1" presetClass="entr" presetSubtype="0" fill="hold" nodeType="withEffect">
+                                  <p:stCondLst>
+                                    <p:cond delay="0"/>
+                                  </p:stCondLst>
+                                  <p:childTnLst>
+                                    <p:set>
+                                      <p:cBhvr>
+                                        <p:cTn id="12" dur="1" fill="hold">
+                                          <p:stCondLst>
+                                            <p:cond delay="0"/>
+                                          </p:stCondLst>
+                                        </p:cTn>
+                                        <p:tgtEl>
+                                          <p:spTgt spid="6"/>
+                                        </p:tgtEl>
+                                        <p:attrNameLst>
+                                          <p:attrName>style.visibility</p:attrName>
+                                        </p:attrNameLst>
+                                      </p:cBhvr>
+                                      <p:to>
+                                        <p:strVal val="visible"/>
+                                      </p:to>
+                                    </p:set>
+                                  </p:childTnLst>
+                                </p:cTn>
+                              </p:par>
                             </p:childTnLst>
                           </p:cTn>
                         </p:par>
@@ -18339,26 +20305,26 @@
                     </p:cTn>
                   </p:par>
                   <p:par>
-                    <p:cTn id="11" fill="hold">
+                    <p:cTn id="13" fill="hold">
                       <p:stCondLst>
                         <p:cond delay="indefinite"/>
                       </p:stCondLst>
                       <p:childTnLst>
                         <p:par>
-                          <p:cTn id="12" fill="hold">
+                          <p:cTn id="14" fill="hold">
                             <p:stCondLst>
                               <p:cond delay="0"/>
                             </p:stCondLst>
                             <p:childTnLst>
                               <p:par>
-                                <p:cTn id="13" presetID="1" presetClass="entr" presetSubtype="0" fill="hold" grpId="0" nodeType="clickEffect">
+                                <p:cTn id="15" presetID="1" presetClass="entr" presetSubtype="0" fill="hold" grpId="0" nodeType="clickEffect">
                                   <p:stCondLst>
                                     <p:cond delay="0"/>
                                   </p:stCondLst>
                                   <p:childTnLst>
                                     <p:set>
                                       <p:cBhvr>
-                                        <p:cTn id="14" dur="1" fill="hold">
+                                        <p:cTn id="16" dur="1" fill="hold">
                                           <p:stCondLst>
                                             <p:cond delay="0"/>
                                           </p:stCondLst>
@@ -18388,26 +20354,26 @@
                     </p:cTn>
                   </p:par>
                   <p:par>
-                    <p:cTn id="15" fill="hold">
+                    <p:cTn id="17" fill="hold">
                       <p:stCondLst>
                         <p:cond delay="indefinite"/>
                       </p:stCondLst>
                       <p:childTnLst>
                         <p:par>
-                          <p:cTn id="16" fill="hold">
+                          <p:cTn id="18" fill="hold">
                             <p:stCondLst>
                               <p:cond delay="0"/>
                             </p:stCondLst>
                             <p:childTnLst>
                               <p:par>
-                                <p:cTn id="17" presetID="1" presetClass="entr" presetSubtype="0" fill="hold" grpId="0" nodeType="clickEffect">
+                                <p:cTn id="19" presetID="1" presetClass="entr" presetSubtype="0" fill="hold" grpId="0" nodeType="clickEffect">
                                   <p:stCondLst>
                                     <p:cond delay="0"/>
                                   </p:stCondLst>
                                   <p:childTnLst>
                                     <p:set>
                                       <p:cBhvr>
-                                        <p:cTn id="18" dur="1" fill="hold">
+                                        <p:cTn id="20" dur="1" fill="hold">
                                           <p:stCondLst>
                                             <p:cond delay="0"/>
                                           </p:stCondLst>
@@ -18437,26 +20403,26 @@
                     </p:cTn>
                   </p:par>
                   <p:par>
-                    <p:cTn id="19" fill="hold">
+                    <p:cTn id="21" fill="hold">
                       <p:stCondLst>
                         <p:cond delay="indefinite"/>
                       </p:stCondLst>
                       <p:childTnLst>
                         <p:par>
-                          <p:cTn id="20" fill="hold">
+                          <p:cTn id="22" fill="hold">
                             <p:stCondLst>
                               <p:cond delay="0"/>
                             </p:stCondLst>
                             <p:childTnLst>
                               <p:par>
-                                <p:cTn id="21" presetID="1" presetClass="entr" presetSubtype="0" fill="hold" grpId="0" nodeType="clickEffect">
+                                <p:cTn id="23" presetID="1" presetClass="entr" presetSubtype="0" fill="hold" grpId="0" nodeType="clickEffect">
                                   <p:stCondLst>
                                     <p:cond delay="0"/>
                                   </p:stCondLst>
                                   <p:childTnLst>
                                     <p:set>
                                       <p:cBhvr>
-                                        <p:cTn id="22" dur="1" fill="hold">
+                                        <p:cTn id="24" dur="1" fill="hold">
                                           <p:stCondLst>
                                             <p:cond delay="0"/>
                                           </p:stCondLst>
@@ -18483,20 +20449,20 @@
                           </p:cTn>
                         </p:par>
                         <p:par>
-                          <p:cTn id="23" fill="hold">
+                          <p:cTn id="25" fill="hold">
                             <p:stCondLst>
                               <p:cond delay="0"/>
                             </p:stCondLst>
                             <p:childTnLst>
                               <p:par>
-                                <p:cTn id="24" presetID="1" presetClass="entr" presetSubtype="0" fill="hold" grpId="0" nodeType="afterEffect">
+                                <p:cTn id="26" presetID="1" presetClass="entr" presetSubtype="0" fill="hold" grpId="0" nodeType="afterEffect">
                                   <p:stCondLst>
                                     <p:cond delay="0"/>
                                   </p:stCondLst>
                                   <p:childTnLst>
                                     <p:set>
                                       <p:cBhvr>
-                                        <p:cTn id="25" dur="1" fill="hold">
+                                        <p:cTn id="27" dur="1" fill="hold">
                                           <p:stCondLst>
                                             <p:cond delay="0"/>
                                           </p:stCondLst>
@@ -23149,6 +25115,42 @@
           </a:p>
         </p:txBody>
       </p:sp>
+      <p:pic>
+        <p:nvPicPr>
+          <p:cNvPr id="6" name="Image 5">
+            <a:extLst>
+              <a:ext uri="{FF2B5EF4-FFF2-40B4-BE49-F238E27FC236}">
+                <a16:creationId xmlns:a16="http://schemas.microsoft.com/office/drawing/2014/main" id="{D7F875E6-EDA3-48FB-B238-3EC9576F5831}"/>
+              </a:ext>
+            </a:extLst>
+          </p:cNvPr>
+          <p:cNvPicPr>
+            <a:picLocks noChangeAspect="1"/>
+          </p:cNvPicPr>
+          <p:nvPr/>
+        </p:nvPicPr>
+        <p:blipFill>
+          <a:blip r:embed="rId3">
+            <a:extLst>
+              <a:ext uri="{28A0092B-C50C-407E-A947-70E740481C1C}">
+                <a14:useLocalDpi xmlns:a14="http://schemas.microsoft.com/office/drawing/2010/main" val="0"/>
+              </a:ext>
+            </a:extLst>
+          </a:blip>
+          <a:stretch>
+            <a:fillRect/>
+          </a:stretch>
+        </p:blipFill>
+        <p:spPr>
+          <a:xfrm>
+            <a:off x="4649017" y="2682064"/>
+            <a:ext cx="7435712" cy="4114800"/>
+          </a:xfrm>
+          <a:prstGeom prst="rect">
+            <a:avLst/>
+          </a:prstGeom>
+        </p:spPr>
+      </p:pic>
       <p:sp>
         <p:nvSpPr>
           <p:cNvPr id="3" name="Espace réservé du contenu 2">
@@ -23165,66 +25167,55 @@
             <p:ph idx="1"/>
           </p:nvPr>
         </p:nvSpPr>
-        <p:spPr/>
+        <p:spPr>
+          <a:xfrm>
+            <a:off x="2023539" y="1340768"/>
+            <a:ext cx="10025122" cy="2621632"/>
+          </a:xfrm>
+        </p:spPr>
         <p:txBody>
           <a:bodyPr>
-            <a:normAutofit fontScale="85000" lnSpcReduction="20000"/>
+            <a:normAutofit fontScale="77500" lnSpcReduction="20000"/>
           </a:bodyPr>
           <a:lstStyle/>
           <a:p>
+            <a:pPr algn="just"/>
             <a:r>
               <a:rPr lang="fr-FR" dirty="0"/>
               <a:t>La data augmentation permet d’augmenter artificiellement la taille d’une base de données en créant de nouvelles images.</a:t>
             </a:r>
           </a:p>
           <a:p>
+            <a:pPr algn="just"/>
             <a:r>
               <a:rPr lang="fr-FR" dirty="0"/>
               <a:t>Ceci via des transformations géométriques, telles que :</a:t>
             </a:r>
           </a:p>
           <a:p>
-            <a:pPr lvl="1"/>
+            <a:pPr lvl="1" algn="just"/>
             <a:r>
               <a:rPr lang="fr-FR" dirty="0"/>
               <a:t>Rotation d’image.</a:t>
             </a:r>
           </a:p>
           <a:p>
-            <a:pPr lvl="1"/>
+            <a:pPr lvl="1" algn="just"/>
             <a:r>
               <a:rPr lang="fr-FR" dirty="0"/>
               <a:t>Inversion d’image.</a:t>
             </a:r>
           </a:p>
           <a:p>
-            <a:pPr lvl="1"/>
+            <a:pPr lvl="1" algn="just"/>
             <a:r>
               <a:rPr lang="fr-FR" dirty="0"/>
               <a:t>Changement de dimension de l’image.</a:t>
             </a:r>
           </a:p>
           <a:p>
-            <a:pPr lvl="1"/>
+            <a:pPr lvl="1" algn="just"/>
             <a:endParaRPr lang="fr-FR" dirty="0"/>
-          </a:p>
-          <a:p>
-            <a:r>
-              <a:rPr lang="fr-FR" dirty="0"/>
-              <a:t>Cette méthode a été testée dans ce projet, sans qu’elle puisse améliorer les résultats.</a:t>
-            </a:r>
-          </a:p>
-          <a:p>
-            <a:r>
-              <a:rPr lang="fr-FR" dirty="0"/>
-              <a:t>De plus, son principal inconvénient est d’augmenter considérablement les temps de calculs.</a:t>
-            </a:r>
-          </a:p>
-          <a:p>
-            <a:r>
-              <a:rPr lang="fr-FR" dirty="0"/>
-              <a:t>Cette méthode n’est pas pertinente pour ce projet, tel qu’il a été fait.</a:t>
-            </a:r>
           </a:p>
         </p:txBody>
       </p:sp>
@@ -23508,109 +25499,7 @@
                                           </p:stCondLst>
                                         </p:cTn>
                                         <p:tgtEl>
-                                          <p:spTgt spid="3">
-                                            <p:txEl>
-                                              <p:pRg st="6" end="6"/>
-                                            </p:txEl>
-                                          </p:spTgt>
-                                        </p:tgtEl>
-                                        <p:attrNameLst>
-                                          <p:attrName>style.visibility</p:attrName>
-                                        </p:attrNameLst>
-                                      </p:cBhvr>
-                                      <p:to>
-                                        <p:strVal val="visible"/>
-                                      </p:to>
-                                    </p:set>
-                                  </p:childTnLst>
-                                </p:cTn>
-                              </p:par>
-                            </p:childTnLst>
-                          </p:cTn>
-                        </p:par>
-                      </p:childTnLst>
-                    </p:cTn>
-                  </p:par>
-                  <p:par>
-                    <p:cTn id="21" fill="hold">
-                      <p:stCondLst>
-                        <p:cond delay="indefinite"/>
-                      </p:stCondLst>
-                      <p:childTnLst>
-                        <p:par>
-                          <p:cTn id="22" fill="hold">
-                            <p:stCondLst>
-                              <p:cond delay="0"/>
-                            </p:stCondLst>
-                            <p:childTnLst>
-                              <p:par>
-                                <p:cTn id="23" presetID="1" presetClass="entr" presetSubtype="0" fill="hold" nodeType="clickEffect">
-                                  <p:stCondLst>
-                                    <p:cond delay="0"/>
-                                  </p:stCondLst>
-                                  <p:childTnLst>
-                                    <p:set>
-                                      <p:cBhvr>
-                                        <p:cTn id="24" dur="1" fill="hold">
-                                          <p:stCondLst>
-                                            <p:cond delay="0"/>
-                                          </p:stCondLst>
-                                        </p:cTn>
-                                        <p:tgtEl>
-                                          <p:spTgt spid="3">
-                                            <p:txEl>
-                                              <p:pRg st="7" end="7"/>
-                                            </p:txEl>
-                                          </p:spTgt>
-                                        </p:tgtEl>
-                                        <p:attrNameLst>
-                                          <p:attrName>style.visibility</p:attrName>
-                                        </p:attrNameLst>
-                                      </p:cBhvr>
-                                      <p:to>
-                                        <p:strVal val="visible"/>
-                                      </p:to>
-                                    </p:set>
-                                  </p:childTnLst>
-                                </p:cTn>
-                              </p:par>
-                            </p:childTnLst>
-                          </p:cTn>
-                        </p:par>
-                      </p:childTnLst>
-                    </p:cTn>
-                  </p:par>
-                  <p:par>
-                    <p:cTn id="25" fill="hold">
-                      <p:stCondLst>
-                        <p:cond delay="indefinite"/>
-                      </p:stCondLst>
-                      <p:childTnLst>
-                        <p:par>
-                          <p:cTn id="26" fill="hold">
-                            <p:stCondLst>
-                              <p:cond delay="0"/>
-                            </p:stCondLst>
-                            <p:childTnLst>
-                              <p:par>
-                                <p:cTn id="27" presetID="1" presetClass="entr" presetSubtype="0" fill="hold" nodeType="clickEffect">
-                                  <p:stCondLst>
-                                    <p:cond delay="0"/>
-                                  </p:stCondLst>
-                                  <p:childTnLst>
-                                    <p:set>
-                                      <p:cBhvr>
-                                        <p:cTn id="28" dur="1" fill="hold">
-                                          <p:stCondLst>
-                                            <p:cond delay="0"/>
-                                          </p:stCondLst>
-                                        </p:cTn>
-                                        <p:tgtEl>
-                                          <p:spTgt spid="3">
-                                            <p:txEl>
-                                              <p:pRg st="8" end="8"/>
-                                            </p:txEl>
-                                          </p:spTgt>
+                                          <p:spTgt spid="6"/>
                                         </p:tgtEl>
                                         <p:attrNameLst>
                                           <p:attrName>style.visibility</p:attrName>
@@ -23627,20 +25516,20 @@
                           </p:cTn>
                         </p:par>
                         <p:par>
-                          <p:cTn id="29" fill="hold">
+                          <p:cTn id="21" fill="hold">
                             <p:stCondLst>
                               <p:cond delay="0"/>
                             </p:stCondLst>
                             <p:childTnLst>
                               <p:par>
-                                <p:cTn id="30" presetID="1" presetClass="entr" presetSubtype="0" fill="hold" grpId="0" nodeType="afterEffect">
+                                <p:cTn id="22" presetID="1" presetClass="entr" presetSubtype="0" fill="hold" grpId="0" nodeType="afterEffect">
                                   <p:stCondLst>
                                     <p:cond delay="0"/>
                                   </p:stCondLst>
                                   <p:childTnLst>
                                     <p:set>
                                       <p:cBhvr>
-                                        <p:cTn id="31" dur="1" fill="hold">
+                                        <p:cTn id="23" dur="1" fill="hold">
                                           <p:stCondLst>
                                             <p:cond delay="0"/>
                                           </p:stCondLst>
@@ -23715,7 +25604,7 @@
           <p:cNvPr id="2" name="Titre 1">
             <a:extLst>
               <a:ext uri="{FF2B5EF4-FFF2-40B4-BE49-F238E27FC236}">
-                <a16:creationId xmlns:a16="http://schemas.microsoft.com/office/drawing/2014/main" id="{6F6936B1-9763-47CB-97B6-1D9999B93C17}"/>
+                <a16:creationId xmlns:a16="http://schemas.microsoft.com/office/drawing/2014/main" id="{0C0EB5DD-6525-435D-B9E9-19C573462E5E}"/>
               </a:ext>
             </a:extLst>
           </p:cNvPr>
@@ -23733,17 +25622,17 @@
           <a:p>
             <a:r>
               <a:rPr lang="fr-FR" dirty="0"/>
-              <a:t>CONCLUSION</a:t>
+              <a:t>Data augmentation</a:t>
             </a:r>
           </a:p>
         </p:txBody>
       </p:sp>
       <p:sp>
         <p:nvSpPr>
-          <p:cNvPr id="3" name="Espace réservé du texte 2">
+          <p:cNvPr id="3" name="Espace réservé du contenu 2">
             <a:extLst>
               <a:ext uri="{FF2B5EF4-FFF2-40B4-BE49-F238E27FC236}">
-                <a16:creationId xmlns:a16="http://schemas.microsoft.com/office/drawing/2014/main" id="{BFBC027C-B14C-4009-A5D9-52B58859B8D4}"/>
+                <a16:creationId xmlns:a16="http://schemas.microsoft.com/office/drawing/2014/main" id="{922B554C-1CA1-4E04-B292-7C40E08CD212}"/>
               </a:ext>
             </a:extLst>
           </p:cNvPr>
@@ -23751,14 +25640,79 @@
             <a:spLocks noGrp="1"/>
           </p:cNvSpPr>
           <p:nvPr>
-            <p:ph type="body" idx="1"/>
+            <p:ph idx="1"/>
           </p:nvPr>
         </p:nvSpPr>
         <p:spPr/>
         <p:txBody>
-          <a:bodyPr/>
+          <a:bodyPr>
+            <a:normAutofit/>
+          </a:bodyPr>
           <a:lstStyle/>
           <a:p>
+            <a:pPr algn="just"/>
+            <a:r>
+              <a:rPr lang="fr-FR" dirty="0"/>
+              <a:t>Cette méthode a été testée dans ce projet, sans qu’elle puisse améliorer les résultats.</a:t>
+            </a:r>
+          </a:p>
+          <a:p>
+            <a:pPr algn="just"/>
+            <a:r>
+              <a:rPr lang="fr-FR" dirty="0"/>
+              <a:t>De plus, son principal inconvénient est d’augmenter considérablement les temps de calculs.</a:t>
+            </a:r>
+          </a:p>
+          <a:p>
+            <a:pPr algn="just"/>
+            <a:r>
+              <a:rPr lang="fr-FR" dirty="0"/>
+              <a:t>Cette méthode n’est pas pertinente pour ce projet, tel qu’il a été fait.</a:t>
+            </a:r>
+          </a:p>
+        </p:txBody>
+      </p:sp>
+      <p:sp>
+        <p:nvSpPr>
+          <p:cNvPr id="4" name="Flèche droite 4">
+            <a:extLst>
+              <a:ext uri="{FF2B5EF4-FFF2-40B4-BE49-F238E27FC236}">
+                <a16:creationId xmlns:a16="http://schemas.microsoft.com/office/drawing/2014/main" id="{0C1376AA-86C3-4732-827D-9AD10539287E}"/>
+              </a:ext>
+            </a:extLst>
+          </p:cNvPr>
+          <p:cNvSpPr/>
+          <p:nvPr/>
+        </p:nvSpPr>
+        <p:spPr>
+          <a:xfrm>
+            <a:off x="11736625" y="6488757"/>
+            <a:ext cx="432048" cy="360040"/>
+          </a:xfrm>
+          <a:prstGeom prst="rightArrow">
+            <a:avLst/>
+          </a:prstGeom>
+          <a:ln/>
+        </p:spPr>
+        <p:style>
+          <a:lnRef idx="0">
+            <a:schemeClr val="dk1"/>
+          </a:lnRef>
+          <a:fillRef idx="3">
+            <a:schemeClr val="dk1"/>
+          </a:fillRef>
+          <a:effectRef idx="3">
+            <a:schemeClr val="dk1"/>
+          </a:effectRef>
+          <a:fontRef idx="minor">
+            <a:schemeClr val="lt1"/>
+          </a:fontRef>
+        </p:style>
+        <p:txBody>
+          <a:bodyPr rtlCol="0" anchor="ctr"/>
+          <a:lstStyle/>
+          <a:p>
+            <a:pPr algn="ctr"/>
             <a:endParaRPr lang="fr-FR"/>
           </a:p>
         </p:txBody>
@@ -23766,25 +25720,229 @@
     </p:spTree>
     <p:extLst>
       <p:ext uri="{BB962C8B-B14F-4D97-AF65-F5344CB8AC3E}">
-        <p14:creationId xmlns:p14="http://schemas.microsoft.com/office/powerpoint/2010/main" val="822013721"/>
+        <p14:creationId xmlns:p14="http://schemas.microsoft.com/office/powerpoint/2010/main" val="1609302294"/>
       </p:ext>
     </p:extLst>
   </p:cSld>
   <p:clrMapOvr>
     <a:masterClrMapping/>
   </p:clrMapOvr>
-  <mc:AlternateContent xmlns:mc="http://schemas.openxmlformats.org/markup-compatibility/2006" xmlns:p14="http://schemas.microsoft.com/office/powerpoint/2010/main">
-    <mc:Choice Requires="p14">
-      <p:transition spd="med" p14:dur="700">
-        <p:fade/>
-      </p:transition>
-    </mc:Choice>
-    <mc:Fallback xmlns="">
-      <p:transition spd="med">
-        <p:fade/>
-      </p:transition>
-    </mc:Fallback>
-  </mc:AlternateContent>
+  <p:timing>
+    <p:tnLst>
+      <p:par>
+        <p:cTn id="1" dur="indefinite" restart="never" nodeType="tmRoot">
+          <p:childTnLst>
+            <p:seq concurrent="1" nextAc="seek">
+              <p:cTn id="2" dur="indefinite" nodeType="mainSeq">
+                <p:childTnLst>
+                  <p:par>
+                    <p:cTn id="3" fill="hold">
+                      <p:stCondLst>
+                        <p:cond delay="indefinite"/>
+                      </p:stCondLst>
+                      <p:childTnLst>
+                        <p:par>
+                          <p:cTn id="4" fill="hold">
+                            <p:stCondLst>
+                              <p:cond delay="0"/>
+                            </p:stCondLst>
+                            <p:childTnLst>
+                              <p:par>
+                                <p:cTn id="5" presetID="1" presetClass="entr" presetSubtype="0" fill="hold" nodeType="clickEffect">
+                                  <p:stCondLst>
+                                    <p:cond delay="0"/>
+                                  </p:stCondLst>
+                                  <p:childTnLst>
+                                    <p:set>
+                                      <p:cBhvr>
+                                        <p:cTn id="6" dur="1" fill="hold">
+                                          <p:stCondLst>
+                                            <p:cond delay="0"/>
+                                          </p:stCondLst>
+                                        </p:cTn>
+                                        <p:tgtEl>
+                                          <p:spTgt spid="3">
+                                            <p:txEl>
+                                              <p:pRg st="0" end="0"/>
+                                            </p:txEl>
+                                          </p:spTgt>
+                                        </p:tgtEl>
+                                        <p:attrNameLst>
+                                          <p:attrName>style.visibility</p:attrName>
+                                        </p:attrNameLst>
+                                      </p:cBhvr>
+                                      <p:to>
+                                        <p:strVal val="visible"/>
+                                      </p:to>
+                                    </p:set>
+                                  </p:childTnLst>
+                                </p:cTn>
+                              </p:par>
+                            </p:childTnLst>
+                          </p:cTn>
+                        </p:par>
+                      </p:childTnLst>
+                    </p:cTn>
+                  </p:par>
+                  <p:par>
+                    <p:cTn id="7" fill="hold">
+                      <p:stCondLst>
+                        <p:cond delay="indefinite"/>
+                      </p:stCondLst>
+                      <p:childTnLst>
+                        <p:par>
+                          <p:cTn id="8" fill="hold">
+                            <p:stCondLst>
+                              <p:cond delay="0"/>
+                            </p:stCondLst>
+                            <p:childTnLst>
+                              <p:par>
+                                <p:cTn id="9" presetID="1" presetClass="entr" presetSubtype="0" fill="hold" nodeType="clickEffect">
+                                  <p:stCondLst>
+                                    <p:cond delay="0"/>
+                                  </p:stCondLst>
+                                  <p:childTnLst>
+                                    <p:set>
+                                      <p:cBhvr>
+                                        <p:cTn id="10" dur="1" fill="hold">
+                                          <p:stCondLst>
+                                            <p:cond delay="0"/>
+                                          </p:stCondLst>
+                                        </p:cTn>
+                                        <p:tgtEl>
+                                          <p:spTgt spid="3">
+                                            <p:txEl>
+                                              <p:pRg st="1" end="1"/>
+                                            </p:txEl>
+                                          </p:spTgt>
+                                        </p:tgtEl>
+                                        <p:attrNameLst>
+                                          <p:attrName>style.visibility</p:attrName>
+                                        </p:attrNameLst>
+                                      </p:cBhvr>
+                                      <p:to>
+                                        <p:strVal val="visible"/>
+                                      </p:to>
+                                    </p:set>
+                                  </p:childTnLst>
+                                </p:cTn>
+                              </p:par>
+                            </p:childTnLst>
+                          </p:cTn>
+                        </p:par>
+                      </p:childTnLst>
+                    </p:cTn>
+                  </p:par>
+                  <p:par>
+                    <p:cTn id="11" fill="hold">
+                      <p:stCondLst>
+                        <p:cond delay="indefinite"/>
+                      </p:stCondLst>
+                      <p:childTnLst>
+                        <p:par>
+                          <p:cTn id="12" fill="hold">
+                            <p:stCondLst>
+                              <p:cond delay="0"/>
+                            </p:stCondLst>
+                            <p:childTnLst>
+                              <p:par>
+                                <p:cTn id="13" presetID="1" presetClass="entr" presetSubtype="0" fill="hold" nodeType="clickEffect">
+                                  <p:stCondLst>
+                                    <p:cond delay="0"/>
+                                  </p:stCondLst>
+                                  <p:childTnLst>
+                                    <p:set>
+                                      <p:cBhvr>
+                                        <p:cTn id="14" dur="1" fill="hold">
+                                          <p:stCondLst>
+                                            <p:cond delay="0"/>
+                                          </p:stCondLst>
+                                        </p:cTn>
+                                        <p:tgtEl>
+                                          <p:spTgt spid="3">
+                                            <p:txEl>
+                                              <p:pRg st="2" end="2"/>
+                                            </p:txEl>
+                                          </p:spTgt>
+                                        </p:tgtEl>
+                                        <p:attrNameLst>
+                                          <p:attrName>style.visibility</p:attrName>
+                                        </p:attrNameLst>
+                                      </p:cBhvr>
+                                      <p:to>
+                                        <p:strVal val="visible"/>
+                                      </p:to>
+                                    </p:set>
+                                  </p:childTnLst>
+                                </p:cTn>
+                              </p:par>
+                            </p:childTnLst>
+                          </p:cTn>
+                        </p:par>
+                        <p:par>
+                          <p:cTn id="15" fill="hold">
+                            <p:stCondLst>
+                              <p:cond delay="0"/>
+                            </p:stCondLst>
+                            <p:childTnLst>
+                              <p:par>
+                                <p:cTn id="16" presetID="1" presetClass="entr" presetSubtype="0" fill="hold" grpId="0" nodeType="afterEffect">
+                                  <p:stCondLst>
+                                    <p:cond delay="0"/>
+                                  </p:stCondLst>
+                                  <p:childTnLst>
+                                    <p:set>
+                                      <p:cBhvr>
+                                        <p:cTn id="17" dur="1" fill="hold">
+                                          <p:stCondLst>
+                                            <p:cond delay="0"/>
+                                          </p:stCondLst>
+                                        </p:cTn>
+                                        <p:tgtEl>
+                                          <p:spTgt spid="4"/>
+                                        </p:tgtEl>
+                                        <p:attrNameLst>
+                                          <p:attrName>style.visibility</p:attrName>
+                                        </p:attrNameLst>
+                                      </p:cBhvr>
+                                      <p:to>
+                                        <p:strVal val="visible"/>
+                                      </p:to>
+                                    </p:set>
+                                  </p:childTnLst>
+                                </p:cTn>
+                              </p:par>
+                            </p:childTnLst>
+                          </p:cTn>
+                        </p:par>
+                      </p:childTnLst>
+                    </p:cTn>
+                  </p:par>
+                </p:childTnLst>
+              </p:cTn>
+              <p:prevCondLst>
+                <p:cond evt="onPrev" delay="0">
+                  <p:tgtEl>
+                    <p:sldTgt/>
+                  </p:tgtEl>
+                </p:cond>
+              </p:prevCondLst>
+              <p:nextCondLst>
+                <p:cond evt="onNext" delay="0">
+                  <p:tgtEl>
+                    <p:sldTgt/>
+                  </p:tgtEl>
+                </p:cond>
+              </p:nextCondLst>
+            </p:seq>
+          </p:childTnLst>
+        </p:cTn>
+      </p:par>
+    </p:tnLst>
+    <p:bldLst>
+      <p:bldP spid="4" grpId="0" animBg="1"/>
+    </p:bldLst>
+  </p:timing>
 </p:sld>
 </file>
 
@@ -23852,38 +26010,39 @@
         <p:spPr/>
         <p:txBody>
           <a:bodyPr>
-            <a:normAutofit fontScale="92500" lnSpcReduction="10000"/>
+            <a:normAutofit fontScale="92500" lnSpcReduction="20000"/>
           </a:bodyPr>
           <a:lstStyle/>
           <a:p>
+            <a:pPr algn="just"/>
             <a:r>
               <a:rPr lang="fr-FR" u="sng" dirty="0"/>
               <a:t>Démarche retenue :</a:t>
             </a:r>
           </a:p>
           <a:p>
-            <a:pPr lvl="1"/>
+            <a:pPr lvl="1" algn="just"/>
             <a:r>
               <a:rPr lang="fr-FR" dirty="0"/>
               <a:t>Récupérer une base de données de race de chiens.</a:t>
             </a:r>
           </a:p>
           <a:p>
-            <a:pPr lvl="1"/>
+            <a:pPr lvl="1" algn="just"/>
             <a:r>
               <a:rPr lang="fr-FR" dirty="0"/>
               <a:t>Tenter deux approches différentes pour créer la classification :</a:t>
             </a:r>
           </a:p>
           <a:p>
-            <a:pPr lvl="1"/>
+            <a:pPr lvl="2" algn="just"/>
             <a:r>
               <a:rPr lang="fr-FR" dirty="0"/>
               <a:t>Approche classique :</a:t>
             </a:r>
           </a:p>
           <a:p>
-            <a:pPr lvl="2"/>
+            <a:pPr lvl="3" algn="just"/>
             <a:r>
               <a:rPr lang="fr-FR" dirty="0"/>
               <a:t>Pre-</a:t>
@@ -23898,7 +26057,7 @@
             </a:r>
           </a:p>
           <a:p>
-            <a:pPr lvl="2"/>
+            <a:pPr lvl="3" algn="just"/>
             <a:r>
               <a:rPr lang="fr-FR" dirty="0"/>
               <a:t>Extraire des </a:t>
@@ -23910,28 +26069,40 @@
             <a:endParaRPr lang="fr-FR" dirty="0"/>
           </a:p>
           <a:p>
-            <a:pPr lvl="2"/>
+            <a:pPr lvl="3" algn="just"/>
+            <a:r>
+              <a:rPr lang="fr-FR" dirty="0"/>
+              <a:t>Créer un bag-of-</a:t>
+            </a:r>
+            <a:r>
+              <a:rPr lang="fr-FR" dirty="0" err="1"/>
+              <a:t>features</a:t>
+            </a:r>
+            <a:endParaRPr lang="fr-FR" dirty="0"/>
+          </a:p>
+          <a:p>
+            <a:pPr lvl="3" algn="just"/>
             <a:r>
               <a:rPr lang="fr-FR" dirty="0"/>
               <a:t>Réduire les dimensions</a:t>
             </a:r>
           </a:p>
           <a:p>
-            <a:pPr lvl="2"/>
+            <a:pPr lvl="3" algn="just"/>
             <a:r>
               <a:rPr lang="fr-FR" dirty="0"/>
               <a:t>Appliquer des algorithmes de classification</a:t>
             </a:r>
           </a:p>
           <a:p>
-            <a:pPr lvl="1"/>
+            <a:pPr lvl="2" algn="just"/>
             <a:r>
               <a:rPr lang="fr-FR" dirty="0"/>
               <a:t>Approche s’appuyant sur les réseaux de neurones :</a:t>
             </a:r>
           </a:p>
           <a:p>
-            <a:pPr lvl="2"/>
+            <a:pPr lvl="3" algn="just"/>
             <a:r>
               <a:rPr lang="fr-FR" dirty="0"/>
               <a:t>Transfer </a:t>
@@ -24351,33 +26522,15 @@
                                   </p:childTnLst>
                                 </p:cTn>
                               </p:par>
-                            </p:childTnLst>
-                          </p:cTn>
-                        </p:par>
-                      </p:childTnLst>
-                    </p:cTn>
-                  </p:par>
-                  <p:par>
-                    <p:cTn id="29" fill="hold">
-                      <p:stCondLst>
-                        <p:cond delay="indefinite"/>
-                      </p:stCondLst>
-                      <p:childTnLst>
-                        <p:par>
-                          <p:cTn id="30" fill="hold">
-                            <p:stCondLst>
-                              <p:cond delay="0"/>
-                            </p:stCondLst>
-                            <p:childTnLst>
                               <p:par>
-                                <p:cTn id="31" presetID="1" presetClass="entr" presetSubtype="0" fill="hold" nodeType="clickEffect">
+                                <p:cTn id="29" presetID="1" presetClass="entr" presetSubtype="0" fill="hold" nodeType="withEffect">
                                   <p:stCondLst>
                                     <p:cond delay="0"/>
                                   </p:stCondLst>
                                   <p:childTnLst>
                                     <p:set>
                                       <p:cBhvr>
-                                        <p:cTn id="32" dur="1" fill="hold">
+                                        <p:cTn id="30" dur="1" fill="hold">
                                           <p:stCondLst>
                                             <p:cond delay="0"/>
                                           </p:stCondLst>
@@ -24400,8 +26553,26 @@
                                   </p:childTnLst>
                                 </p:cTn>
                               </p:par>
+                            </p:childTnLst>
+                          </p:cTn>
+                        </p:par>
+                      </p:childTnLst>
+                    </p:cTn>
+                  </p:par>
+                  <p:par>
+                    <p:cTn id="31" fill="hold">
+                      <p:stCondLst>
+                        <p:cond delay="indefinite"/>
+                      </p:stCondLst>
+                      <p:childTnLst>
+                        <p:par>
+                          <p:cTn id="32" fill="hold">
+                            <p:stCondLst>
+                              <p:cond delay="0"/>
+                            </p:stCondLst>
+                            <p:childTnLst>
                               <p:par>
-                                <p:cTn id="33" presetID="1" presetClass="entr" presetSubtype="0" fill="hold" nodeType="withEffect">
+                                <p:cTn id="33" presetID="1" presetClass="entr" presetSubtype="0" fill="hold" nodeType="clickEffect">
                                   <p:stCondLst>
                                     <p:cond delay="0"/>
                                   </p:stCondLst>
@@ -24431,24 +26602,55 @@
                                   </p:childTnLst>
                                 </p:cTn>
                               </p:par>
-                            </p:childTnLst>
-                          </p:cTn>
-                        </p:par>
-                        <p:par>
-                          <p:cTn id="35" fill="hold">
-                            <p:stCondLst>
-                              <p:cond delay="0"/>
-                            </p:stCondLst>
-                            <p:childTnLst>
                               <p:par>
-                                <p:cTn id="36" presetID="1" presetClass="entr" presetSubtype="0" fill="hold" grpId="0" nodeType="afterEffect">
+                                <p:cTn id="35" presetID="1" presetClass="entr" presetSubtype="0" fill="hold" nodeType="withEffect">
                                   <p:stCondLst>
                                     <p:cond delay="0"/>
                                   </p:stCondLst>
                                   <p:childTnLst>
                                     <p:set>
                                       <p:cBhvr>
-                                        <p:cTn id="37" dur="1" fill="hold">
+                                        <p:cTn id="36" dur="1" fill="hold">
+                                          <p:stCondLst>
+                                            <p:cond delay="0"/>
+                                          </p:stCondLst>
+                                        </p:cTn>
+                                        <p:tgtEl>
+                                          <p:spTgt spid="3">
+                                            <p:txEl>
+                                              <p:pRg st="10" end="10"/>
+                                            </p:txEl>
+                                          </p:spTgt>
+                                        </p:tgtEl>
+                                        <p:attrNameLst>
+                                          <p:attrName>style.visibility</p:attrName>
+                                        </p:attrNameLst>
+                                      </p:cBhvr>
+                                      <p:to>
+                                        <p:strVal val="visible"/>
+                                      </p:to>
+                                    </p:set>
+                                  </p:childTnLst>
+                                </p:cTn>
+                              </p:par>
+                            </p:childTnLst>
+                          </p:cTn>
+                        </p:par>
+                        <p:par>
+                          <p:cTn id="37" fill="hold">
+                            <p:stCondLst>
+                              <p:cond delay="0"/>
+                            </p:stCondLst>
+                            <p:childTnLst>
+                              <p:par>
+                                <p:cTn id="38" presetID="1" presetClass="entr" presetSubtype="0" fill="hold" grpId="0" nodeType="afterEffect">
+                                  <p:stCondLst>
+                                    <p:cond delay="0"/>
+                                  </p:stCondLst>
+                                  <p:childTnLst>
+                                    <p:set>
+                                      <p:cBhvr>
+                                        <p:cTn id="39" dur="1" fill="hold">
                                           <p:stCondLst>
                                             <p:cond delay="0"/>
                                           </p:stCondLst>
@@ -24502,6 +26704,101 @@
 </file>
 
 <file path=ppt/slides/slide40.xml><?xml version="1.0" encoding="utf-8"?>
+<p:sld xmlns:a="http://schemas.openxmlformats.org/drawingml/2006/main" xmlns:r="http://schemas.openxmlformats.org/officeDocument/2006/relationships" xmlns:p="http://schemas.openxmlformats.org/presentationml/2006/main">
+  <p:cSld>
+    <p:spTree>
+      <p:nvGrpSpPr>
+        <p:cNvPr id="1" name=""/>
+        <p:cNvGrpSpPr/>
+        <p:nvPr/>
+      </p:nvGrpSpPr>
+      <p:grpSpPr>
+        <a:xfrm>
+          <a:off x="0" y="0"/>
+          <a:ext cx="0" cy="0"/>
+          <a:chOff x="0" y="0"/>
+          <a:chExt cx="0" cy="0"/>
+        </a:xfrm>
+      </p:grpSpPr>
+      <p:sp>
+        <p:nvSpPr>
+          <p:cNvPr id="2" name="Titre 1">
+            <a:extLst>
+              <a:ext uri="{FF2B5EF4-FFF2-40B4-BE49-F238E27FC236}">
+                <a16:creationId xmlns:a16="http://schemas.microsoft.com/office/drawing/2014/main" id="{6F6936B1-9763-47CB-97B6-1D9999B93C17}"/>
+              </a:ext>
+            </a:extLst>
+          </p:cNvPr>
+          <p:cNvSpPr>
+            <a:spLocks noGrp="1"/>
+          </p:cNvSpPr>
+          <p:nvPr>
+            <p:ph type="title"/>
+          </p:nvPr>
+        </p:nvSpPr>
+        <p:spPr/>
+        <p:txBody>
+          <a:bodyPr/>
+          <a:lstStyle/>
+          <a:p>
+            <a:r>
+              <a:rPr lang="fr-FR" dirty="0"/>
+              <a:t>CONCLUSION</a:t>
+            </a:r>
+          </a:p>
+        </p:txBody>
+      </p:sp>
+      <p:sp>
+        <p:nvSpPr>
+          <p:cNvPr id="3" name="Espace réservé du texte 2">
+            <a:extLst>
+              <a:ext uri="{FF2B5EF4-FFF2-40B4-BE49-F238E27FC236}">
+                <a16:creationId xmlns:a16="http://schemas.microsoft.com/office/drawing/2014/main" id="{BFBC027C-B14C-4009-A5D9-52B58859B8D4}"/>
+              </a:ext>
+            </a:extLst>
+          </p:cNvPr>
+          <p:cNvSpPr>
+            <a:spLocks noGrp="1"/>
+          </p:cNvSpPr>
+          <p:nvPr>
+            <p:ph type="body" idx="1"/>
+          </p:nvPr>
+        </p:nvSpPr>
+        <p:spPr/>
+        <p:txBody>
+          <a:bodyPr/>
+          <a:lstStyle/>
+          <a:p>
+            <a:endParaRPr lang="fr-FR"/>
+          </a:p>
+        </p:txBody>
+      </p:sp>
+    </p:spTree>
+    <p:extLst>
+      <p:ext uri="{BB962C8B-B14F-4D97-AF65-F5344CB8AC3E}">
+        <p14:creationId xmlns:p14="http://schemas.microsoft.com/office/powerpoint/2010/main" val="822013721"/>
+      </p:ext>
+    </p:extLst>
+  </p:cSld>
+  <p:clrMapOvr>
+    <a:masterClrMapping/>
+  </p:clrMapOvr>
+  <mc:AlternateContent xmlns:mc="http://schemas.openxmlformats.org/markup-compatibility/2006" xmlns:p14="http://schemas.microsoft.com/office/powerpoint/2010/main">
+    <mc:Choice Requires="p14">
+      <p:transition spd="med" p14:dur="700">
+        <p:fade/>
+      </p:transition>
+    </mc:Choice>
+    <mc:Fallback xmlns="">
+      <p:transition spd="med">
+        <p:fade/>
+      </p:transition>
+    </mc:Fallback>
+  </mc:AlternateContent>
+</p:sld>
+</file>
+
+<file path=ppt/slides/slide41.xml><?xml version="1.0" encoding="utf-8"?>
 <p:sld xmlns:a="http://schemas.openxmlformats.org/drawingml/2006/main" xmlns:r="http://schemas.openxmlformats.org/officeDocument/2006/relationships" xmlns:p="http://schemas.openxmlformats.org/presentationml/2006/main">
   <p:cSld>
     <p:spTree>
@@ -25237,7 +27534,7 @@
 </p:sld>
 </file>
 
-<file path=ppt/slides/slide41.xml><?xml version="1.0" encoding="utf-8"?>
+<file path=ppt/slides/slide42.xml><?xml version="1.0" encoding="utf-8"?>
 <p:sld xmlns:a="http://schemas.openxmlformats.org/drawingml/2006/main" xmlns:r="http://schemas.openxmlformats.org/officeDocument/2006/relationships" xmlns:p="http://schemas.openxmlformats.org/presentationml/2006/main">
   <p:cSld>
     <p:spTree>
@@ -25317,13 +27614,25 @@
           <a:p>
             <a:r>
               <a:rPr lang="fr-FR" dirty="0"/>
-              <a:t>Pouvoir avoir les ressources pour faire tourner l’algorithme avec les 120 races de chien.</a:t>
+              <a:t>Tester d’autres hyperparamètres.</a:t>
+            </a:r>
+          </a:p>
+          <a:p>
+            <a:r>
+              <a:rPr lang="fr-FR" dirty="0"/>
+              <a:t>Pouvoir avoir les ressources (online ?) pour faire tourner l’algorithme avec les 120 races de chien.</a:t>
             </a:r>
           </a:p>
           <a:p>
             <a:r>
               <a:rPr lang="fr-FR" dirty="0"/>
               <a:t>S’intéresser à d’autres réseaux de neurones pré-entrainés.</a:t>
+            </a:r>
+          </a:p>
+          <a:p>
+            <a:r>
+              <a:rPr lang="fr-FR" dirty="0"/>
+              <a:t>Ré-entrainer un réseau entier pour ce problème ?</a:t>
             </a:r>
           </a:p>
         </p:txBody>
@@ -25584,21 +27893,119 @@
                             </p:childTnLst>
                           </p:cTn>
                         </p:par>
+                      </p:childTnLst>
+                    </p:cTn>
+                  </p:par>
+                  <p:par>
+                    <p:cTn id="19" fill="hold">
+                      <p:stCondLst>
+                        <p:cond delay="indefinite"/>
+                      </p:stCondLst>
+                      <p:childTnLst>
                         <p:par>
-                          <p:cTn id="19" fill="hold">
+                          <p:cTn id="20" fill="hold">
                             <p:stCondLst>
                               <p:cond delay="0"/>
                             </p:stCondLst>
                             <p:childTnLst>
                               <p:par>
-                                <p:cTn id="20" presetID="1" presetClass="entr" presetSubtype="0" fill="hold" grpId="0" nodeType="afterEffect">
+                                <p:cTn id="21" presetID="1" presetClass="entr" presetSubtype="0" fill="hold" nodeType="clickEffect">
                                   <p:stCondLst>
                                     <p:cond delay="0"/>
                                   </p:stCondLst>
                                   <p:childTnLst>
                                     <p:set>
                                       <p:cBhvr>
-                                        <p:cTn id="21" dur="1" fill="hold">
+                                        <p:cTn id="22" dur="1" fill="hold">
+                                          <p:stCondLst>
+                                            <p:cond delay="0"/>
+                                          </p:stCondLst>
+                                        </p:cTn>
+                                        <p:tgtEl>
+                                          <p:spTgt spid="3">
+                                            <p:txEl>
+                                              <p:pRg st="4" end="4"/>
+                                            </p:txEl>
+                                          </p:spTgt>
+                                        </p:tgtEl>
+                                        <p:attrNameLst>
+                                          <p:attrName>style.visibility</p:attrName>
+                                        </p:attrNameLst>
+                                      </p:cBhvr>
+                                      <p:to>
+                                        <p:strVal val="visible"/>
+                                      </p:to>
+                                    </p:set>
+                                  </p:childTnLst>
+                                </p:cTn>
+                              </p:par>
+                            </p:childTnLst>
+                          </p:cTn>
+                        </p:par>
+                      </p:childTnLst>
+                    </p:cTn>
+                  </p:par>
+                  <p:par>
+                    <p:cTn id="23" fill="hold">
+                      <p:stCondLst>
+                        <p:cond delay="indefinite"/>
+                      </p:stCondLst>
+                      <p:childTnLst>
+                        <p:par>
+                          <p:cTn id="24" fill="hold">
+                            <p:stCondLst>
+                              <p:cond delay="0"/>
+                            </p:stCondLst>
+                            <p:childTnLst>
+                              <p:par>
+                                <p:cTn id="25" presetID="1" presetClass="entr" presetSubtype="0" fill="hold" nodeType="clickEffect">
+                                  <p:stCondLst>
+                                    <p:cond delay="0"/>
+                                  </p:stCondLst>
+                                  <p:childTnLst>
+                                    <p:set>
+                                      <p:cBhvr>
+                                        <p:cTn id="26" dur="1" fill="hold">
+                                          <p:stCondLst>
+                                            <p:cond delay="0"/>
+                                          </p:stCondLst>
+                                        </p:cTn>
+                                        <p:tgtEl>
+                                          <p:spTgt spid="3">
+                                            <p:txEl>
+                                              <p:pRg st="5" end="5"/>
+                                            </p:txEl>
+                                          </p:spTgt>
+                                        </p:tgtEl>
+                                        <p:attrNameLst>
+                                          <p:attrName>style.visibility</p:attrName>
+                                        </p:attrNameLst>
+                                      </p:cBhvr>
+                                      <p:to>
+                                        <p:strVal val="visible"/>
+                                      </p:to>
+                                    </p:set>
+                                  </p:childTnLst>
+                                </p:cTn>
+                              </p:par>
+                            </p:childTnLst>
+                          </p:cTn>
+                        </p:par>
+                        <p:par>
+                          <p:cTn id="27" fill="hold">
+                            <p:stCondLst>
+                              <p:cond delay="0"/>
+                            </p:stCondLst>
+                            <p:childTnLst>
+                              <p:par>
+                                <p:cTn id="28" presetID="1" presetClass="entr" presetSubtype="0" fill="hold" grpId="0" nodeType="afterEffect">
+                                  <p:stCondLst>
+                                    <p:cond delay="0"/>
+                                  </p:stCondLst>
+                                  <p:childTnLst>
+                                    <p:set>
+                                      <p:cBhvr>
+                                        <p:cTn id="29" dur="1" fill="hold">
                                           <p:stCondLst>
                                             <p:cond delay="0"/>
                                           </p:stCondLst>
@@ -25651,7 +28058,7 @@
 </p:sld>
 </file>
 
-<file path=ppt/slides/slide42.xml><?xml version="1.0" encoding="utf-8"?>
+<file path=ppt/slides/slide43.xml><?xml version="1.0" encoding="utf-8"?>
 <p:sld xmlns:a="http://schemas.openxmlformats.org/drawingml/2006/main" xmlns:r="http://schemas.openxmlformats.org/officeDocument/2006/relationships" xmlns:p="http://schemas.openxmlformats.org/presentationml/2006/main">
   <p:cSld>
     <p:spTree>
@@ -25908,13 +28315,14 @@
           <a:bodyPr/>
           <a:lstStyle/>
           <a:p>
+            <a:pPr algn="just"/>
             <a:r>
               <a:rPr lang="fr-FR" dirty="0"/>
               <a:t>Source des données :</a:t>
             </a:r>
           </a:p>
           <a:p>
-            <a:pPr lvl="1"/>
+            <a:pPr lvl="1" algn="just"/>
             <a:r>
               <a:rPr lang="fr-FR" dirty="0"/>
               <a:t>Stanford </a:t>
@@ -25934,7 +28342,7 @@
             <a:endParaRPr lang="fr-FR" dirty="0"/>
           </a:p>
           <a:p>
-            <a:pPr lvl="1"/>
+            <a:pPr lvl="1" algn="just"/>
             <a:r>
               <a:rPr lang="fr-FR" dirty="0">
                 <a:hlinkClick r:id="rId2"/>
@@ -25944,21 +28352,21 @@
             <a:endParaRPr lang="fr-FR" dirty="0"/>
           </a:p>
           <a:p>
-            <a:pPr lvl="1"/>
+            <a:pPr lvl="1" algn="just"/>
             <a:r>
               <a:rPr lang="fr-FR" dirty="0"/>
               <a:t>Données réelles.</a:t>
             </a:r>
           </a:p>
           <a:p>
-            <a:pPr lvl="1"/>
+            <a:pPr lvl="1" algn="just"/>
             <a:r>
               <a:rPr lang="fr-FR" dirty="0"/>
               <a:t>120 races de chiens.</a:t>
             </a:r>
           </a:p>
           <a:p>
-            <a:pPr lvl="1"/>
+            <a:pPr lvl="1" algn="just"/>
             <a:r>
               <a:rPr lang="fr-FR" dirty="0"/>
               <a:t>20 580 images.</a:t>
@@ -26895,6 +29303,7 @@
           </a:bodyPr>
           <a:lstStyle/>
           <a:p>
+            <a:pPr algn="just"/>
             <a:r>
               <a:rPr lang="fr-FR" dirty="0"/>
               <a:t>Le </a:t>
@@ -26909,38 +29318,36 @@
             </a:r>
           </a:p>
           <a:p>
+            <a:pPr algn="just"/>
             <a:r>
               <a:rPr lang="fr-FR" dirty="0"/>
               <a:t>Il suffit de choisir :</a:t>
             </a:r>
           </a:p>
           <a:p>
-            <a:pPr lvl="1"/>
+            <a:pPr lvl="1" algn="just"/>
             <a:r>
               <a:rPr lang="fr-FR" dirty="0"/>
               <a:t>Le nombre de races</a:t>
             </a:r>
           </a:p>
           <a:p>
-            <a:pPr lvl="1"/>
+            <a:pPr lvl="1" algn="just"/>
             <a:r>
               <a:rPr lang="fr-FR" dirty="0"/>
               <a:t>Le nombre d’images par races</a:t>
             </a:r>
           </a:p>
           <a:p>
-            <a:pPr lvl="1"/>
+            <a:pPr lvl="1" algn="just"/>
             <a:endParaRPr lang="fr-FR" dirty="0"/>
           </a:p>
           <a:p>
+            <a:pPr algn="just"/>
             <a:r>
               <a:rPr lang="fr-FR" dirty="0"/>
               <a:t>Pour cet exemple, il a été choisi de prendre 5 races, avec toutes les images présentes pour chaque race.</a:t>
             </a:r>
-          </a:p>
-          <a:p>
-            <a:pPr lvl="1"/>
-            <a:endParaRPr lang="fr-FR" dirty="0"/>
           </a:p>
         </p:txBody>
       </p:sp>
